--- a/chap3/3장.pptx
+++ b/chap3/3장.pptx
@@ -244,7 +244,7 @@
           <a:p>
             <a:fld id="{D6256A93-9054-4FB5-A5A6-9D00BB2633B8}" type="datetimeFigureOut">
               <a:rPr lang="ko-KR" altLang="en-US" smtClean="0"/>
-              <a:t>2021-12-29</a:t>
+              <a:t>2022-01-03</a:t>
             </a:fld>
             <a:endParaRPr lang="ko-KR" altLang="en-US"/>
           </a:p>
@@ -414,7 +414,7 @@
           <a:p>
             <a:fld id="{D6256A93-9054-4FB5-A5A6-9D00BB2633B8}" type="datetimeFigureOut">
               <a:rPr lang="ko-KR" altLang="en-US" smtClean="0"/>
-              <a:t>2021-12-29</a:t>
+              <a:t>2022-01-03</a:t>
             </a:fld>
             <a:endParaRPr lang="ko-KR" altLang="en-US"/>
           </a:p>
@@ -594,7 +594,7 @@
           <a:p>
             <a:fld id="{D6256A93-9054-4FB5-A5A6-9D00BB2633B8}" type="datetimeFigureOut">
               <a:rPr lang="ko-KR" altLang="en-US" smtClean="0"/>
-              <a:t>2021-12-29</a:t>
+              <a:t>2022-01-03</a:t>
             </a:fld>
             <a:endParaRPr lang="ko-KR" altLang="en-US"/>
           </a:p>
@@ -764,7 +764,7 @@
           <a:p>
             <a:fld id="{D6256A93-9054-4FB5-A5A6-9D00BB2633B8}" type="datetimeFigureOut">
               <a:rPr lang="ko-KR" altLang="en-US" smtClean="0"/>
-              <a:t>2021-12-29</a:t>
+              <a:t>2022-01-03</a:t>
             </a:fld>
             <a:endParaRPr lang="ko-KR" altLang="en-US"/>
           </a:p>
@@ -1010,7 +1010,7 @@
           <a:p>
             <a:fld id="{D6256A93-9054-4FB5-A5A6-9D00BB2633B8}" type="datetimeFigureOut">
               <a:rPr lang="ko-KR" altLang="en-US" smtClean="0"/>
-              <a:t>2021-12-29</a:t>
+              <a:t>2022-01-03</a:t>
             </a:fld>
             <a:endParaRPr lang="ko-KR" altLang="en-US"/>
           </a:p>
@@ -1242,7 +1242,7 @@
           <a:p>
             <a:fld id="{D6256A93-9054-4FB5-A5A6-9D00BB2633B8}" type="datetimeFigureOut">
               <a:rPr lang="ko-KR" altLang="en-US" smtClean="0"/>
-              <a:t>2021-12-29</a:t>
+              <a:t>2022-01-03</a:t>
             </a:fld>
             <a:endParaRPr lang="ko-KR" altLang="en-US"/>
           </a:p>
@@ -1609,7 +1609,7 @@
           <a:p>
             <a:fld id="{D6256A93-9054-4FB5-A5A6-9D00BB2633B8}" type="datetimeFigureOut">
               <a:rPr lang="ko-KR" altLang="en-US" smtClean="0"/>
-              <a:t>2021-12-29</a:t>
+              <a:t>2022-01-03</a:t>
             </a:fld>
             <a:endParaRPr lang="ko-KR" altLang="en-US"/>
           </a:p>
@@ -1727,7 +1727,7 @@
           <a:p>
             <a:fld id="{D6256A93-9054-4FB5-A5A6-9D00BB2633B8}" type="datetimeFigureOut">
               <a:rPr lang="ko-KR" altLang="en-US" smtClean="0"/>
-              <a:t>2021-12-29</a:t>
+              <a:t>2022-01-03</a:t>
             </a:fld>
             <a:endParaRPr lang="ko-KR" altLang="en-US"/>
           </a:p>
@@ -1822,7 +1822,7 @@
           <a:p>
             <a:fld id="{D6256A93-9054-4FB5-A5A6-9D00BB2633B8}" type="datetimeFigureOut">
               <a:rPr lang="ko-KR" altLang="en-US" smtClean="0"/>
-              <a:t>2021-12-29</a:t>
+              <a:t>2022-01-03</a:t>
             </a:fld>
             <a:endParaRPr lang="ko-KR" altLang="en-US"/>
           </a:p>
@@ -2099,7 +2099,7 @@
           <a:p>
             <a:fld id="{D6256A93-9054-4FB5-A5A6-9D00BB2633B8}" type="datetimeFigureOut">
               <a:rPr lang="ko-KR" altLang="en-US" smtClean="0"/>
-              <a:t>2021-12-29</a:t>
+              <a:t>2022-01-03</a:t>
             </a:fld>
             <a:endParaRPr lang="ko-KR" altLang="en-US"/>
           </a:p>
@@ -2352,7 +2352,7 @@
           <a:p>
             <a:fld id="{D6256A93-9054-4FB5-A5A6-9D00BB2633B8}" type="datetimeFigureOut">
               <a:rPr lang="ko-KR" altLang="en-US" smtClean="0"/>
-              <a:t>2021-12-29</a:t>
+              <a:t>2022-01-03</a:t>
             </a:fld>
             <a:endParaRPr lang="ko-KR" altLang="en-US"/>
           </a:p>
@@ -2565,7 +2565,7 @@
           <a:p>
             <a:fld id="{D6256A93-9054-4FB5-A5A6-9D00BB2633B8}" type="datetimeFigureOut">
               <a:rPr lang="ko-KR" altLang="en-US" smtClean="0"/>
-              <a:t>2021-12-29</a:t>
+              <a:t>2022-01-03</a:t>
             </a:fld>
             <a:endParaRPr lang="ko-KR" altLang="en-US"/>
           </a:p>
@@ -4588,7 +4588,43 @@
             </a:r>
             <a:r>
               <a:rPr lang="en-US" altLang="ko-KR" dirty="0" smtClean="0"/>
-              <a:t>(data =               ) +</a:t>
+              <a:t>(data =              </a:t>
+            </a:r>
+            <a:r>
+              <a:rPr lang="en-US" altLang="ko-KR" dirty="0"/>
+              <a:t>, </a:t>
+            </a:r>
+            <a:r>
+              <a:rPr lang="en-US" altLang="ko-KR" dirty="0" err="1" smtClean="0"/>
+              <a:t>mappaing</a:t>
+            </a:r>
+            <a:r>
+              <a:rPr lang="en-US" altLang="ko-KR" dirty="0" smtClean="0"/>
+              <a:t> </a:t>
+            </a:r>
+            <a:r>
+              <a:rPr lang="en-US" altLang="ko-KR" dirty="0"/>
+              <a:t>= </a:t>
+            </a:r>
+            <a:r>
+              <a:rPr lang="en-US" altLang="ko-KR" dirty="0" err="1"/>
+              <a:t>aes</a:t>
+            </a:r>
+            <a:r>
+              <a:rPr lang="en-US" altLang="ko-KR" dirty="0"/>
+              <a:t>(             </a:t>
+            </a:r>
+            <a:r>
+              <a:rPr lang="en-US" altLang="ko-KR" dirty="0" smtClean="0"/>
+              <a:t>  )</a:t>
+            </a:r>
+            <a:r>
+              <a:rPr lang="en-US" altLang="ko-KR" dirty="0" smtClean="0"/>
+              <a:t> </a:t>
+            </a:r>
+            <a:r>
+              <a:rPr lang="en-US" altLang="ko-KR" dirty="0" smtClean="0"/>
+              <a:t>+</a:t>
             </a:r>
           </a:p>
           <a:p>
@@ -5287,6 +5323,58 @@
               <a:t>선택요소</a:t>
             </a:r>
             <a:endParaRPr lang="ko-KR" altLang="en-US" dirty="0"/>
+          </a:p>
+        </p:txBody>
+      </p:sp>
+      <p:sp>
+        <p:nvSpPr>
+          <p:cNvPr id="19" name="모서리가 둥근 직사각형 18"/>
+          <p:cNvSpPr/>
+          <p:nvPr/>
+        </p:nvSpPr>
+        <p:spPr>
+          <a:xfrm>
+            <a:off x="7108583" y="1539983"/>
+            <a:ext cx="1138603" cy="323850"/>
+          </a:xfrm>
+          <a:prstGeom prst="roundRect">
+            <a:avLst/>
+          </a:prstGeom>
+          <a:solidFill>
+            <a:schemeClr val="accent2">
+              <a:lumMod val="75000"/>
+            </a:schemeClr>
+          </a:solidFill>
+          <a:ln>
+            <a:noFill/>
+          </a:ln>
+        </p:spPr>
+        <p:style>
+          <a:lnRef idx="2">
+            <a:schemeClr val="accent1">
+              <a:shade val="50000"/>
+            </a:schemeClr>
+          </a:lnRef>
+          <a:fillRef idx="1">
+            <a:schemeClr val="accent1"/>
+          </a:fillRef>
+          <a:effectRef idx="0">
+            <a:schemeClr val="accent1"/>
+          </a:effectRef>
+          <a:fontRef idx="minor">
+            <a:schemeClr val="lt1"/>
+          </a:fontRef>
+        </p:style>
+        <p:txBody>
+          <a:bodyPr rtlCol="0" anchor="ctr"/>
+          <a:lstStyle/>
+          <a:p>
+            <a:pPr algn="ctr"/>
+            <a:r>
+              <a:rPr lang="ko-KR" altLang="en-US" sz="1600" smtClean="0"/>
+              <a:t>심미매핑</a:t>
+            </a:r>
+            <a:endParaRPr lang="ko-KR" altLang="en-US" sz="1600" dirty="0"/>
           </a:p>
         </p:txBody>
       </p:sp>

--- a/chap3/3장.pptx
+++ b/chap3/3장.pptx
@@ -7,6 +7,7 @@
   <p:sldIdLst>
     <p:sldId id="273" r:id="rId2"/>
     <p:sldId id="274" r:id="rId3"/>
+    <p:sldId id="275" r:id="rId4"/>
   </p:sldIdLst>
   <p:sldSz cx="12192000" cy="6858000"/>
   <p:notesSz cx="6858000" cy="9144000"/>
@@ -107,7 +108,28 @@
   </p:defaultTextStyle>
   <p:extLst>
     <p:ext uri="{EFAFB233-063F-42B5-8137-9DF3F51BA10A}">
-      <p15:sldGuideLst xmlns:p15="http://schemas.microsoft.com/office/powerpoint/2012/main"/>
+      <p15:sldGuideLst xmlns:p15="http://schemas.microsoft.com/office/powerpoint/2012/main">
+        <p15:guide id="1" orient="horz" pos="1933" userDrawn="1">
+          <p15:clr>
+            <a:srgbClr val="A4A3A4"/>
+          </p15:clr>
+        </p15:guide>
+        <p15:guide id="2" pos="5927" userDrawn="1">
+          <p15:clr>
+            <a:srgbClr val="A4A3A4"/>
+          </p15:clr>
+        </p15:guide>
+        <p15:guide id="3" pos="6312" userDrawn="1">
+          <p15:clr>
+            <a:srgbClr val="A4A3A4"/>
+          </p15:clr>
+        </p15:guide>
+        <p15:guide id="4" pos="5473" userDrawn="1">
+          <p15:clr>
+            <a:srgbClr val="A4A3A4"/>
+          </p15:clr>
+        </p15:guide>
+      </p15:sldGuideLst>
     </p:ext>
   </p:extLst>
 </p:presentation>
@@ -244,7 +266,7 @@
           <a:p>
             <a:fld id="{D6256A93-9054-4FB5-A5A6-9D00BB2633B8}" type="datetimeFigureOut">
               <a:rPr lang="ko-KR" altLang="en-US" smtClean="0"/>
-              <a:t>2022-01-03</a:t>
+              <a:t>2022-01-07</a:t>
             </a:fld>
             <a:endParaRPr lang="ko-KR" altLang="en-US"/>
           </a:p>
@@ -414,7 +436,7 @@
           <a:p>
             <a:fld id="{D6256A93-9054-4FB5-A5A6-9D00BB2633B8}" type="datetimeFigureOut">
               <a:rPr lang="ko-KR" altLang="en-US" smtClean="0"/>
-              <a:t>2022-01-03</a:t>
+              <a:t>2022-01-07</a:t>
             </a:fld>
             <a:endParaRPr lang="ko-KR" altLang="en-US"/>
           </a:p>
@@ -594,7 +616,7 @@
           <a:p>
             <a:fld id="{D6256A93-9054-4FB5-A5A6-9D00BB2633B8}" type="datetimeFigureOut">
               <a:rPr lang="ko-KR" altLang="en-US" smtClean="0"/>
-              <a:t>2022-01-03</a:t>
+              <a:t>2022-01-07</a:t>
             </a:fld>
             <a:endParaRPr lang="ko-KR" altLang="en-US"/>
           </a:p>
@@ -764,7 +786,7 @@
           <a:p>
             <a:fld id="{D6256A93-9054-4FB5-A5A6-9D00BB2633B8}" type="datetimeFigureOut">
               <a:rPr lang="ko-KR" altLang="en-US" smtClean="0"/>
-              <a:t>2022-01-03</a:t>
+              <a:t>2022-01-07</a:t>
             </a:fld>
             <a:endParaRPr lang="ko-KR" altLang="en-US"/>
           </a:p>
@@ -1010,7 +1032,7 @@
           <a:p>
             <a:fld id="{D6256A93-9054-4FB5-A5A6-9D00BB2633B8}" type="datetimeFigureOut">
               <a:rPr lang="ko-KR" altLang="en-US" smtClean="0"/>
-              <a:t>2022-01-03</a:t>
+              <a:t>2022-01-07</a:t>
             </a:fld>
             <a:endParaRPr lang="ko-KR" altLang="en-US"/>
           </a:p>
@@ -1242,7 +1264,7 @@
           <a:p>
             <a:fld id="{D6256A93-9054-4FB5-A5A6-9D00BB2633B8}" type="datetimeFigureOut">
               <a:rPr lang="ko-KR" altLang="en-US" smtClean="0"/>
-              <a:t>2022-01-03</a:t>
+              <a:t>2022-01-07</a:t>
             </a:fld>
             <a:endParaRPr lang="ko-KR" altLang="en-US"/>
           </a:p>
@@ -1609,7 +1631,7 @@
           <a:p>
             <a:fld id="{D6256A93-9054-4FB5-A5A6-9D00BB2633B8}" type="datetimeFigureOut">
               <a:rPr lang="ko-KR" altLang="en-US" smtClean="0"/>
-              <a:t>2022-01-03</a:t>
+              <a:t>2022-01-07</a:t>
             </a:fld>
             <a:endParaRPr lang="ko-KR" altLang="en-US"/>
           </a:p>
@@ -1727,7 +1749,7 @@
           <a:p>
             <a:fld id="{D6256A93-9054-4FB5-A5A6-9D00BB2633B8}" type="datetimeFigureOut">
               <a:rPr lang="ko-KR" altLang="en-US" smtClean="0"/>
-              <a:t>2022-01-03</a:t>
+              <a:t>2022-01-07</a:t>
             </a:fld>
             <a:endParaRPr lang="ko-KR" altLang="en-US"/>
           </a:p>
@@ -1822,7 +1844,7 @@
           <a:p>
             <a:fld id="{D6256A93-9054-4FB5-A5A6-9D00BB2633B8}" type="datetimeFigureOut">
               <a:rPr lang="ko-KR" altLang="en-US" smtClean="0"/>
-              <a:t>2022-01-03</a:t>
+              <a:t>2022-01-07</a:t>
             </a:fld>
             <a:endParaRPr lang="ko-KR" altLang="en-US"/>
           </a:p>
@@ -2099,7 +2121,7 @@
           <a:p>
             <a:fld id="{D6256A93-9054-4FB5-A5A6-9D00BB2633B8}" type="datetimeFigureOut">
               <a:rPr lang="ko-KR" altLang="en-US" smtClean="0"/>
-              <a:t>2022-01-03</a:t>
+              <a:t>2022-01-07</a:t>
             </a:fld>
             <a:endParaRPr lang="ko-KR" altLang="en-US"/>
           </a:p>
@@ -2352,7 +2374,7 @@
           <a:p>
             <a:fld id="{D6256A93-9054-4FB5-A5A6-9D00BB2633B8}" type="datetimeFigureOut">
               <a:rPr lang="ko-KR" altLang="en-US" smtClean="0"/>
-              <a:t>2022-01-03</a:t>
+              <a:t>2022-01-07</a:t>
             </a:fld>
             <a:endParaRPr lang="ko-KR" altLang="en-US"/>
           </a:p>
@@ -2565,7 +2587,7 @@
           <a:p>
             <a:fld id="{D6256A93-9054-4FB5-A5A6-9D00BB2633B8}" type="datetimeFigureOut">
               <a:rPr lang="ko-KR" altLang="en-US" smtClean="0"/>
-              <a:t>2022-01-03</a:t>
+              <a:t>2022-01-07</a:t>
             </a:fld>
             <a:endParaRPr lang="ko-KR" altLang="en-US"/>
           </a:p>
@@ -4616,15 +4638,7 @@
             </a:r>
             <a:r>
               <a:rPr lang="en-US" altLang="ko-KR" dirty="0" smtClean="0"/>
-              <a:t>  )</a:t>
-            </a:r>
-            <a:r>
-              <a:rPr lang="en-US" altLang="ko-KR" dirty="0" smtClean="0"/>
-              <a:t> </a:t>
-            </a:r>
-            <a:r>
-              <a:rPr lang="en-US" altLang="ko-KR" dirty="0" smtClean="0"/>
-              <a:t>+</a:t>
+              <a:t>  ) +</a:t>
             </a:r>
           </a:p>
           <a:p>
@@ -5382,6 +5396,1800 @@
     <p:extLst>
       <p:ext uri="{BB962C8B-B14F-4D97-AF65-F5344CB8AC3E}">
         <p14:creationId xmlns:p14="http://schemas.microsoft.com/office/powerpoint/2010/main" val="3142830697"/>
+      </p:ext>
+    </p:extLst>
+  </p:cSld>
+  <p:clrMapOvr>
+    <a:masterClrMapping/>
+  </p:clrMapOvr>
+</p:sld>
+</file>
+
+<file path=ppt/slides/slide3.xml><?xml version="1.0" encoding="utf-8"?>
+<p:sld xmlns:a="http://schemas.openxmlformats.org/drawingml/2006/main" xmlns:r="http://schemas.openxmlformats.org/officeDocument/2006/relationships" xmlns:p="http://schemas.openxmlformats.org/presentationml/2006/main">
+  <p:cSld>
+    <p:spTree>
+      <p:nvGrpSpPr>
+        <p:cNvPr id="1" name=""/>
+        <p:cNvGrpSpPr/>
+        <p:nvPr/>
+      </p:nvGrpSpPr>
+      <p:grpSpPr>
+        <a:xfrm>
+          <a:off x="0" y="0"/>
+          <a:ext cx="0" cy="0"/>
+          <a:chOff x="0" y="0"/>
+          <a:chExt cx="0" cy="0"/>
+        </a:xfrm>
+      </p:grpSpPr>
+      <p:pic>
+        <p:nvPicPr>
+          <p:cNvPr id="13" name="Picture 8" descr="http://www.scielo.org.mx/img/revistas/eq/v27n3/0187-893X-eq-27-03-00209-gf1.jpg"/>
+          <p:cNvPicPr>
+            <a:picLocks noChangeAspect="1" noChangeArrowheads="1"/>
+          </p:cNvPicPr>
+          <p:nvPr/>
+        </p:nvPicPr>
+        <p:blipFill>
+          <a:blip r:embed="rId2">
+            <a:extLst>
+              <a:ext uri="{28A0092B-C50C-407E-A947-70E740481C1C}">
+                <a14:useLocalDpi xmlns:a14="http://schemas.microsoft.com/office/drawing/2010/main" val="0"/>
+              </a:ext>
+            </a:extLst>
+          </a:blip>
+          <a:srcRect/>
+          <a:stretch>
+            <a:fillRect/>
+          </a:stretch>
+        </p:blipFill>
+        <p:spPr bwMode="auto">
+          <a:xfrm>
+            <a:off x="511155" y="1354960"/>
+            <a:ext cx="5729046" cy="3280074"/>
+          </a:xfrm>
+          <a:prstGeom prst="rect">
+            <a:avLst/>
+          </a:prstGeom>
+          <a:noFill/>
+          <a:extLst>
+            <a:ext uri="{909E8E84-426E-40DD-AFC4-6F175D3DCCD1}">
+              <a14:hiddenFill xmlns:a14="http://schemas.microsoft.com/office/drawing/2010/main">
+                <a:solidFill>
+                  <a:srgbClr val="FFFFFF"/>
+                </a:solidFill>
+              </a14:hiddenFill>
+            </a:ext>
+          </a:extLst>
+        </p:spPr>
+      </p:pic>
+      <p:cxnSp>
+        <p:nvCxnSpPr>
+          <p:cNvPr id="14" name="직선 연결선 13"/>
+          <p:cNvCxnSpPr/>
+          <p:nvPr/>
+        </p:nvCxnSpPr>
+        <p:spPr>
+          <a:xfrm>
+            <a:off x="3447632" y="2629941"/>
+            <a:ext cx="0" cy="594360"/>
+          </a:xfrm>
+          <a:prstGeom prst="line">
+            <a:avLst/>
+          </a:prstGeom>
+          <a:ln w="28575"/>
+        </p:spPr>
+        <p:style>
+          <a:lnRef idx="1">
+            <a:schemeClr val="accent1"/>
+          </a:lnRef>
+          <a:fillRef idx="0">
+            <a:schemeClr val="accent1"/>
+          </a:fillRef>
+          <a:effectRef idx="0">
+            <a:schemeClr val="accent1"/>
+          </a:effectRef>
+          <a:fontRef idx="minor">
+            <a:schemeClr val="tx1"/>
+          </a:fontRef>
+        </p:style>
+      </p:cxnSp>
+      <p:cxnSp>
+        <p:nvCxnSpPr>
+          <p:cNvPr id="15" name="직선 연결선 14"/>
+          <p:cNvCxnSpPr/>
+          <p:nvPr/>
+        </p:nvCxnSpPr>
+        <p:spPr>
+          <a:xfrm>
+            <a:off x="3498432" y="2035581"/>
+            <a:ext cx="0" cy="594360"/>
+          </a:xfrm>
+          <a:prstGeom prst="line">
+            <a:avLst/>
+          </a:prstGeom>
+          <a:ln w="28575"/>
+        </p:spPr>
+        <p:style>
+          <a:lnRef idx="1">
+            <a:schemeClr val="accent1"/>
+          </a:lnRef>
+          <a:fillRef idx="0">
+            <a:schemeClr val="accent1"/>
+          </a:fillRef>
+          <a:effectRef idx="0">
+            <a:schemeClr val="accent1"/>
+          </a:effectRef>
+          <a:fontRef idx="minor">
+            <a:schemeClr val="tx1"/>
+          </a:fontRef>
+        </p:style>
+      </p:cxnSp>
+      <p:cxnSp>
+        <p:nvCxnSpPr>
+          <p:cNvPr id="16" name="직선 연결선 15"/>
+          <p:cNvCxnSpPr/>
+          <p:nvPr/>
+        </p:nvCxnSpPr>
+        <p:spPr>
+          <a:xfrm>
+            <a:off x="3564472" y="1441221"/>
+            <a:ext cx="0" cy="594360"/>
+          </a:xfrm>
+          <a:prstGeom prst="line">
+            <a:avLst/>
+          </a:prstGeom>
+          <a:ln w="28575"/>
+        </p:spPr>
+        <p:style>
+          <a:lnRef idx="1">
+            <a:schemeClr val="accent1"/>
+          </a:lnRef>
+          <a:fillRef idx="0">
+            <a:schemeClr val="accent1"/>
+          </a:fillRef>
+          <a:effectRef idx="0">
+            <a:schemeClr val="accent1"/>
+          </a:effectRef>
+          <a:fontRef idx="minor">
+            <a:schemeClr val="tx1"/>
+          </a:fontRef>
+        </p:style>
+      </p:cxnSp>
+      <p:cxnSp>
+        <p:nvCxnSpPr>
+          <p:cNvPr id="17" name="직선 연결선 16"/>
+          <p:cNvCxnSpPr/>
+          <p:nvPr/>
+        </p:nvCxnSpPr>
+        <p:spPr>
+          <a:xfrm>
+            <a:off x="3494636" y="3224301"/>
+            <a:ext cx="0" cy="594360"/>
+          </a:xfrm>
+          <a:prstGeom prst="line">
+            <a:avLst/>
+          </a:prstGeom>
+          <a:ln w="28575"/>
+        </p:spPr>
+        <p:style>
+          <a:lnRef idx="1">
+            <a:schemeClr val="accent1"/>
+          </a:lnRef>
+          <a:fillRef idx="0">
+            <a:schemeClr val="accent1"/>
+          </a:fillRef>
+          <a:effectRef idx="0">
+            <a:schemeClr val="accent1"/>
+          </a:effectRef>
+          <a:fontRef idx="minor">
+            <a:schemeClr val="tx1"/>
+          </a:fontRef>
+        </p:style>
+      </p:cxnSp>
+      <p:cxnSp>
+        <p:nvCxnSpPr>
+          <p:cNvPr id="18" name="직선 연결선 17"/>
+          <p:cNvCxnSpPr/>
+          <p:nvPr/>
+        </p:nvCxnSpPr>
+        <p:spPr>
+          <a:xfrm>
+            <a:off x="3564472" y="3818661"/>
+            <a:ext cx="0" cy="594360"/>
+          </a:xfrm>
+          <a:prstGeom prst="line">
+            <a:avLst/>
+          </a:prstGeom>
+          <a:ln w="28575"/>
+        </p:spPr>
+        <p:style>
+          <a:lnRef idx="1">
+            <a:schemeClr val="accent1"/>
+          </a:lnRef>
+          <a:fillRef idx="0">
+            <a:schemeClr val="accent1"/>
+          </a:fillRef>
+          <a:effectRef idx="0">
+            <a:schemeClr val="accent1"/>
+          </a:effectRef>
+          <a:fontRef idx="minor">
+            <a:schemeClr val="tx1"/>
+          </a:fontRef>
+        </p:style>
+      </p:cxnSp>
+      <p:grpSp>
+        <p:nvGrpSpPr>
+          <p:cNvPr id="133" name="그룹 132"/>
+          <p:cNvGrpSpPr/>
+          <p:nvPr/>
+        </p:nvGrpSpPr>
+        <p:grpSpPr>
+          <a:xfrm>
+            <a:off x="7026655" y="936495"/>
+            <a:ext cx="4173941" cy="4227184"/>
+            <a:chOff x="7026655" y="936495"/>
+            <a:chExt cx="4173941" cy="4227184"/>
+          </a:xfrm>
+        </p:grpSpPr>
+        <p:sp>
+          <p:nvSpPr>
+            <p:cNvPr id="12" name="직사각형 11"/>
+            <p:cNvSpPr/>
+            <p:nvPr/>
+          </p:nvSpPr>
+          <p:spPr>
+            <a:xfrm>
+              <a:off x="9198292" y="2714920"/>
+              <a:ext cx="352798" cy="723145"/>
+            </a:xfrm>
+            <a:prstGeom prst="rect">
+              <a:avLst/>
+            </a:prstGeom>
+            <a:noFill/>
+            <a:ln w="15875"/>
+          </p:spPr>
+          <p:style>
+            <a:lnRef idx="2">
+              <a:schemeClr val="accent1">
+                <a:shade val="50000"/>
+              </a:schemeClr>
+            </a:lnRef>
+            <a:fillRef idx="1">
+              <a:schemeClr val="accent1"/>
+            </a:fillRef>
+            <a:effectRef idx="0">
+              <a:schemeClr val="accent1"/>
+            </a:effectRef>
+            <a:fontRef idx="minor">
+              <a:schemeClr val="lt1"/>
+            </a:fontRef>
+          </p:style>
+          <p:txBody>
+            <a:bodyPr rtlCol="0" anchor="ctr"/>
+            <a:lstStyle/>
+            <a:p>
+              <a:pPr algn="ctr"/>
+              <a:endParaRPr lang="ko-KR" altLang="en-US"/>
+            </a:p>
+          </p:txBody>
+        </p:sp>
+        <p:cxnSp>
+          <p:nvCxnSpPr>
+            <p:cNvPr id="19" name="직선 연결선 18"/>
+            <p:cNvCxnSpPr>
+              <a:endCxn id="12" idx="0"/>
+            </p:cNvCxnSpPr>
+            <p:nvPr/>
+          </p:nvCxnSpPr>
+          <p:spPr>
+            <a:xfrm>
+              <a:off x="9374690" y="1994816"/>
+              <a:ext cx="1" cy="720104"/>
+            </a:xfrm>
+            <a:prstGeom prst="line">
+              <a:avLst/>
+            </a:prstGeom>
+            <a:ln w="15875"/>
+          </p:spPr>
+          <p:style>
+            <a:lnRef idx="1">
+              <a:schemeClr val="accent1"/>
+            </a:lnRef>
+            <a:fillRef idx="0">
+              <a:schemeClr val="accent1"/>
+            </a:fillRef>
+            <a:effectRef idx="0">
+              <a:schemeClr val="accent1"/>
+            </a:effectRef>
+            <a:fontRef idx="minor">
+              <a:schemeClr val="tx1"/>
+            </a:fontRef>
+          </p:style>
+        </p:cxnSp>
+        <p:cxnSp>
+          <p:nvCxnSpPr>
+            <p:cNvPr id="20" name="직선 연결선 19"/>
+            <p:cNvCxnSpPr>
+              <a:stCxn id="12" idx="2"/>
+            </p:cNvCxnSpPr>
+            <p:nvPr/>
+          </p:nvCxnSpPr>
+          <p:spPr>
+            <a:xfrm flipH="1">
+              <a:off x="9374690" y="3438065"/>
+              <a:ext cx="1" cy="707477"/>
+            </a:xfrm>
+            <a:prstGeom prst="line">
+              <a:avLst/>
+            </a:prstGeom>
+            <a:ln w="15875"/>
+          </p:spPr>
+          <p:style>
+            <a:lnRef idx="1">
+              <a:schemeClr val="accent1"/>
+            </a:lnRef>
+            <a:fillRef idx="0">
+              <a:schemeClr val="accent1"/>
+            </a:fillRef>
+            <a:effectRef idx="0">
+              <a:schemeClr val="accent1"/>
+            </a:effectRef>
+            <a:fontRef idx="minor">
+              <a:schemeClr val="tx1"/>
+            </a:fontRef>
+          </p:style>
+        </p:cxnSp>
+        <p:cxnSp>
+          <p:nvCxnSpPr>
+            <p:cNvPr id="22" name="직선 연결선 21"/>
+            <p:cNvCxnSpPr/>
+            <p:nvPr/>
+          </p:nvCxnSpPr>
+          <p:spPr>
+            <a:xfrm>
+              <a:off x="9245294" y="1994816"/>
+              <a:ext cx="258793" cy="0"/>
+            </a:xfrm>
+            <a:prstGeom prst="line">
+              <a:avLst/>
+            </a:prstGeom>
+            <a:ln w="15875"/>
+          </p:spPr>
+          <p:style>
+            <a:lnRef idx="1">
+              <a:schemeClr val="accent1"/>
+            </a:lnRef>
+            <a:fillRef idx="0">
+              <a:schemeClr val="accent1"/>
+            </a:fillRef>
+            <a:effectRef idx="0">
+              <a:schemeClr val="accent1"/>
+            </a:effectRef>
+            <a:fontRef idx="minor">
+              <a:schemeClr val="tx1"/>
+            </a:fontRef>
+          </p:style>
+        </p:cxnSp>
+        <p:cxnSp>
+          <p:nvCxnSpPr>
+            <p:cNvPr id="23" name="직선 연결선 22"/>
+            <p:cNvCxnSpPr/>
+            <p:nvPr/>
+          </p:nvCxnSpPr>
+          <p:spPr>
+            <a:xfrm>
+              <a:off x="9245294" y="4145542"/>
+              <a:ext cx="258793" cy="0"/>
+            </a:xfrm>
+            <a:prstGeom prst="line">
+              <a:avLst/>
+            </a:prstGeom>
+            <a:ln w="15875"/>
+          </p:spPr>
+          <p:style>
+            <a:lnRef idx="1">
+              <a:schemeClr val="accent1"/>
+            </a:lnRef>
+            <a:fillRef idx="0">
+              <a:schemeClr val="accent1"/>
+            </a:fillRef>
+            <a:effectRef idx="0">
+              <a:schemeClr val="accent1"/>
+            </a:effectRef>
+            <a:fontRef idx="minor">
+              <a:schemeClr val="tx1"/>
+            </a:fontRef>
+          </p:style>
+        </p:cxnSp>
+        <p:cxnSp>
+          <p:nvCxnSpPr>
+            <p:cNvPr id="38" name="직선 연결선 37"/>
+            <p:cNvCxnSpPr/>
+            <p:nvPr/>
+          </p:nvCxnSpPr>
+          <p:spPr>
+            <a:xfrm>
+              <a:off x="8760251" y="1277906"/>
+              <a:ext cx="0" cy="3614605"/>
+            </a:xfrm>
+            <a:prstGeom prst="line">
+              <a:avLst/>
+            </a:prstGeom>
+            <a:ln>
+              <a:solidFill>
+                <a:schemeClr val="tx1"/>
+              </a:solidFill>
+            </a:ln>
+          </p:spPr>
+          <p:style>
+            <a:lnRef idx="1">
+              <a:schemeClr val="accent1"/>
+            </a:lnRef>
+            <a:fillRef idx="0">
+              <a:schemeClr val="accent1"/>
+            </a:fillRef>
+            <a:effectRef idx="0">
+              <a:schemeClr val="accent1"/>
+            </a:effectRef>
+            <a:fontRef idx="minor">
+              <a:schemeClr val="tx1"/>
+            </a:fontRef>
+          </p:style>
+        </p:cxnSp>
+        <p:cxnSp>
+          <p:nvCxnSpPr>
+            <p:cNvPr id="40" name="직선 연결선 39"/>
+            <p:cNvCxnSpPr/>
+            <p:nvPr/>
+          </p:nvCxnSpPr>
+          <p:spPr>
+            <a:xfrm>
+              <a:off x="8276734" y="1277906"/>
+              <a:ext cx="601353" cy="0"/>
+            </a:xfrm>
+            <a:prstGeom prst="line">
+              <a:avLst/>
+            </a:prstGeom>
+            <a:ln>
+              <a:solidFill>
+                <a:schemeClr val="tx1"/>
+              </a:solidFill>
+            </a:ln>
+          </p:spPr>
+          <p:style>
+            <a:lnRef idx="1">
+              <a:schemeClr val="accent1"/>
+            </a:lnRef>
+            <a:fillRef idx="0">
+              <a:schemeClr val="accent1"/>
+            </a:fillRef>
+            <a:effectRef idx="0">
+              <a:schemeClr val="accent1"/>
+            </a:effectRef>
+            <a:fontRef idx="minor">
+              <a:schemeClr val="tx1"/>
+            </a:fontRef>
+          </p:style>
+        </p:cxnSp>
+        <p:cxnSp>
+          <p:nvCxnSpPr>
+            <p:cNvPr id="41" name="직선 연결선 40"/>
+            <p:cNvCxnSpPr/>
+            <p:nvPr/>
+          </p:nvCxnSpPr>
+          <p:spPr>
+            <a:xfrm>
+              <a:off x="8276734" y="4871089"/>
+              <a:ext cx="601353" cy="0"/>
+            </a:xfrm>
+            <a:prstGeom prst="line">
+              <a:avLst/>
+            </a:prstGeom>
+            <a:ln>
+              <a:solidFill>
+                <a:schemeClr val="tx1"/>
+              </a:solidFill>
+            </a:ln>
+          </p:spPr>
+          <p:style>
+            <a:lnRef idx="1">
+              <a:schemeClr val="accent1"/>
+            </a:lnRef>
+            <a:fillRef idx="0">
+              <a:schemeClr val="accent1"/>
+            </a:fillRef>
+            <a:effectRef idx="0">
+              <a:schemeClr val="accent1"/>
+            </a:effectRef>
+            <a:fontRef idx="minor">
+              <a:schemeClr val="tx1"/>
+            </a:fontRef>
+          </p:style>
+        </p:cxnSp>
+        <p:cxnSp>
+          <p:nvCxnSpPr>
+            <p:cNvPr id="42" name="직선 연결선 41"/>
+            <p:cNvCxnSpPr>
+              <a:stCxn id="12" idx="1"/>
+              <a:endCxn id="12" idx="3"/>
+            </p:cNvCxnSpPr>
+            <p:nvPr/>
+          </p:nvCxnSpPr>
+          <p:spPr>
+            <a:xfrm>
+              <a:off x="9198292" y="3076493"/>
+              <a:ext cx="352798" cy="0"/>
+            </a:xfrm>
+            <a:prstGeom prst="line">
+              <a:avLst/>
+            </a:prstGeom>
+            <a:ln w="15875"/>
+          </p:spPr>
+          <p:style>
+            <a:lnRef idx="1">
+              <a:schemeClr val="accent1"/>
+            </a:lnRef>
+            <a:fillRef idx="0">
+              <a:schemeClr val="accent1"/>
+            </a:fillRef>
+            <a:effectRef idx="0">
+              <a:schemeClr val="accent1"/>
+            </a:effectRef>
+            <a:fontRef idx="minor">
+              <a:schemeClr val="tx1"/>
+            </a:fontRef>
+          </p:style>
+        </p:cxnSp>
+        <p:cxnSp>
+          <p:nvCxnSpPr>
+            <p:cNvPr id="46" name="직선 연결선 45"/>
+            <p:cNvCxnSpPr/>
+            <p:nvPr/>
+          </p:nvCxnSpPr>
+          <p:spPr>
+            <a:xfrm>
+              <a:off x="7541443" y="2705494"/>
+              <a:ext cx="1336644" cy="0"/>
+            </a:xfrm>
+            <a:prstGeom prst="line">
+              <a:avLst/>
+            </a:prstGeom>
+            <a:ln>
+              <a:solidFill>
+                <a:schemeClr val="tx1"/>
+              </a:solidFill>
+            </a:ln>
+          </p:spPr>
+          <p:style>
+            <a:lnRef idx="1">
+              <a:schemeClr val="accent1"/>
+            </a:lnRef>
+            <a:fillRef idx="0">
+              <a:schemeClr val="accent1"/>
+            </a:fillRef>
+            <a:effectRef idx="0">
+              <a:schemeClr val="accent1"/>
+            </a:effectRef>
+            <a:fontRef idx="minor">
+              <a:schemeClr val="tx1"/>
+            </a:fontRef>
+          </p:style>
+        </p:cxnSp>
+        <p:cxnSp>
+          <p:nvCxnSpPr>
+            <p:cNvPr id="47" name="직선 연결선 46"/>
+            <p:cNvCxnSpPr/>
+            <p:nvPr/>
+          </p:nvCxnSpPr>
+          <p:spPr>
+            <a:xfrm>
+              <a:off x="7541443" y="3430209"/>
+              <a:ext cx="1336644" cy="0"/>
+            </a:xfrm>
+            <a:prstGeom prst="line">
+              <a:avLst/>
+            </a:prstGeom>
+            <a:ln>
+              <a:solidFill>
+                <a:schemeClr val="tx1"/>
+              </a:solidFill>
+            </a:ln>
+          </p:spPr>
+          <p:style>
+            <a:lnRef idx="1">
+              <a:schemeClr val="accent1"/>
+            </a:lnRef>
+            <a:fillRef idx="0">
+              <a:schemeClr val="accent1"/>
+            </a:fillRef>
+            <a:effectRef idx="0">
+              <a:schemeClr val="accent1"/>
+            </a:effectRef>
+            <a:fontRef idx="minor">
+              <a:schemeClr val="tx1"/>
+            </a:fontRef>
+          </p:style>
+        </p:cxnSp>
+        <p:cxnSp>
+          <p:nvCxnSpPr>
+            <p:cNvPr id="48" name="직선 연결선 47"/>
+            <p:cNvCxnSpPr/>
+            <p:nvPr/>
+          </p:nvCxnSpPr>
+          <p:spPr>
+            <a:xfrm>
+              <a:off x="8276734" y="3073562"/>
+              <a:ext cx="601353" cy="0"/>
+            </a:xfrm>
+            <a:prstGeom prst="line">
+              <a:avLst/>
+            </a:prstGeom>
+            <a:ln>
+              <a:solidFill>
+                <a:schemeClr val="tx1"/>
+              </a:solidFill>
+            </a:ln>
+          </p:spPr>
+          <p:style>
+            <a:lnRef idx="1">
+              <a:schemeClr val="accent1"/>
+            </a:lnRef>
+            <a:fillRef idx="0">
+              <a:schemeClr val="accent1"/>
+            </a:fillRef>
+            <a:effectRef idx="0">
+              <a:schemeClr val="accent1"/>
+            </a:effectRef>
+            <a:fontRef idx="minor">
+              <a:schemeClr val="tx1"/>
+            </a:fontRef>
+          </p:style>
+        </p:cxnSp>
+        <p:sp>
+          <p:nvSpPr>
+            <p:cNvPr id="49" name="타원 48"/>
+            <p:cNvSpPr/>
+            <p:nvPr/>
+          </p:nvSpPr>
+          <p:spPr>
+            <a:xfrm>
+              <a:off x="9345690" y="1441221"/>
+              <a:ext cx="45719" cy="45719"/>
+            </a:xfrm>
+            <a:prstGeom prst="ellipse">
+              <a:avLst/>
+            </a:prstGeom>
+          </p:spPr>
+          <p:style>
+            <a:lnRef idx="2">
+              <a:schemeClr val="accent1">
+                <a:shade val="50000"/>
+              </a:schemeClr>
+            </a:lnRef>
+            <a:fillRef idx="1">
+              <a:schemeClr val="accent1"/>
+            </a:fillRef>
+            <a:effectRef idx="0">
+              <a:schemeClr val="accent1"/>
+            </a:effectRef>
+            <a:fontRef idx="minor">
+              <a:schemeClr val="lt1"/>
+            </a:fontRef>
+          </p:style>
+          <p:txBody>
+            <a:bodyPr rtlCol="0" anchor="ctr"/>
+            <a:lstStyle/>
+            <a:p>
+              <a:pPr algn="ctr"/>
+              <a:endParaRPr lang="ko-KR" altLang="en-US"/>
+            </a:p>
+          </p:txBody>
+        </p:sp>
+        <p:sp>
+          <p:nvSpPr>
+            <p:cNvPr id="56" name="TextBox 55"/>
+            <p:cNvSpPr txBox="1"/>
+            <p:nvPr/>
+          </p:nvSpPr>
+          <p:spPr>
+            <a:xfrm>
+              <a:off x="8211620" y="1853201"/>
+              <a:ext cx="482824" cy="276999"/>
+            </a:xfrm>
+            <a:prstGeom prst="rect">
+              <a:avLst/>
+            </a:prstGeom>
+            <a:noFill/>
+          </p:spPr>
+          <p:txBody>
+            <a:bodyPr wrap="none" rtlCol="0">
+              <a:spAutoFit/>
+            </a:bodyPr>
+            <a:lstStyle/>
+            <a:p>
+              <a:r>
+                <a:rPr lang="en-US" altLang="ko-KR" sz="1200" dirty="0" smtClean="0"/>
+                <a:t>25%</a:t>
+              </a:r>
+              <a:endParaRPr lang="ko-KR" altLang="en-US" sz="1200" dirty="0"/>
+            </a:p>
+          </p:txBody>
+        </p:sp>
+        <p:sp>
+          <p:nvSpPr>
+            <p:cNvPr id="64" name="TextBox 63"/>
+            <p:cNvSpPr txBox="1"/>
+            <p:nvPr/>
+          </p:nvSpPr>
+          <p:spPr>
+            <a:xfrm>
+              <a:off x="8211620" y="2761948"/>
+              <a:ext cx="482824" cy="276999"/>
+            </a:xfrm>
+            <a:prstGeom prst="rect">
+              <a:avLst/>
+            </a:prstGeom>
+            <a:noFill/>
+          </p:spPr>
+          <p:txBody>
+            <a:bodyPr wrap="none" rtlCol="0">
+              <a:spAutoFit/>
+            </a:bodyPr>
+            <a:lstStyle/>
+            <a:p>
+              <a:r>
+                <a:rPr lang="en-US" altLang="ko-KR" sz="1200" dirty="0" smtClean="0"/>
+                <a:t>25%</a:t>
+              </a:r>
+              <a:endParaRPr lang="ko-KR" altLang="en-US" sz="1200" dirty="0"/>
+            </a:p>
+          </p:txBody>
+        </p:sp>
+        <p:sp>
+          <p:nvSpPr>
+            <p:cNvPr id="65" name="TextBox 64"/>
+            <p:cNvSpPr txBox="1"/>
+            <p:nvPr/>
+          </p:nvSpPr>
+          <p:spPr>
+            <a:xfrm>
+              <a:off x="8211620" y="3118594"/>
+              <a:ext cx="482824" cy="276999"/>
+            </a:xfrm>
+            <a:prstGeom prst="rect">
+              <a:avLst/>
+            </a:prstGeom>
+            <a:noFill/>
+          </p:spPr>
+          <p:txBody>
+            <a:bodyPr wrap="none" rtlCol="0">
+              <a:spAutoFit/>
+            </a:bodyPr>
+            <a:lstStyle/>
+            <a:p>
+              <a:r>
+                <a:rPr lang="en-US" altLang="ko-KR" sz="1200" dirty="0" smtClean="0"/>
+                <a:t>25%</a:t>
+              </a:r>
+              <a:endParaRPr lang="ko-KR" altLang="en-US" sz="1200" dirty="0"/>
+            </a:p>
+          </p:txBody>
+        </p:sp>
+        <p:sp>
+          <p:nvSpPr>
+            <p:cNvPr id="66" name="TextBox 65"/>
+            <p:cNvSpPr txBox="1"/>
+            <p:nvPr/>
+          </p:nvSpPr>
+          <p:spPr>
+            <a:xfrm>
+              <a:off x="8208808" y="4007042"/>
+              <a:ext cx="482824" cy="276999"/>
+            </a:xfrm>
+            <a:prstGeom prst="rect">
+              <a:avLst/>
+            </a:prstGeom>
+            <a:noFill/>
+          </p:spPr>
+          <p:txBody>
+            <a:bodyPr wrap="none" rtlCol="0">
+              <a:spAutoFit/>
+            </a:bodyPr>
+            <a:lstStyle/>
+            <a:p>
+              <a:r>
+                <a:rPr lang="en-US" altLang="ko-KR" sz="1200" dirty="0" smtClean="0"/>
+                <a:t>25%</a:t>
+              </a:r>
+              <a:endParaRPr lang="ko-KR" altLang="en-US" sz="1200" dirty="0"/>
+            </a:p>
+          </p:txBody>
+        </p:sp>
+        <p:cxnSp>
+          <p:nvCxnSpPr>
+            <p:cNvPr id="89" name="직선 연결선 88"/>
+            <p:cNvCxnSpPr/>
+            <p:nvPr/>
+          </p:nvCxnSpPr>
+          <p:spPr>
+            <a:xfrm>
+              <a:off x="7682845" y="2714920"/>
+              <a:ext cx="0" cy="715288"/>
+            </a:xfrm>
+            <a:prstGeom prst="line">
+              <a:avLst/>
+            </a:prstGeom>
+            <a:ln>
+              <a:solidFill>
+                <a:schemeClr val="tx1"/>
+              </a:solidFill>
+            </a:ln>
+          </p:spPr>
+          <p:style>
+            <a:lnRef idx="1">
+              <a:schemeClr val="accent1"/>
+            </a:lnRef>
+            <a:fillRef idx="0">
+              <a:schemeClr val="accent1"/>
+            </a:fillRef>
+            <a:effectRef idx="0">
+              <a:schemeClr val="accent1"/>
+            </a:effectRef>
+            <a:fontRef idx="minor">
+              <a:schemeClr val="tx1"/>
+            </a:fontRef>
+          </p:style>
+        </p:cxnSp>
+        <p:sp>
+          <p:nvSpPr>
+            <p:cNvPr id="79" name="TextBox 78"/>
+            <p:cNvSpPr txBox="1"/>
+            <p:nvPr/>
+          </p:nvSpPr>
+          <p:spPr>
+            <a:xfrm>
+              <a:off x="7026655" y="2947302"/>
+              <a:ext cx="1125629" cy="276999"/>
+            </a:xfrm>
+            <a:prstGeom prst="rect">
+              <a:avLst/>
+            </a:prstGeom>
+            <a:solidFill>
+              <a:schemeClr val="bg1"/>
+            </a:solidFill>
+          </p:spPr>
+          <p:txBody>
+            <a:bodyPr wrap="none" rtlCol="0">
+              <a:spAutoFit/>
+            </a:bodyPr>
+            <a:lstStyle/>
+            <a:p>
+              <a:pPr algn="ctr"/>
+              <a:r>
+                <a:rPr lang="en-US" altLang="ko-KR" sz="1200" dirty="0" smtClean="0"/>
+                <a:t>IQR = Q3-Q1</a:t>
+              </a:r>
+              <a:endParaRPr lang="ko-KR" altLang="en-US" sz="1200" dirty="0"/>
+            </a:p>
+          </p:txBody>
+        </p:sp>
+        <p:cxnSp>
+          <p:nvCxnSpPr>
+            <p:cNvPr id="91" name="직선 화살표 연결선 90"/>
+            <p:cNvCxnSpPr/>
+            <p:nvPr/>
+          </p:nvCxnSpPr>
+          <p:spPr>
+            <a:xfrm flipV="1">
+              <a:off x="10527975" y="1277906"/>
+              <a:ext cx="0" cy="3593183"/>
+            </a:xfrm>
+            <a:prstGeom prst="straightConnector1">
+              <a:avLst/>
+            </a:prstGeom>
+            <a:ln>
+              <a:solidFill>
+                <a:schemeClr val="tx1"/>
+              </a:solidFill>
+              <a:tailEnd type="triangle"/>
+            </a:ln>
+          </p:spPr>
+          <p:style>
+            <a:lnRef idx="1">
+              <a:schemeClr val="accent1"/>
+            </a:lnRef>
+            <a:fillRef idx="0">
+              <a:schemeClr val="accent1"/>
+            </a:fillRef>
+            <a:effectRef idx="0">
+              <a:schemeClr val="accent1"/>
+            </a:effectRef>
+            <a:fontRef idx="minor">
+              <a:schemeClr val="tx1"/>
+            </a:fontRef>
+          </p:style>
+        </p:cxnSp>
+        <p:sp>
+          <p:nvSpPr>
+            <p:cNvPr id="68" name="TextBox 67"/>
+            <p:cNvSpPr txBox="1"/>
+            <p:nvPr/>
+          </p:nvSpPr>
+          <p:spPr>
+            <a:xfrm>
+              <a:off x="9855355" y="2947302"/>
+              <a:ext cx="1345241" cy="276999"/>
+            </a:xfrm>
+            <a:prstGeom prst="rect">
+              <a:avLst/>
+            </a:prstGeom>
+            <a:solidFill>
+              <a:schemeClr val="bg1"/>
+            </a:solidFill>
+          </p:spPr>
+          <p:txBody>
+            <a:bodyPr wrap="none" rtlCol="0">
+              <a:spAutoFit/>
+            </a:bodyPr>
+            <a:lstStyle/>
+            <a:p>
+              <a:pPr algn="ctr"/>
+              <a:r>
+                <a:rPr lang="ko-KR" altLang="en-US" sz="1200" dirty="0" err="1" smtClean="0"/>
+                <a:t>중간값</a:t>
+              </a:r>
+              <a:r>
+                <a:rPr lang="en-US" altLang="ko-KR" sz="1200" dirty="0" smtClean="0"/>
+                <a:t>(50%</a:t>
+              </a:r>
+              <a:r>
+                <a:rPr lang="ko-KR" altLang="en-US" sz="1200" dirty="0" smtClean="0"/>
+                <a:t>위치</a:t>
+              </a:r>
+              <a:r>
+                <a:rPr lang="en-US" altLang="ko-KR" sz="1200" dirty="0" smtClean="0"/>
+                <a:t>)</a:t>
+              </a:r>
+              <a:endParaRPr lang="ko-KR" altLang="en-US" sz="1200" dirty="0"/>
+            </a:p>
+          </p:txBody>
+        </p:sp>
+        <p:sp>
+          <p:nvSpPr>
+            <p:cNvPr id="71" name="TextBox 70"/>
+            <p:cNvSpPr txBox="1"/>
+            <p:nvPr/>
+          </p:nvSpPr>
+          <p:spPr>
+            <a:xfrm>
+              <a:off x="9984398" y="2566374"/>
+              <a:ext cx="1087157" cy="276999"/>
+            </a:xfrm>
+            <a:prstGeom prst="rect">
+              <a:avLst/>
+            </a:prstGeom>
+            <a:solidFill>
+              <a:schemeClr val="bg1"/>
+            </a:solidFill>
+          </p:spPr>
+          <p:txBody>
+            <a:bodyPr wrap="none" rtlCol="0">
+              <a:spAutoFit/>
+            </a:bodyPr>
+            <a:lstStyle/>
+            <a:p>
+              <a:pPr algn="ctr"/>
+              <a:r>
+                <a:rPr lang="en-US" altLang="ko-KR" sz="1200" dirty="0" smtClean="0"/>
+                <a:t>75%</a:t>
+              </a:r>
+              <a:r>
+                <a:rPr lang="ko-KR" altLang="en-US" sz="1200" dirty="0" smtClean="0"/>
+                <a:t>위치</a:t>
+              </a:r>
+              <a:r>
+                <a:rPr lang="en-US" altLang="ko-KR" sz="1200" dirty="0" smtClean="0"/>
+                <a:t>(Q3)</a:t>
+              </a:r>
+              <a:endParaRPr lang="ko-KR" altLang="en-US" sz="1200" dirty="0"/>
+            </a:p>
+          </p:txBody>
+        </p:sp>
+        <p:sp>
+          <p:nvSpPr>
+            <p:cNvPr id="72" name="TextBox 71"/>
+            <p:cNvSpPr txBox="1"/>
+            <p:nvPr/>
+          </p:nvSpPr>
+          <p:spPr>
+            <a:xfrm>
+              <a:off x="9984398" y="3291709"/>
+              <a:ext cx="1087157" cy="276999"/>
+            </a:xfrm>
+            <a:prstGeom prst="rect">
+              <a:avLst/>
+            </a:prstGeom>
+            <a:solidFill>
+              <a:schemeClr val="bg1"/>
+            </a:solidFill>
+          </p:spPr>
+          <p:txBody>
+            <a:bodyPr wrap="none" rtlCol="0">
+              <a:spAutoFit/>
+            </a:bodyPr>
+            <a:lstStyle/>
+            <a:p>
+              <a:pPr algn="ctr"/>
+              <a:r>
+                <a:rPr lang="en-US" altLang="ko-KR" sz="1200" dirty="0"/>
+                <a:t>2</a:t>
+              </a:r>
+              <a:r>
+                <a:rPr lang="en-US" altLang="ko-KR" sz="1200" dirty="0" smtClean="0"/>
+                <a:t>5%</a:t>
+              </a:r>
+              <a:r>
+                <a:rPr lang="ko-KR" altLang="en-US" sz="1200" dirty="0" smtClean="0"/>
+                <a:t>위치</a:t>
+              </a:r>
+              <a:r>
+                <a:rPr lang="en-US" altLang="ko-KR" sz="1200" dirty="0" smtClean="0"/>
+                <a:t>(Q1)</a:t>
+              </a:r>
+              <a:endParaRPr lang="ko-KR" altLang="en-US" sz="1200" dirty="0"/>
+            </a:p>
+          </p:txBody>
+        </p:sp>
+        <p:sp>
+          <p:nvSpPr>
+            <p:cNvPr id="73" name="TextBox 72"/>
+            <p:cNvSpPr txBox="1"/>
+            <p:nvPr/>
+          </p:nvSpPr>
+          <p:spPr>
+            <a:xfrm>
+              <a:off x="10100615" y="3653303"/>
+              <a:ext cx="854721" cy="276999"/>
+            </a:xfrm>
+            <a:prstGeom prst="rect">
+              <a:avLst/>
+            </a:prstGeom>
+            <a:solidFill>
+              <a:schemeClr val="bg1"/>
+            </a:solidFill>
+          </p:spPr>
+          <p:txBody>
+            <a:bodyPr wrap="none" rtlCol="0">
+              <a:spAutoFit/>
+            </a:bodyPr>
+            <a:lstStyle/>
+            <a:p>
+              <a:pPr algn="ctr"/>
+              <a:r>
+                <a:rPr lang="ko-KR" altLang="en-US" sz="1200" dirty="0" err="1" smtClean="0"/>
+                <a:t>아랫</a:t>
+              </a:r>
+              <a:r>
+                <a:rPr lang="ko-KR" altLang="en-US" sz="1200" dirty="0" smtClean="0"/>
+                <a:t> 수염</a:t>
+              </a:r>
+              <a:endParaRPr lang="ko-KR" altLang="en-US" sz="1200" dirty="0"/>
+            </a:p>
+          </p:txBody>
+        </p:sp>
+        <p:sp>
+          <p:nvSpPr>
+            <p:cNvPr id="74" name="TextBox 73"/>
+            <p:cNvSpPr txBox="1"/>
+            <p:nvPr/>
+          </p:nvSpPr>
+          <p:spPr>
+            <a:xfrm>
+              <a:off x="10177560" y="2194261"/>
+              <a:ext cx="700833" cy="276999"/>
+            </a:xfrm>
+            <a:prstGeom prst="rect">
+              <a:avLst/>
+            </a:prstGeom>
+            <a:solidFill>
+              <a:schemeClr val="bg1"/>
+            </a:solidFill>
+          </p:spPr>
+          <p:txBody>
+            <a:bodyPr wrap="none" rtlCol="0">
+              <a:spAutoFit/>
+            </a:bodyPr>
+            <a:lstStyle/>
+            <a:p>
+              <a:pPr algn="ctr"/>
+              <a:r>
+                <a:rPr lang="ko-KR" altLang="en-US" sz="1200" dirty="0" err="1" smtClean="0"/>
+                <a:t>윗</a:t>
+              </a:r>
+              <a:r>
+                <a:rPr lang="ko-KR" altLang="en-US" sz="1200" dirty="0" smtClean="0"/>
+                <a:t> 수염</a:t>
+              </a:r>
+              <a:endParaRPr lang="ko-KR" altLang="en-US" sz="1200" dirty="0"/>
+            </a:p>
+          </p:txBody>
+        </p:sp>
+        <p:sp>
+          <p:nvSpPr>
+            <p:cNvPr id="95" name="TextBox 94"/>
+            <p:cNvSpPr txBox="1"/>
+            <p:nvPr/>
+          </p:nvSpPr>
+          <p:spPr>
+            <a:xfrm>
+              <a:off x="9909058" y="1851215"/>
+              <a:ext cx="1237839" cy="276999"/>
+            </a:xfrm>
+            <a:prstGeom prst="rect">
+              <a:avLst/>
+            </a:prstGeom>
+            <a:solidFill>
+              <a:schemeClr val="bg1"/>
+            </a:solidFill>
+          </p:spPr>
+          <p:txBody>
+            <a:bodyPr wrap="none" rtlCol="0">
+              <a:spAutoFit/>
+            </a:bodyPr>
+            <a:lstStyle/>
+            <a:p>
+              <a:pPr algn="ctr"/>
+              <a:r>
+                <a:rPr lang="en-US" altLang="ko-KR" sz="1200" dirty="0" smtClean="0"/>
+                <a:t>Q3 + 1.5 * IQR</a:t>
+              </a:r>
+              <a:endParaRPr lang="ko-KR" altLang="en-US" sz="1200" dirty="0"/>
+            </a:p>
+          </p:txBody>
+        </p:sp>
+        <p:sp>
+          <p:nvSpPr>
+            <p:cNvPr id="96" name="TextBox 95"/>
+            <p:cNvSpPr txBox="1"/>
+            <p:nvPr/>
+          </p:nvSpPr>
+          <p:spPr>
+            <a:xfrm>
+              <a:off x="9909056" y="4012049"/>
+              <a:ext cx="1237839" cy="276999"/>
+            </a:xfrm>
+            <a:prstGeom prst="rect">
+              <a:avLst/>
+            </a:prstGeom>
+            <a:solidFill>
+              <a:schemeClr val="bg1"/>
+            </a:solidFill>
+          </p:spPr>
+          <p:txBody>
+            <a:bodyPr wrap="none" rtlCol="0">
+              <a:spAutoFit/>
+            </a:bodyPr>
+            <a:lstStyle/>
+            <a:p>
+              <a:pPr algn="ctr"/>
+              <a:r>
+                <a:rPr lang="en-US" altLang="ko-KR" sz="1200" dirty="0" smtClean="0"/>
+                <a:t>Q1 - </a:t>
+              </a:r>
+              <a:r>
+                <a:rPr lang="en-US" altLang="ko-KR" sz="1200" dirty="0"/>
+                <a:t>1.5 * IQR</a:t>
+              </a:r>
+              <a:endParaRPr lang="ko-KR" altLang="en-US" sz="1200" dirty="0"/>
+            </a:p>
+          </p:txBody>
+        </p:sp>
+        <p:cxnSp>
+          <p:nvCxnSpPr>
+            <p:cNvPr id="98" name="직선 화살표 연결선 97"/>
+            <p:cNvCxnSpPr>
+              <a:stCxn id="68" idx="1"/>
+              <a:endCxn id="12" idx="3"/>
+            </p:cNvCxnSpPr>
+            <p:nvPr/>
+          </p:nvCxnSpPr>
+          <p:spPr>
+            <a:xfrm flipH="1" flipV="1">
+              <a:off x="9551090" y="3076493"/>
+              <a:ext cx="304265" cy="9309"/>
+            </a:xfrm>
+            <a:prstGeom prst="straightConnector1">
+              <a:avLst/>
+            </a:prstGeom>
+            <a:ln>
+              <a:tailEnd type="triangle"/>
+            </a:ln>
+          </p:spPr>
+          <p:style>
+            <a:lnRef idx="1">
+              <a:schemeClr val="accent1"/>
+            </a:lnRef>
+            <a:fillRef idx="0">
+              <a:schemeClr val="accent1"/>
+            </a:fillRef>
+            <a:effectRef idx="0">
+              <a:schemeClr val="accent1"/>
+            </a:effectRef>
+            <a:fontRef idx="minor">
+              <a:schemeClr val="tx1"/>
+            </a:fontRef>
+          </p:style>
+        </p:cxnSp>
+        <p:cxnSp>
+          <p:nvCxnSpPr>
+            <p:cNvPr id="100" name="직선 화살표 연결선 99"/>
+            <p:cNvCxnSpPr>
+              <a:stCxn id="71" idx="1"/>
+            </p:cNvCxnSpPr>
+            <p:nvPr/>
+          </p:nvCxnSpPr>
+          <p:spPr>
+            <a:xfrm flipH="1" flipV="1">
+              <a:off x="9550707" y="2704873"/>
+              <a:ext cx="433691" cy="1"/>
+            </a:xfrm>
+            <a:prstGeom prst="straightConnector1">
+              <a:avLst/>
+            </a:prstGeom>
+            <a:ln>
+              <a:tailEnd type="triangle"/>
+            </a:ln>
+          </p:spPr>
+          <p:style>
+            <a:lnRef idx="1">
+              <a:schemeClr val="accent1"/>
+            </a:lnRef>
+            <a:fillRef idx="0">
+              <a:schemeClr val="accent1"/>
+            </a:fillRef>
+            <a:effectRef idx="0">
+              <a:schemeClr val="accent1"/>
+            </a:effectRef>
+            <a:fontRef idx="minor">
+              <a:schemeClr val="tx1"/>
+            </a:fontRef>
+          </p:style>
+        </p:cxnSp>
+        <p:cxnSp>
+          <p:nvCxnSpPr>
+            <p:cNvPr id="102" name="직선 화살표 연결선 101"/>
+            <p:cNvCxnSpPr>
+              <a:stCxn id="72" idx="1"/>
+            </p:cNvCxnSpPr>
+            <p:nvPr/>
+          </p:nvCxnSpPr>
+          <p:spPr>
+            <a:xfrm flipH="1" flipV="1">
+              <a:off x="9559280" y="3430208"/>
+              <a:ext cx="425118" cy="1"/>
+            </a:xfrm>
+            <a:prstGeom prst="straightConnector1">
+              <a:avLst/>
+            </a:prstGeom>
+            <a:ln>
+              <a:tailEnd type="triangle"/>
+            </a:ln>
+          </p:spPr>
+          <p:style>
+            <a:lnRef idx="1">
+              <a:schemeClr val="accent1"/>
+            </a:lnRef>
+            <a:fillRef idx="0">
+              <a:schemeClr val="accent1"/>
+            </a:fillRef>
+            <a:effectRef idx="0">
+              <a:schemeClr val="accent1"/>
+            </a:effectRef>
+            <a:fontRef idx="minor">
+              <a:schemeClr val="tx1"/>
+            </a:fontRef>
+          </p:style>
+        </p:cxnSp>
+        <p:cxnSp>
+          <p:nvCxnSpPr>
+            <p:cNvPr id="104" name="직선 화살표 연결선 103"/>
+            <p:cNvCxnSpPr>
+              <a:stCxn id="74" idx="1"/>
+            </p:cNvCxnSpPr>
+            <p:nvPr/>
+          </p:nvCxnSpPr>
+          <p:spPr>
+            <a:xfrm flipH="1">
+              <a:off x="9374690" y="2332761"/>
+              <a:ext cx="802870" cy="0"/>
+            </a:xfrm>
+            <a:prstGeom prst="straightConnector1">
+              <a:avLst/>
+            </a:prstGeom>
+            <a:ln>
+              <a:tailEnd type="triangle"/>
+            </a:ln>
+          </p:spPr>
+          <p:style>
+            <a:lnRef idx="1">
+              <a:schemeClr val="accent1"/>
+            </a:lnRef>
+            <a:fillRef idx="0">
+              <a:schemeClr val="accent1"/>
+            </a:fillRef>
+            <a:effectRef idx="0">
+              <a:schemeClr val="accent1"/>
+            </a:effectRef>
+            <a:fontRef idx="minor">
+              <a:schemeClr val="tx1"/>
+            </a:fontRef>
+          </p:style>
+        </p:cxnSp>
+        <p:cxnSp>
+          <p:nvCxnSpPr>
+            <p:cNvPr id="107" name="직선 화살표 연결선 106"/>
+            <p:cNvCxnSpPr>
+              <a:stCxn id="73" idx="1"/>
+            </p:cNvCxnSpPr>
+            <p:nvPr/>
+          </p:nvCxnSpPr>
+          <p:spPr>
+            <a:xfrm flipH="1" flipV="1">
+              <a:off x="9374690" y="3791802"/>
+              <a:ext cx="725925" cy="1"/>
+            </a:xfrm>
+            <a:prstGeom prst="straightConnector1">
+              <a:avLst/>
+            </a:prstGeom>
+            <a:ln>
+              <a:tailEnd type="triangle"/>
+            </a:ln>
+          </p:spPr>
+          <p:style>
+            <a:lnRef idx="1">
+              <a:schemeClr val="accent1"/>
+            </a:lnRef>
+            <a:fillRef idx="0">
+              <a:schemeClr val="accent1"/>
+            </a:fillRef>
+            <a:effectRef idx="0">
+              <a:schemeClr val="accent1"/>
+            </a:effectRef>
+            <a:fontRef idx="minor">
+              <a:schemeClr val="tx1"/>
+            </a:fontRef>
+          </p:style>
+        </p:cxnSp>
+        <p:cxnSp>
+          <p:nvCxnSpPr>
+            <p:cNvPr id="113" name="직선 화살표 연결선 112"/>
+            <p:cNvCxnSpPr>
+              <a:stCxn id="95" idx="1"/>
+            </p:cNvCxnSpPr>
+            <p:nvPr/>
+          </p:nvCxnSpPr>
+          <p:spPr>
+            <a:xfrm flipH="1" flipV="1">
+              <a:off x="9550707" y="1989714"/>
+              <a:ext cx="358351" cy="1"/>
+            </a:xfrm>
+            <a:prstGeom prst="straightConnector1">
+              <a:avLst/>
+            </a:prstGeom>
+            <a:ln>
+              <a:tailEnd type="triangle"/>
+            </a:ln>
+          </p:spPr>
+          <p:style>
+            <a:lnRef idx="1">
+              <a:schemeClr val="accent1"/>
+            </a:lnRef>
+            <a:fillRef idx="0">
+              <a:schemeClr val="accent1"/>
+            </a:fillRef>
+            <a:effectRef idx="0">
+              <a:schemeClr val="accent1"/>
+            </a:effectRef>
+            <a:fontRef idx="minor">
+              <a:schemeClr val="tx1"/>
+            </a:fontRef>
+          </p:style>
+        </p:cxnSp>
+        <p:cxnSp>
+          <p:nvCxnSpPr>
+            <p:cNvPr id="117" name="직선 화살표 연결선 116"/>
+            <p:cNvCxnSpPr>
+              <a:stCxn id="96" idx="1"/>
+            </p:cNvCxnSpPr>
+            <p:nvPr/>
+          </p:nvCxnSpPr>
+          <p:spPr>
+            <a:xfrm flipH="1">
+              <a:off x="9510658" y="4150549"/>
+              <a:ext cx="398398" cy="6794"/>
+            </a:xfrm>
+            <a:prstGeom prst="straightConnector1">
+              <a:avLst/>
+            </a:prstGeom>
+            <a:ln>
+              <a:tailEnd type="triangle"/>
+            </a:ln>
+          </p:spPr>
+          <p:style>
+            <a:lnRef idx="1">
+              <a:schemeClr val="accent1"/>
+            </a:lnRef>
+            <a:fillRef idx="0">
+              <a:schemeClr val="accent1"/>
+            </a:fillRef>
+            <a:effectRef idx="0">
+              <a:schemeClr val="accent1"/>
+            </a:effectRef>
+            <a:fontRef idx="minor">
+              <a:schemeClr val="tx1"/>
+            </a:fontRef>
+          </p:style>
+        </p:cxnSp>
+        <p:sp>
+          <p:nvSpPr>
+            <p:cNvPr id="118" name="타원 117"/>
+            <p:cNvSpPr/>
+            <p:nvPr/>
+          </p:nvSpPr>
+          <p:spPr>
+            <a:xfrm>
+              <a:off x="9242438" y="4157343"/>
+              <a:ext cx="252222" cy="735168"/>
+            </a:xfrm>
+            <a:prstGeom prst="ellipse">
+              <a:avLst/>
+            </a:prstGeom>
+            <a:noFill/>
+            <a:ln>
+              <a:prstDash val="sysDot"/>
+            </a:ln>
+          </p:spPr>
+          <p:style>
+            <a:lnRef idx="2">
+              <a:schemeClr val="accent1">
+                <a:shade val="50000"/>
+              </a:schemeClr>
+            </a:lnRef>
+            <a:fillRef idx="1">
+              <a:schemeClr val="accent1"/>
+            </a:fillRef>
+            <a:effectRef idx="0">
+              <a:schemeClr val="accent1"/>
+            </a:effectRef>
+            <a:fontRef idx="minor">
+              <a:schemeClr val="lt1"/>
+            </a:fontRef>
+          </p:style>
+          <p:txBody>
+            <a:bodyPr rtlCol="0" anchor="ctr"/>
+            <a:lstStyle/>
+            <a:p>
+              <a:pPr algn="ctr"/>
+              <a:endParaRPr lang="ko-KR" altLang="en-US"/>
+            </a:p>
+          </p:txBody>
+        </p:sp>
+        <p:sp>
+          <p:nvSpPr>
+            <p:cNvPr id="119" name="타원 118"/>
+            <p:cNvSpPr/>
+            <p:nvPr/>
+          </p:nvSpPr>
+          <p:spPr>
+            <a:xfrm>
+              <a:off x="9242438" y="1255094"/>
+              <a:ext cx="252222" cy="716096"/>
+            </a:xfrm>
+            <a:prstGeom prst="ellipse">
+              <a:avLst/>
+            </a:prstGeom>
+            <a:noFill/>
+            <a:ln>
+              <a:prstDash val="sysDot"/>
+            </a:ln>
+          </p:spPr>
+          <p:style>
+            <a:lnRef idx="2">
+              <a:schemeClr val="accent1">
+                <a:shade val="50000"/>
+              </a:schemeClr>
+            </a:lnRef>
+            <a:fillRef idx="1">
+              <a:schemeClr val="accent1"/>
+            </a:fillRef>
+            <a:effectRef idx="0">
+              <a:schemeClr val="accent1"/>
+            </a:effectRef>
+            <a:fontRef idx="minor">
+              <a:schemeClr val="lt1"/>
+            </a:fontRef>
+          </p:style>
+          <p:txBody>
+            <a:bodyPr rtlCol="0" anchor="ctr"/>
+            <a:lstStyle/>
+            <a:p>
+              <a:pPr algn="ctr"/>
+              <a:endParaRPr lang="ko-KR" altLang="en-US"/>
+            </a:p>
+          </p:txBody>
+        </p:sp>
+        <p:sp>
+          <p:nvSpPr>
+            <p:cNvPr id="120" name="TextBox 119"/>
+            <p:cNvSpPr txBox="1"/>
+            <p:nvPr/>
+          </p:nvSpPr>
+          <p:spPr>
+            <a:xfrm>
+              <a:off x="9921570" y="4886680"/>
+              <a:ext cx="1188147" cy="276999"/>
+            </a:xfrm>
+            <a:prstGeom prst="rect">
+              <a:avLst/>
+            </a:prstGeom>
+            <a:solidFill>
+              <a:schemeClr val="bg1"/>
+            </a:solidFill>
+          </p:spPr>
+          <p:txBody>
+            <a:bodyPr wrap="none" rtlCol="0">
+              <a:spAutoFit/>
+            </a:bodyPr>
+            <a:lstStyle/>
+            <a:p>
+              <a:pPr algn="ctr"/>
+              <a:r>
+                <a:rPr lang="ko-KR" altLang="en-US" sz="1200" dirty="0" smtClean="0"/>
+                <a:t>이상치</a:t>
+              </a:r>
+              <a:r>
+                <a:rPr lang="en-US" altLang="ko-KR" sz="1200" dirty="0" smtClean="0"/>
+                <a:t>(outlier)</a:t>
+              </a:r>
+              <a:endParaRPr lang="ko-KR" altLang="en-US" sz="1200" dirty="0"/>
+            </a:p>
+          </p:txBody>
+        </p:sp>
+        <p:sp>
+          <p:nvSpPr>
+            <p:cNvPr id="121" name="TextBox 120"/>
+            <p:cNvSpPr txBox="1"/>
+            <p:nvPr/>
+          </p:nvSpPr>
+          <p:spPr>
+            <a:xfrm>
+              <a:off x="9933901" y="936495"/>
+              <a:ext cx="1188147" cy="276999"/>
+            </a:xfrm>
+            <a:prstGeom prst="rect">
+              <a:avLst/>
+            </a:prstGeom>
+            <a:solidFill>
+              <a:schemeClr val="bg1"/>
+            </a:solidFill>
+          </p:spPr>
+          <p:txBody>
+            <a:bodyPr wrap="none" rtlCol="0">
+              <a:spAutoFit/>
+            </a:bodyPr>
+            <a:lstStyle/>
+            <a:p>
+              <a:pPr algn="ctr"/>
+              <a:r>
+                <a:rPr lang="ko-KR" altLang="en-US" sz="1200" dirty="0" smtClean="0"/>
+                <a:t>이상치</a:t>
+              </a:r>
+              <a:r>
+                <a:rPr lang="en-US" altLang="ko-KR" sz="1200" dirty="0" smtClean="0"/>
+                <a:t>(outlier)</a:t>
+              </a:r>
+              <a:endParaRPr lang="ko-KR" altLang="en-US" sz="1200" dirty="0"/>
+            </a:p>
+          </p:txBody>
+        </p:sp>
+        <p:cxnSp>
+          <p:nvCxnSpPr>
+            <p:cNvPr id="123" name="꺾인 연결선 122"/>
+            <p:cNvCxnSpPr>
+              <a:stCxn id="119" idx="0"/>
+              <a:endCxn id="121" idx="1"/>
+            </p:cNvCxnSpPr>
+            <p:nvPr/>
+          </p:nvCxnSpPr>
+          <p:spPr>
+            <a:xfrm rot="5400000" flipH="1" flipV="1">
+              <a:off x="9561176" y="882369"/>
+              <a:ext cx="180099" cy="565352"/>
+            </a:xfrm>
+            <a:prstGeom prst="bentConnector2">
+              <a:avLst/>
+            </a:prstGeom>
+            <a:ln>
+              <a:tailEnd type="triangle"/>
+            </a:ln>
+          </p:spPr>
+          <p:style>
+            <a:lnRef idx="1">
+              <a:schemeClr val="accent1"/>
+            </a:lnRef>
+            <a:fillRef idx="0">
+              <a:schemeClr val="accent1"/>
+            </a:fillRef>
+            <a:effectRef idx="0">
+              <a:schemeClr val="accent1"/>
+            </a:effectRef>
+            <a:fontRef idx="minor">
+              <a:schemeClr val="tx1"/>
+            </a:fontRef>
+          </p:style>
+        </p:cxnSp>
+        <p:cxnSp>
+          <p:nvCxnSpPr>
+            <p:cNvPr id="125" name="꺾인 연결선 124"/>
+            <p:cNvCxnSpPr>
+              <a:stCxn id="118" idx="4"/>
+              <a:endCxn id="120" idx="1"/>
+            </p:cNvCxnSpPr>
+            <p:nvPr/>
+          </p:nvCxnSpPr>
+          <p:spPr>
+            <a:xfrm rot="16200000" flipH="1">
+              <a:off x="9578725" y="4682334"/>
+              <a:ext cx="132669" cy="553021"/>
+            </a:xfrm>
+            <a:prstGeom prst="bentConnector2">
+              <a:avLst/>
+            </a:prstGeom>
+            <a:ln>
+              <a:tailEnd type="triangle"/>
+            </a:ln>
+          </p:spPr>
+          <p:style>
+            <a:lnRef idx="1">
+              <a:schemeClr val="accent1"/>
+            </a:lnRef>
+            <a:fillRef idx="0">
+              <a:schemeClr val="accent1"/>
+            </a:fillRef>
+            <a:effectRef idx="0">
+              <a:schemeClr val="accent1"/>
+            </a:effectRef>
+            <a:fontRef idx="minor">
+              <a:schemeClr val="tx1"/>
+            </a:fontRef>
+          </p:style>
+        </p:cxnSp>
+        <p:sp>
+          <p:nvSpPr>
+            <p:cNvPr id="129" name="타원 128"/>
+            <p:cNvSpPr/>
+            <p:nvPr/>
+          </p:nvSpPr>
+          <p:spPr>
+            <a:xfrm>
+              <a:off x="9345690" y="1593621"/>
+              <a:ext cx="45719" cy="45719"/>
+            </a:xfrm>
+            <a:prstGeom prst="ellipse">
+              <a:avLst/>
+            </a:prstGeom>
+          </p:spPr>
+          <p:style>
+            <a:lnRef idx="2">
+              <a:schemeClr val="accent1">
+                <a:shade val="50000"/>
+              </a:schemeClr>
+            </a:lnRef>
+            <a:fillRef idx="1">
+              <a:schemeClr val="accent1"/>
+            </a:fillRef>
+            <a:effectRef idx="0">
+              <a:schemeClr val="accent1"/>
+            </a:effectRef>
+            <a:fontRef idx="minor">
+              <a:schemeClr val="lt1"/>
+            </a:fontRef>
+          </p:style>
+          <p:txBody>
+            <a:bodyPr rtlCol="0" anchor="ctr"/>
+            <a:lstStyle/>
+            <a:p>
+              <a:pPr algn="ctr"/>
+              <a:endParaRPr lang="ko-KR" altLang="en-US"/>
+            </a:p>
+          </p:txBody>
+        </p:sp>
+        <p:sp>
+          <p:nvSpPr>
+            <p:cNvPr id="130" name="타원 129"/>
+            <p:cNvSpPr/>
+            <p:nvPr/>
+          </p:nvSpPr>
+          <p:spPr>
+            <a:xfrm>
+              <a:off x="9345690" y="4478222"/>
+              <a:ext cx="45719" cy="45719"/>
+            </a:xfrm>
+            <a:prstGeom prst="ellipse">
+              <a:avLst/>
+            </a:prstGeom>
+          </p:spPr>
+          <p:style>
+            <a:lnRef idx="2">
+              <a:schemeClr val="accent1">
+                <a:shade val="50000"/>
+              </a:schemeClr>
+            </a:lnRef>
+            <a:fillRef idx="1">
+              <a:schemeClr val="accent1"/>
+            </a:fillRef>
+            <a:effectRef idx="0">
+              <a:schemeClr val="accent1"/>
+            </a:effectRef>
+            <a:fontRef idx="minor">
+              <a:schemeClr val="lt1"/>
+            </a:fontRef>
+          </p:style>
+          <p:txBody>
+            <a:bodyPr rtlCol="0" anchor="ctr"/>
+            <a:lstStyle/>
+            <a:p>
+              <a:pPr algn="ctr"/>
+              <a:endParaRPr lang="ko-KR" altLang="en-US"/>
+            </a:p>
+          </p:txBody>
+        </p:sp>
+        <p:sp>
+          <p:nvSpPr>
+            <p:cNvPr id="131" name="타원 130"/>
+            <p:cNvSpPr/>
+            <p:nvPr/>
+          </p:nvSpPr>
+          <p:spPr>
+            <a:xfrm>
+              <a:off x="9345690" y="4630622"/>
+              <a:ext cx="45719" cy="45719"/>
+            </a:xfrm>
+            <a:prstGeom prst="ellipse">
+              <a:avLst/>
+            </a:prstGeom>
+          </p:spPr>
+          <p:style>
+            <a:lnRef idx="2">
+              <a:schemeClr val="accent1">
+                <a:shade val="50000"/>
+              </a:schemeClr>
+            </a:lnRef>
+            <a:fillRef idx="1">
+              <a:schemeClr val="accent1"/>
+            </a:fillRef>
+            <a:effectRef idx="0">
+              <a:schemeClr val="accent1"/>
+            </a:effectRef>
+            <a:fontRef idx="minor">
+              <a:schemeClr val="lt1"/>
+            </a:fontRef>
+          </p:style>
+          <p:txBody>
+            <a:bodyPr rtlCol="0" anchor="ctr"/>
+            <a:lstStyle/>
+            <a:p>
+              <a:pPr algn="ctr"/>
+              <a:endParaRPr lang="ko-KR" altLang="en-US"/>
+            </a:p>
+          </p:txBody>
+        </p:sp>
+      </p:grpSp>
+    </p:spTree>
+    <p:extLst>
+      <p:ext uri="{BB962C8B-B14F-4D97-AF65-F5344CB8AC3E}">
+        <p14:creationId xmlns:p14="http://schemas.microsoft.com/office/powerpoint/2010/main" val="3081338435"/>
       </p:ext>
     </p:extLst>
   </p:cSld>

--- a/chap3/3장.pptx
+++ b/chap3/3장.pptx
@@ -8,6 +8,10 @@
     <p:sldId id="273" r:id="rId2"/>
     <p:sldId id="274" r:id="rId3"/>
     <p:sldId id="275" r:id="rId4"/>
+    <p:sldId id="276" r:id="rId5"/>
+    <p:sldId id="277" r:id="rId6"/>
+    <p:sldId id="278" r:id="rId7"/>
+    <p:sldId id="279" r:id="rId8"/>
   </p:sldIdLst>
   <p:sldSz cx="12192000" cy="6858000"/>
   <p:notesSz cx="6858000" cy="9144000"/>
@@ -266,7 +270,7 @@
           <a:p>
             <a:fld id="{D6256A93-9054-4FB5-A5A6-9D00BB2633B8}" type="datetimeFigureOut">
               <a:rPr lang="ko-KR" altLang="en-US" smtClean="0"/>
-              <a:t>2022-01-07</a:t>
+              <a:t>2022-01-08</a:t>
             </a:fld>
             <a:endParaRPr lang="ko-KR" altLang="en-US"/>
           </a:p>
@@ -436,7 +440,7 @@
           <a:p>
             <a:fld id="{D6256A93-9054-4FB5-A5A6-9D00BB2633B8}" type="datetimeFigureOut">
               <a:rPr lang="ko-KR" altLang="en-US" smtClean="0"/>
-              <a:t>2022-01-07</a:t>
+              <a:t>2022-01-08</a:t>
             </a:fld>
             <a:endParaRPr lang="ko-KR" altLang="en-US"/>
           </a:p>
@@ -616,7 +620,7 @@
           <a:p>
             <a:fld id="{D6256A93-9054-4FB5-A5A6-9D00BB2633B8}" type="datetimeFigureOut">
               <a:rPr lang="ko-KR" altLang="en-US" smtClean="0"/>
-              <a:t>2022-01-07</a:t>
+              <a:t>2022-01-08</a:t>
             </a:fld>
             <a:endParaRPr lang="ko-KR" altLang="en-US"/>
           </a:p>
@@ -786,7 +790,7 @@
           <a:p>
             <a:fld id="{D6256A93-9054-4FB5-A5A6-9D00BB2633B8}" type="datetimeFigureOut">
               <a:rPr lang="ko-KR" altLang="en-US" smtClean="0"/>
-              <a:t>2022-01-07</a:t>
+              <a:t>2022-01-08</a:t>
             </a:fld>
             <a:endParaRPr lang="ko-KR" altLang="en-US"/>
           </a:p>
@@ -1032,7 +1036,7 @@
           <a:p>
             <a:fld id="{D6256A93-9054-4FB5-A5A6-9D00BB2633B8}" type="datetimeFigureOut">
               <a:rPr lang="ko-KR" altLang="en-US" smtClean="0"/>
-              <a:t>2022-01-07</a:t>
+              <a:t>2022-01-08</a:t>
             </a:fld>
             <a:endParaRPr lang="ko-KR" altLang="en-US"/>
           </a:p>
@@ -1264,7 +1268,7 @@
           <a:p>
             <a:fld id="{D6256A93-9054-4FB5-A5A6-9D00BB2633B8}" type="datetimeFigureOut">
               <a:rPr lang="ko-KR" altLang="en-US" smtClean="0"/>
-              <a:t>2022-01-07</a:t>
+              <a:t>2022-01-08</a:t>
             </a:fld>
             <a:endParaRPr lang="ko-KR" altLang="en-US"/>
           </a:p>
@@ -1631,7 +1635,7 @@
           <a:p>
             <a:fld id="{D6256A93-9054-4FB5-A5A6-9D00BB2633B8}" type="datetimeFigureOut">
               <a:rPr lang="ko-KR" altLang="en-US" smtClean="0"/>
-              <a:t>2022-01-07</a:t>
+              <a:t>2022-01-08</a:t>
             </a:fld>
             <a:endParaRPr lang="ko-KR" altLang="en-US"/>
           </a:p>
@@ -1749,7 +1753,7 @@
           <a:p>
             <a:fld id="{D6256A93-9054-4FB5-A5A6-9D00BB2633B8}" type="datetimeFigureOut">
               <a:rPr lang="ko-KR" altLang="en-US" smtClean="0"/>
-              <a:t>2022-01-07</a:t>
+              <a:t>2022-01-08</a:t>
             </a:fld>
             <a:endParaRPr lang="ko-KR" altLang="en-US"/>
           </a:p>
@@ -1844,7 +1848,7 @@
           <a:p>
             <a:fld id="{D6256A93-9054-4FB5-A5A6-9D00BB2633B8}" type="datetimeFigureOut">
               <a:rPr lang="ko-KR" altLang="en-US" smtClean="0"/>
-              <a:t>2022-01-07</a:t>
+              <a:t>2022-01-08</a:t>
             </a:fld>
             <a:endParaRPr lang="ko-KR" altLang="en-US"/>
           </a:p>
@@ -2121,7 +2125,7 @@
           <a:p>
             <a:fld id="{D6256A93-9054-4FB5-A5A6-9D00BB2633B8}" type="datetimeFigureOut">
               <a:rPr lang="ko-KR" altLang="en-US" smtClean="0"/>
-              <a:t>2022-01-07</a:t>
+              <a:t>2022-01-08</a:t>
             </a:fld>
             <a:endParaRPr lang="ko-KR" altLang="en-US"/>
           </a:p>
@@ -2374,7 +2378,7 @@
           <a:p>
             <a:fld id="{D6256A93-9054-4FB5-A5A6-9D00BB2633B8}" type="datetimeFigureOut">
               <a:rPr lang="ko-KR" altLang="en-US" smtClean="0"/>
-              <a:t>2022-01-07</a:t>
+              <a:t>2022-01-08</a:t>
             </a:fld>
             <a:endParaRPr lang="ko-KR" altLang="en-US"/>
           </a:p>
@@ -2587,7 +2591,7 @@
           <a:p>
             <a:fld id="{D6256A93-9054-4FB5-A5A6-9D00BB2633B8}" type="datetimeFigureOut">
               <a:rPr lang="ko-KR" altLang="en-US" smtClean="0"/>
-              <a:t>2022-01-07</a:t>
+              <a:t>2022-01-08</a:t>
             </a:fld>
             <a:endParaRPr lang="ko-KR" altLang="en-US"/>
           </a:p>
@@ -7199,6 +7203,6148 @@
 </p:sld>
 </file>
 
+<file path=ppt/slides/slide4.xml><?xml version="1.0" encoding="utf-8"?>
+<p:sld xmlns:a="http://schemas.openxmlformats.org/drawingml/2006/main" xmlns:r="http://schemas.openxmlformats.org/officeDocument/2006/relationships" xmlns:p="http://schemas.openxmlformats.org/presentationml/2006/main">
+  <p:cSld>
+    <p:spTree>
+      <p:nvGrpSpPr>
+        <p:cNvPr id="1" name=""/>
+        <p:cNvGrpSpPr/>
+        <p:nvPr/>
+      </p:nvGrpSpPr>
+      <p:grpSpPr>
+        <a:xfrm>
+          <a:off x="0" y="0"/>
+          <a:ext cx="0" cy="0"/>
+          <a:chOff x="0" y="0"/>
+          <a:chExt cx="0" cy="0"/>
+        </a:xfrm>
+      </p:grpSpPr>
+      <p:grpSp>
+        <p:nvGrpSpPr>
+          <p:cNvPr id="82" name="그룹 81"/>
+          <p:cNvGrpSpPr/>
+          <p:nvPr/>
+        </p:nvGrpSpPr>
+        <p:grpSpPr>
+          <a:xfrm>
+            <a:off x="609601" y="2096499"/>
+            <a:ext cx="10257692" cy="2436743"/>
+            <a:chOff x="609601" y="2096499"/>
+            <a:chExt cx="10257692" cy="2436743"/>
+          </a:xfrm>
+        </p:grpSpPr>
+        <p:sp>
+          <p:nvSpPr>
+            <p:cNvPr id="40" name="오른쪽 화살표 39"/>
+            <p:cNvSpPr/>
+            <p:nvPr/>
+          </p:nvSpPr>
+          <p:spPr>
+            <a:xfrm>
+              <a:off x="609601" y="3039617"/>
+              <a:ext cx="10257692" cy="865693"/>
+            </a:xfrm>
+            <a:prstGeom prst="rightArrow">
+              <a:avLst/>
+            </a:prstGeom>
+            <a:solidFill>
+              <a:schemeClr val="accent1">
+                <a:lumMod val="40000"/>
+                <a:lumOff val="60000"/>
+              </a:schemeClr>
+            </a:solidFill>
+            <a:ln>
+              <a:noFill/>
+            </a:ln>
+          </p:spPr>
+          <p:style>
+            <a:lnRef idx="2">
+              <a:schemeClr val="accent1">
+                <a:shade val="50000"/>
+              </a:schemeClr>
+            </a:lnRef>
+            <a:fillRef idx="1">
+              <a:schemeClr val="accent1"/>
+            </a:fillRef>
+            <a:effectRef idx="0">
+              <a:schemeClr val="accent1"/>
+            </a:effectRef>
+            <a:fontRef idx="minor">
+              <a:schemeClr val="lt1"/>
+            </a:fontRef>
+          </p:style>
+          <p:txBody>
+            <a:bodyPr rtlCol="0" anchor="ctr"/>
+            <a:lstStyle/>
+            <a:p>
+              <a:pPr algn="ctr"/>
+              <a:endParaRPr lang="ko-KR" altLang="en-US"/>
+            </a:p>
+          </p:txBody>
+        </p:sp>
+        <p:grpSp>
+          <p:nvGrpSpPr>
+            <p:cNvPr id="5" name="그룹 4"/>
+            <p:cNvGrpSpPr/>
+            <p:nvPr/>
+          </p:nvGrpSpPr>
+          <p:grpSpPr>
+            <a:xfrm>
+              <a:off x="860885" y="2756736"/>
+              <a:ext cx="1552553" cy="1561892"/>
+              <a:chOff x="325315" y="2056765"/>
+              <a:chExt cx="2562957" cy="2584935"/>
+            </a:xfrm>
+          </p:grpSpPr>
+          <p:sp>
+            <p:nvSpPr>
+              <p:cNvPr id="6" name="직사각형 5"/>
+              <p:cNvSpPr/>
+              <p:nvPr/>
+            </p:nvSpPr>
+            <p:spPr>
+              <a:xfrm>
+                <a:off x="325315" y="2056765"/>
+                <a:ext cx="854319" cy="369277"/>
+              </a:xfrm>
+              <a:prstGeom prst="rect">
+                <a:avLst/>
+              </a:prstGeom>
+              <a:ln w="19050">
+                <a:solidFill>
+                  <a:schemeClr val="bg1"/>
+                </a:solidFill>
+              </a:ln>
+            </p:spPr>
+            <p:style>
+              <a:lnRef idx="2">
+                <a:schemeClr val="accent1">
+                  <a:shade val="50000"/>
+                </a:schemeClr>
+              </a:lnRef>
+              <a:fillRef idx="1">
+                <a:schemeClr val="accent1"/>
+              </a:fillRef>
+              <a:effectRef idx="0">
+                <a:schemeClr val="accent1"/>
+              </a:effectRef>
+              <a:fontRef idx="minor">
+                <a:schemeClr val="lt1"/>
+              </a:fontRef>
+            </p:style>
+            <p:txBody>
+              <a:bodyPr rtlCol="0" anchor="ctr"/>
+              <a:lstStyle/>
+              <a:p>
+                <a:pPr algn="ctr"/>
+                <a:r>
+                  <a:rPr lang="en-US" altLang="ko-KR" dirty="0"/>
+                  <a:t>A</a:t>
+                </a:r>
+                <a:endParaRPr lang="ko-KR" altLang="en-US" dirty="0"/>
+              </a:p>
+            </p:txBody>
+          </p:sp>
+          <p:sp>
+            <p:nvSpPr>
+              <p:cNvPr id="7" name="직사각형 6"/>
+              <p:cNvSpPr/>
+              <p:nvPr/>
+            </p:nvSpPr>
+            <p:spPr>
+              <a:xfrm>
+                <a:off x="1179634" y="2056765"/>
+                <a:ext cx="854319" cy="369277"/>
+              </a:xfrm>
+              <a:prstGeom prst="rect">
+                <a:avLst/>
+              </a:prstGeom>
+              <a:ln w="19050">
+                <a:solidFill>
+                  <a:schemeClr val="bg1"/>
+                </a:solidFill>
+              </a:ln>
+            </p:spPr>
+            <p:style>
+              <a:lnRef idx="2">
+                <a:schemeClr val="accent1">
+                  <a:shade val="50000"/>
+                </a:schemeClr>
+              </a:lnRef>
+              <a:fillRef idx="1">
+                <a:schemeClr val="accent1"/>
+              </a:fillRef>
+              <a:effectRef idx="0">
+                <a:schemeClr val="accent1"/>
+              </a:effectRef>
+              <a:fontRef idx="minor">
+                <a:schemeClr val="lt1"/>
+              </a:fontRef>
+            </p:style>
+            <p:txBody>
+              <a:bodyPr rtlCol="0" anchor="ctr"/>
+              <a:lstStyle/>
+              <a:p>
+                <a:pPr algn="ctr"/>
+                <a:r>
+                  <a:rPr lang="en-US" altLang="ko-KR" spc="-150" dirty="0" smtClean="0"/>
+                  <a:t>B</a:t>
+                </a:r>
+                <a:endParaRPr lang="ko-KR" altLang="en-US" spc="-150" dirty="0"/>
+              </a:p>
+            </p:txBody>
+          </p:sp>
+          <p:sp>
+            <p:nvSpPr>
+              <p:cNvPr id="8" name="직사각형 7"/>
+              <p:cNvSpPr/>
+              <p:nvPr/>
+            </p:nvSpPr>
+            <p:spPr>
+              <a:xfrm>
+                <a:off x="325315" y="2426042"/>
+                <a:ext cx="854319" cy="369277"/>
+              </a:xfrm>
+              <a:prstGeom prst="rect">
+                <a:avLst/>
+              </a:prstGeom>
+              <a:solidFill>
+                <a:schemeClr val="accent1">
+                  <a:lumMod val="40000"/>
+                  <a:lumOff val="60000"/>
+                </a:schemeClr>
+              </a:solidFill>
+              <a:ln w="19050">
+                <a:solidFill>
+                  <a:schemeClr val="bg1"/>
+                </a:solidFill>
+              </a:ln>
+            </p:spPr>
+            <p:style>
+              <a:lnRef idx="2">
+                <a:schemeClr val="accent1">
+                  <a:shade val="50000"/>
+                </a:schemeClr>
+              </a:lnRef>
+              <a:fillRef idx="1">
+                <a:schemeClr val="accent1"/>
+              </a:fillRef>
+              <a:effectRef idx="0">
+                <a:schemeClr val="accent1"/>
+              </a:effectRef>
+              <a:fontRef idx="minor">
+                <a:schemeClr val="lt1"/>
+              </a:fontRef>
+            </p:style>
+            <p:txBody>
+              <a:bodyPr rtlCol="0" anchor="ctr"/>
+              <a:lstStyle/>
+              <a:p>
+                <a:pPr algn="ctr"/>
+                <a:endParaRPr lang="ko-KR" altLang="en-US" dirty="0">
+                  <a:solidFill>
+                    <a:srgbClr val="002060"/>
+                  </a:solidFill>
+                </a:endParaRPr>
+              </a:p>
+            </p:txBody>
+          </p:sp>
+          <p:sp>
+            <p:nvSpPr>
+              <p:cNvPr id="9" name="직사각형 8"/>
+              <p:cNvSpPr/>
+              <p:nvPr/>
+            </p:nvSpPr>
+            <p:spPr>
+              <a:xfrm>
+                <a:off x="1179634" y="2426042"/>
+                <a:ext cx="854319" cy="369277"/>
+              </a:xfrm>
+              <a:prstGeom prst="rect">
+                <a:avLst/>
+              </a:prstGeom>
+              <a:solidFill>
+                <a:schemeClr val="accent1">
+                  <a:lumMod val="40000"/>
+                  <a:lumOff val="60000"/>
+                </a:schemeClr>
+              </a:solidFill>
+              <a:ln w="19050">
+                <a:solidFill>
+                  <a:schemeClr val="bg1"/>
+                </a:solidFill>
+              </a:ln>
+            </p:spPr>
+            <p:style>
+              <a:lnRef idx="2">
+                <a:schemeClr val="accent1">
+                  <a:shade val="50000"/>
+                </a:schemeClr>
+              </a:lnRef>
+              <a:fillRef idx="1">
+                <a:schemeClr val="accent1"/>
+              </a:fillRef>
+              <a:effectRef idx="0">
+                <a:schemeClr val="accent1"/>
+              </a:effectRef>
+              <a:fontRef idx="minor">
+                <a:schemeClr val="lt1"/>
+              </a:fontRef>
+            </p:style>
+            <p:txBody>
+              <a:bodyPr rtlCol="0" anchor="ctr"/>
+              <a:lstStyle/>
+              <a:p>
+                <a:pPr algn="ctr"/>
+                <a:endParaRPr lang="ko-KR" altLang="en-US" dirty="0">
+                  <a:solidFill>
+                    <a:srgbClr val="002060"/>
+                  </a:solidFill>
+                </a:endParaRPr>
+              </a:p>
+            </p:txBody>
+          </p:sp>
+          <p:sp>
+            <p:nvSpPr>
+              <p:cNvPr id="10" name="직사각형 9"/>
+              <p:cNvSpPr/>
+              <p:nvPr/>
+            </p:nvSpPr>
+            <p:spPr>
+              <a:xfrm>
+                <a:off x="325315" y="2795318"/>
+                <a:ext cx="854319" cy="369277"/>
+              </a:xfrm>
+              <a:prstGeom prst="rect">
+                <a:avLst/>
+              </a:prstGeom>
+              <a:solidFill>
+                <a:schemeClr val="accent1">
+                  <a:lumMod val="40000"/>
+                  <a:lumOff val="60000"/>
+                </a:schemeClr>
+              </a:solidFill>
+              <a:ln w="19050">
+                <a:solidFill>
+                  <a:schemeClr val="bg1"/>
+                </a:solidFill>
+              </a:ln>
+            </p:spPr>
+            <p:style>
+              <a:lnRef idx="2">
+                <a:schemeClr val="accent1">
+                  <a:shade val="50000"/>
+                </a:schemeClr>
+              </a:lnRef>
+              <a:fillRef idx="1">
+                <a:schemeClr val="accent1"/>
+              </a:fillRef>
+              <a:effectRef idx="0">
+                <a:schemeClr val="accent1"/>
+              </a:effectRef>
+              <a:fontRef idx="minor">
+                <a:schemeClr val="lt1"/>
+              </a:fontRef>
+            </p:style>
+            <p:txBody>
+              <a:bodyPr rtlCol="0" anchor="ctr"/>
+              <a:lstStyle/>
+              <a:p>
+                <a:pPr algn="ctr"/>
+                <a:endParaRPr lang="ko-KR" altLang="en-US" dirty="0">
+                  <a:solidFill>
+                    <a:srgbClr val="002060"/>
+                  </a:solidFill>
+                </a:endParaRPr>
+              </a:p>
+            </p:txBody>
+          </p:sp>
+          <p:sp>
+            <p:nvSpPr>
+              <p:cNvPr id="11" name="직사각형 10"/>
+              <p:cNvSpPr/>
+              <p:nvPr/>
+            </p:nvSpPr>
+            <p:spPr>
+              <a:xfrm>
+                <a:off x="1179634" y="2795318"/>
+                <a:ext cx="854319" cy="369277"/>
+              </a:xfrm>
+              <a:prstGeom prst="rect">
+                <a:avLst/>
+              </a:prstGeom>
+              <a:solidFill>
+                <a:schemeClr val="accent1">
+                  <a:lumMod val="40000"/>
+                  <a:lumOff val="60000"/>
+                </a:schemeClr>
+              </a:solidFill>
+              <a:ln w="19050">
+                <a:solidFill>
+                  <a:schemeClr val="bg1"/>
+                </a:solidFill>
+              </a:ln>
+            </p:spPr>
+            <p:style>
+              <a:lnRef idx="2">
+                <a:schemeClr val="accent1">
+                  <a:shade val="50000"/>
+                </a:schemeClr>
+              </a:lnRef>
+              <a:fillRef idx="1">
+                <a:schemeClr val="accent1"/>
+              </a:fillRef>
+              <a:effectRef idx="0">
+                <a:schemeClr val="accent1"/>
+              </a:effectRef>
+              <a:fontRef idx="minor">
+                <a:schemeClr val="lt1"/>
+              </a:fontRef>
+            </p:style>
+            <p:txBody>
+              <a:bodyPr rtlCol="0" anchor="ctr"/>
+              <a:lstStyle/>
+              <a:p>
+                <a:pPr algn="ctr"/>
+                <a:endParaRPr lang="ko-KR" altLang="en-US" dirty="0">
+                  <a:solidFill>
+                    <a:srgbClr val="002060"/>
+                  </a:solidFill>
+                </a:endParaRPr>
+              </a:p>
+            </p:txBody>
+          </p:sp>
+          <p:sp>
+            <p:nvSpPr>
+              <p:cNvPr id="12" name="직사각형 11"/>
+              <p:cNvSpPr/>
+              <p:nvPr/>
+            </p:nvSpPr>
+            <p:spPr>
+              <a:xfrm>
+                <a:off x="325315" y="3164594"/>
+                <a:ext cx="854319" cy="369277"/>
+              </a:xfrm>
+              <a:prstGeom prst="rect">
+                <a:avLst/>
+              </a:prstGeom>
+              <a:solidFill>
+                <a:schemeClr val="accent1">
+                  <a:lumMod val="40000"/>
+                  <a:lumOff val="60000"/>
+                </a:schemeClr>
+              </a:solidFill>
+              <a:ln w="19050">
+                <a:solidFill>
+                  <a:schemeClr val="bg1"/>
+                </a:solidFill>
+              </a:ln>
+            </p:spPr>
+            <p:style>
+              <a:lnRef idx="2">
+                <a:schemeClr val="accent1">
+                  <a:shade val="50000"/>
+                </a:schemeClr>
+              </a:lnRef>
+              <a:fillRef idx="1">
+                <a:schemeClr val="accent1"/>
+              </a:fillRef>
+              <a:effectRef idx="0">
+                <a:schemeClr val="accent1"/>
+              </a:effectRef>
+              <a:fontRef idx="minor">
+                <a:schemeClr val="lt1"/>
+              </a:fontRef>
+            </p:style>
+            <p:txBody>
+              <a:bodyPr rtlCol="0" anchor="ctr"/>
+              <a:lstStyle/>
+              <a:p>
+                <a:pPr algn="ctr"/>
+                <a:endParaRPr lang="ko-KR" altLang="en-US" dirty="0">
+                  <a:solidFill>
+                    <a:srgbClr val="002060"/>
+                  </a:solidFill>
+                </a:endParaRPr>
+              </a:p>
+            </p:txBody>
+          </p:sp>
+          <p:sp>
+            <p:nvSpPr>
+              <p:cNvPr id="13" name="직사각형 12"/>
+              <p:cNvSpPr/>
+              <p:nvPr/>
+            </p:nvSpPr>
+            <p:spPr>
+              <a:xfrm>
+                <a:off x="1179634" y="3164594"/>
+                <a:ext cx="854319" cy="369277"/>
+              </a:xfrm>
+              <a:prstGeom prst="rect">
+                <a:avLst/>
+              </a:prstGeom>
+              <a:solidFill>
+                <a:schemeClr val="accent1">
+                  <a:lumMod val="40000"/>
+                  <a:lumOff val="60000"/>
+                </a:schemeClr>
+              </a:solidFill>
+              <a:ln w="19050">
+                <a:solidFill>
+                  <a:schemeClr val="bg1"/>
+                </a:solidFill>
+              </a:ln>
+            </p:spPr>
+            <p:style>
+              <a:lnRef idx="2">
+                <a:schemeClr val="accent1">
+                  <a:shade val="50000"/>
+                </a:schemeClr>
+              </a:lnRef>
+              <a:fillRef idx="1">
+                <a:schemeClr val="accent1"/>
+              </a:fillRef>
+              <a:effectRef idx="0">
+                <a:schemeClr val="accent1"/>
+              </a:effectRef>
+              <a:fontRef idx="minor">
+                <a:schemeClr val="lt1"/>
+              </a:fontRef>
+            </p:style>
+            <p:txBody>
+              <a:bodyPr rtlCol="0" anchor="ctr"/>
+              <a:lstStyle/>
+              <a:p>
+                <a:pPr algn="ctr"/>
+                <a:endParaRPr lang="ko-KR" altLang="en-US" dirty="0">
+                  <a:solidFill>
+                    <a:srgbClr val="002060"/>
+                  </a:solidFill>
+                </a:endParaRPr>
+              </a:p>
+            </p:txBody>
+          </p:sp>
+          <p:sp>
+            <p:nvSpPr>
+              <p:cNvPr id="14" name="직사각형 13"/>
+              <p:cNvSpPr/>
+              <p:nvPr/>
+            </p:nvSpPr>
+            <p:spPr>
+              <a:xfrm>
+                <a:off x="2033953" y="2056765"/>
+                <a:ext cx="854319" cy="369277"/>
+              </a:xfrm>
+              <a:prstGeom prst="rect">
+                <a:avLst/>
+              </a:prstGeom>
+              <a:ln w="19050">
+                <a:solidFill>
+                  <a:schemeClr val="bg1"/>
+                </a:solidFill>
+              </a:ln>
+            </p:spPr>
+            <p:style>
+              <a:lnRef idx="2">
+                <a:schemeClr val="accent1">
+                  <a:shade val="50000"/>
+                </a:schemeClr>
+              </a:lnRef>
+              <a:fillRef idx="1">
+                <a:schemeClr val="accent1"/>
+              </a:fillRef>
+              <a:effectRef idx="0">
+                <a:schemeClr val="accent1"/>
+              </a:effectRef>
+              <a:fontRef idx="minor">
+                <a:schemeClr val="lt1"/>
+              </a:fontRef>
+            </p:style>
+            <p:txBody>
+              <a:bodyPr rtlCol="0" anchor="ctr"/>
+              <a:lstStyle/>
+              <a:p>
+                <a:pPr algn="ctr"/>
+                <a:r>
+                  <a:rPr lang="en-US" altLang="ko-KR" spc="-150" dirty="0"/>
+                  <a:t>C</a:t>
+                </a:r>
+                <a:endParaRPr lang="ko-KR" altLang="en-US" spc="-150" dirty="0"/>
+              </a:p>
+            </p:txBody>
+          </p:sp>
+          <p:sp>
+            <p:nvSpPr>
+              <p:cNvPr id="15" name="직사각형 14"/>
+              <p:cNvSpPr/>
+              <p:nvPr/>
+            </p:nvSpPr>
+            <p:spPr>
+              <a:xfrm>
+                <a:off x="2033953" y="2426042"/>
+                <a:ext cx="854319" cy="369277"/>
+              </a:xfrm>
+              <a:prstGeom prst="rect">
+                <a:avLst/>
+              </a:prstGeom>
+              <a:solidFill>
+                <a:schemeClr val="accent1">
+                  <a:lumMod val="40000"/>
+                  <a:lumOff val="60000"/>
+                </a:schemeClr>
+              </a:solidFill>
+              <a:ln w="19050">
+                <a:solidFill>
+                  <a:schemeClr val="bg1"/>
+                </a:solidFill>
+              </a:ln>
+            </p:spPr>
+            <p:style>
+              <a:lnRef idx="2">
+                <a:schemeClr val="accent1">
+                  <a:shade val="50000"/>
+                </a:schemeClr>
+              </a:lnRef>
+              <a:fillRef idx="1">
+                <a:schemeClr val="accent1"/>
+              </a:fillRef>
+              <a:effectRef idx="0">
+                <a:schemeClr val="accent1"/>
+              </a:effectRef>
+              <a:fontRef idx="minor">
+                <a:schemeClr val="lt1"/>
+              </a:fontRef>
+            </p:style>
+            <p:txBody>
+              <a:bodyPr rtlCol="0" anchor="ctr"/>
+              <a:lstStyle/>
+              <a:p>
+                <a:pPr algn="ctr"/>
+                <a:endParaRPr lang="ko-KR" altLang="en-US" dirty="0">
+                  <a:solidFill>
+                    <a:srgbClr val="002060"/>
+                  </a:solidFill>
+                </a:endParaRPr>
+              </a:p>
+            </p:txBody>
+          </p:sp>
+          <p:sp>
+            <p:nvSpPr>
+              <p:cNvPr id="16" name="직사각형 15"/>
+              <p:cNvSpPr/>
+              <p:nvPr/>
+            </p:nvSpPr>
+            <p:spPr>
+              <a:xfrm>
+                <a:off x="2033953" y="2795318"/>
+                <a:ext cx="854319" cy="369277"/>
+              </a:xfrm>
+              <a:prstGeom prst="rect">
+                <a:avLst/>
+              </a:prstGeom>
+              <a:solidFill>
+                <a:schemeClr val="accent1">
+                  <a:lumMod val="40000"/>
+                  <a:lumOff val="60000"/>
+                </a:schemeClr>
+              </a:solidFill>
+              <a:ln w="19050">
+                <a:solidFill>
+                  <a:schemeClr val="bg1"/>
+                </a:solidFill>
+              </a:ln>
+            </p:spPr>
+            <p:style>
+              <a:lnRef idx="2">
+                <a:schemeClr val="accent1">
+                  <a:shade val="50000"/>
+                </a:schemeClr>
+              </a:lnRef>
+              <a:fillRef idx="1">
+                <a:schemeClr val="accent1"/>
+              </a:fillRef>
+              <a:effectRef idx="0">
+                <a:schemeClr val="accent1"/>
+              </a:effectRef>
+              <a:fontRef idx="minor">
+                <a:schemeClr val="lt1"/>
+              </a:fontRef>
+            </p:style>
+            <p:txBody>
+              <a:bodyPr rtlCol="0" anchor="ctr"/>
+              <a:lstStyle/>
+              <a:p>
+                <a:pPr algn="ctr"/>
+                <a:endParaRPr lang="ko-KR" altLang="en-US" dirty="0">
+                  <a:solidFill>
+                    <a:srgbClr val="002060"/>
+                  </a:solidFill>
+                </a:endParaRPr>
+              </a:p>
+            </p:txBody>
+          </p:sp>
+          <p:sp>
+            <p:nvSpPr>
+              <p:cNvPr id="17" name="직사각형 16"/>
+              <p:cNvSpPr/>
+              <p:nvPr/>
+            </p:nvSpPr>
+            <p:spPr>
+              <a:xfrm>
+                <a:off x="2033953" y="3164594"/>
+                <a:ext cx="854319" cy="369277"/>
+              </a:xfrm>
+              <a:prstGeom prst="rect">
+                <a:avLst/>
+              </a:prstGeom>
+              <a:solidFill>
+                <a:schemeClr val="accent1">
+                  <a:lumMod val="40000"/>
+                  <a:lumOff val="60000"/>
+                </a:schemeClr>
+              </a:solidFill>
+              <a:ln w="19050">
+                <a:solidFill>
+                  <a:schemeClr val="bg1"/>
+                </a:solidFill>
+              </a:ln>
+            </p:spPr>
+            <p:style>
+              <a:lnRef idx="2">
+                <a:schemeClr val="accent1">
+                  <a:shade val="50000"/>
+                </a:schemeClr>
+              </a:lnRef>
+              <a:fillRef idx="1">
+                <a:schemeClr val="accent1"/>
+              </a:fillRef>
+              <a:effectRef idx="0">
+                <a:schemeClr val="accent1"/>
+              </a:effectRef>
+              <a:fontRef idx="minor">
+                <a:schemeClr val="lt1"/>
+              </a:fontRef>
+            </p:style>
+            <p:txBody>
+              <a:bodyPr rtlCol="0" anchor="ctr"/>
+              <a:lstStyle/>
+              <a:p>
+                <a:pPr algn="ctr"/>
+                <a:endParaRPr lang="ko-KR" altLang="en-US" dirty="0">
+                  <a:solidFill>
+                    <a:srgbClr val="002060"/>
+                  </a:solidFill>
+                </a:endParaRPr>
+              </a:p>
+            </p:txBody>
+          </p:sp>
+          <p:sp>
+            <p:nvSpPr>
+              <p:cNvPr id="18" name="직사각형 17"/>
+              <p:cNvSpPr/>
+              <p:nvPr/>
+            </p:nvSpPr>
+            <p:spPr>
+              <a:xfrm>
+                <a:off x="325315" y="3533871"/>
+                <a:ext cx="854319" cy="369277"/>
+              </a:xfrm>
+              <a:prstGeom prst="rect">
+                <a:avLst/>
+              </a:prstGeom>
+              <a:solidFill>
+                <a:schemeClr val="accent1">
+                  <a:lumMod val="40000"/>
+                  <a:lumOff val="60000"/>
+                </a:schemeClr>
+              </a:solidFill>
+              <a:ln w="19050">
+                <a:solidFill>
+                  <a:schemeClr val="bg1"/>
+                </a:solidFill>
+              </a:ln>
+            </p:spPr>
+            <p:style>
+              <a:lnRef idx="2">
+                <a:schemeClr val="accent1">
+                  <a:shade val="50000"/>
+                </a:schemeClr>
+              </a:lnRef>
+              <a:fillRef idx="1">
+                <a:schemeClr val="accent1"/>
+              </a:fillRef>
+              <a:effectRef idx="0">
+                <a:schemeClr val="accent1"/>
+              </a:effectRef>
+              <a:fontRef idx="minor">
+                <a:schemeClr val="lt1"/>
+              </a:fontRef>
+            </p:style>
+            <p:txBody>
+              <a:bodyPr rtlCol="0" anchor="ctr"/>
+              <a:lstStyle/>
+              <a:p>
+                <a:pPr algn="ctr"/>
+                <a:endParaRPr lang="ko-KR" altLang="en-US" dirty="0">
+                  <a:solidFill>
+                    <a:srgbClr val="002060"/>
+                  </a:solidFill>
+                </a:endParaRPr>
+              </a:p>
+            </p:txBody>
+          </p:sp>
+          <p:sp>
+            <p:nvSpPr>
+              <p:cNvPr id="19" name="직사각형 18"/>
+              <p:cNvSpPr/>
+              <p:nvPr/>
+            </p:nvSpPr>
+            <p:spPr>
+              <a:xfrm>
+                <a:off x="1179634" y="3533871"/>
+                <a:ext cx="854319" cy="369277"/>
+              </a:xfrm>
+              <a:prstGeom prst="rect">
+                <a:avLst/>
+              </a:prstGeom>
+              <a:solidFill>
+                <a:schemeClr val="accent1">
+                  <a:lumMod val="40000"/>
+                  <a:lumOff val="60000"/>
+                </a:schemeClr>
+              </a:solidFill>
+              <a:ln w="19050">
+                <a:solidFill>
+                  <a:schemeClr val="bg1"/>
+                </a:solidFill>
+              </a:ln>
+            </p:spPr>
+            <p:style>
+              <a:lnRef idx="2">
+                <a:schemeClr val="accent1">
+                  <a:shade val="50000"/>
+                </a:schemeClr>
+              </a:lnRef>
+              <a:fillRef idx="1">
+                <a:schemeClr val="accent1"/>
+              </a:fillRef>
+              <a:effectRef idx="0">
+                <a:schemeClr val="accent1"/>
+              </a:effectRef>
+              <a:fontRef idx="minor">
+                <a:schemeClr val="lt1"/>
+              </a:fontRef>
+            </p:style>
+            <p:txBody>
+              <a:bodyPr rtlCol="0" anchor="ctr"/>
+              <a:lstStyle/>
+              <a:p>
+                <a:pPr algn="ctr"/>
+                <a:endParaRPr lang="ko-KR" altLang="en-US" dirty="0">
+                  <a:solidFill>
+                    <a:srgbClr val="002060"/>
+                  </a:solidFill>
+                </a:endParaRPr>
+              </a:p>
+            </p:txBody>
+          </p:sp>
+          <p:sp>
+            <p:nvSpPr>
+              <p:cNvPr id="20" name="직사각형 19"/>
+              <p:cNvSpPr/>
+              <p:nvPr/>
+            </p:nvSpPr>
+            <p:spPr>
+              <a:xfrm>
+                <a:off x="325315" y="3903147"/>
+                <a:ext cx="854319" cy="369277"/>
+              </a:xfrm>
+              <a:prstGeom prst="rect">
+                <a:avLst/>
+              </a:prstGeom>
+              <a:solidFill>
+                <a:schemeClr val="accent1">
+                  <a:lumMod val="40000"/>
+                  <a:lumOff val="60000"/>
+                </a:schemeClr>
+              </a:solidFill>
+              <a:ln w="19050">
+                <a:solidFill>
+                  <a:schemeClr val="bg1"/>
+                </a:solidFill>
+              </a:ln>
+            </p:spPr>
+            <p:style>
+              <a:lnRef idx="2">
+                <a:schemeClr val="accent1">
+                  <a:shade val="50000"/>
+                </a:schemeClr>
+              </a:lnRef>
+              <a:fillRef idx="1">
+                <a:schemeClr val="accent1"/>
+              </a:fillRef>
+              <a:effectRef idx="0">
+                <a:schemeClr val="accent1"/>
+              </a:effectRef>
+              <a:fontRef idx="minor">
+                <a:schemeClr val="lt1"/>
+              </a:fontRef>
+            </p:style>
+            <p:txBody>
+              <a:bodyPr rtlCol="0" anchor="ctr"/>
+              <a:lstStyle/>
+              <a:p>
+                <a:pPr algn="ctr"/>
+                <a:endParaRPr lang="ko-KR" altLang="en-US" dirty="0">
+                  <a:solidFill>
+                    <a:srgbClr val="002060"/>
+                  </a:solidFill>
+                </a:endParaRPr>
+              </a:p>
+            </p:txBody>
+          </p:sp>
+          <p:sp>
+            <p:nvSpPr>
+              <p:cNvPr id="21" name="직사각형 20"/>
+              <p:cNvSpPr/>
+              <p:nvPr/>
+            </p:nvSpPr>
+            <p:spPr>
+              <a:xfrm>
+                <a:off x="1179634" y="3903147"/>
+                <a:ext cx="854319" cy="369277"/>
+              </a:xfrm>
+              <a:prstGeom prst="rect">
+                <a:avLst/>
+              </a:prstGeom>
+              <a:solidFill>
+                <a:schemeClr val="accent1">
+                  <a:lumMod val="40000"/>
+                  <a:lumOff val="60000"/>
+                </a:schemeClr>
+              </a:solidFill>
+              <a:ln w="19050">
+                <a:solidFill>
+                  <a:schemeClr val="bg1"/>
+                </a:solidFill>
+              </a:ln>
+            </p:spPr>
+            <p:style>
+              <a:lnRef idx="2">
+                <a:schemeClr val="accent1">
+                  <a:shade val="50000"/>
+                </a:schemeClr>
+              </a:lnRef>
+              <a:fillRef idx="1">
+                <a:schemeClr val="accent1"/>
+              </a:fillRef>
+              <a:effectRef idx="0">
+                <a:schemeClr val="accent1"/>
+              </a:effectRef>
+              <a:fontRef idx="minor">
+                <a:schemeClr val="lt1"/>
+              </a:fontRef>
+            </p:style>
+            <p:txBody>
+              <a:bodyPr rtlCol="0" anchor="ctr"/>
+              <a:lstStyle/>
+              <a:p>
+                <a:pPr algn="ctr"/>
+                <a:endParaRPr lang="ko-KR" altLang="en-US" dirty="0">
+                  <a:solidFill>
+                    <a:srgbClr val="002060"/>
+                  </a:solidFill>
+                </a:endParaRPr>
+              </a:p>
+            </p:txBody>
+          </p:sp>
+          <p:sp>
+            <p:nvSpPr>
+              <p:cNvPr id="22" name="직사각형 21"/>
+              <p:cNvSpPr/>
+              <p:nvPr/>
+            </p:nvSpPr>
+            <p:spPr>
+              <a:xfrm>
+                <a:off x="325315" y="4272423"/>
+                <a:ext cx="854319" cy="369277"/>
+              </a:xfrm>
+              <a:prstGeom prst="rect">
+                <a:avLst/>
+              </a:prstGeom>
+              <a:solidFill>
+                <a:schemeClr val="accent1">
+                  <a:lumMod val="40000"/>
+                  <a:lumOff val="60000"/>
+                </a:schemeClr>
+              </a:solidFill>
+              <a:ln w="19050">
+                <a:solidFill>
+                  <a:schemeClr val="bg1"/>
+                </a:solidFill>
+              </a:ln>
+            </p:spPr>
+            <p:style>
+              <a:lnRef idx="2">
+                <a:schemeClr val="accent1">
+                  <a:shade val="50000"/>
+                </a:schemeClr>
+              </a:lnRef>
+              <a:fillRef idx="1">
+                <a:schemeClr val="accent1"/>
+              </a:fillRef>
+              <a:effectRef idx="0">
+                <a:schemeClr val="accent1"/>
+              </a:effectRef>
+              <a:fontRef idx="minor">
+                <a:schemeClr val="lt1"/>
+              </a:fontRef>
+            </p:style>
+            <p:txBody>
+              <a:bodyPr rtlCol="0" anchor="ctr"/>
+              <a:lstStyle/>
+              <a:p>
+                <a:pPr algn="ctr"/>
+                <a:endParaRPr lang="ko-KR" altLang="en-US" dirty="0">
+                  <a:solidFill>
+                    <a:srgbClr val="002060"/>
+                  </a:solidFill>
+                </a:endParaRPr>
+              </a:p>
+            </p:txBody>
+          </p:sp>
+          <p:sp>
+            <p:nvSpPr>
+              <p:cNvPr id="23" name="직사각형 22"/>
+              <p:cNvSpPr/>
+              <p:nvPr/>
+            </p:nvSpPr>
+            <p:spPr>
+              <a:xfrm>
+                <a:off x="1179634" y="4272423"/>
+                <a:ext cx="854319" cy="369277"/>
+              </a:xfrm>
+              <a:prstGeom prst="rect">
+                <a:avLst/>
+              </a:prstGeom>
+              <a:solidFill>
+                <a:schemeClr val="accent1">
+                  <a:lumMod val="40000"/>
+                  <a:lumOff val="60000"/>
+                </a:schemeClr>
+              </a:solidFill>
+              <a:ln w="19050">
+                <a:solidFill>
+                  <a:schemeClr val="bg1"/>
+                </a:solidFill>
+              </a:ln>
+            </p:spPr>
+            <p:style>
+              <a:lnRef idx="2">
+                <a:schemeClr val="accent1">
+                  <a:shade val="50000"/>
+                </a:schemeClr>
+              </a:lnRef>
+              <a:fillRef idx="1">
+                <a:schemeClr val="accent1"/>
+              </a:fillRef>
+              <a:effectRef idx="0">
+                <a:schemeClr val="accent1"/>
+              </a:effectRef>
+              <a:fontRef idx="minor">
+                <a:schemeClr val="lt1"/>
+              </a:fontRef>
+            </p:style>
+            <p:txBody>
+              <a:bodyPr rtlCol="0" anchor="ctr"/>
+              <a:lstStyle/>
+              <a:p>
+                <a:pPr algn="ctr"/>
+                <a:endParaRPr lang="ko-KR" altLang="en-US" dirty="0">
+                  <a:solidFill>
+                    <a:srgbClr val="002060"/>
+                  </a:solidFill>
+                </a:endParaRPr>
+              </a:p>
+            </p:txBody>
+          </p:sp>
+          <p:sp>
+            <p:nvSpPr>
+              <p:cNvPr id="24" name="직사각형 23"/>
+              <p:cNvSpPr/>
+              <p:nvPr/>
+            </p:nvSpPr>
+            <p:spPr>
+              <a:xfrm>
+                <a:off x="2033953" y="3533871"/>
+                <a:ext cx="854319" cy="369277"/>
+              </a:xfrm>
+              <a:prstGeom prst="rect">
+                <a:avLst/>
+              </a:prstGeom>
+              <a:solidFill>
+                <a:schemeClr val="accent1">
+                  <a:lumMod val="40000"/>
+                  <a:lumOff val="60000"/>
+                </a:schemeClr>
+              </a:solidFill>
+              <a:ln w="19050">
+                <a:solidFill>
+                  <a:schemeClr val="bg1"/>
+                </a:solidFill>
+              </a:ln>
+            </p:spPr>
+            <p:style>
+              <a:lnRef idx="2">
+                <a:schemeClr val="accent1">
+                  <a:shade val="50000"/>
+                </a:schemeClr>
+              </a:lnRef>
+              <a:fillRef idx="1">
+                <a:schemeClr val="accent1"/>
+              </a:fillRef>
+              <a:effectRef idx="0">
+                <a:schemeClr val="accent1"/>
+              </a:effectRef>
+              <a:fontRef idx="minor">
+                <a:schemeClr val="lt1"/>
+              </a:fontRef>
+            </p:style>
+            <p:txBody>
+              <a:bodyPr rtlCol="0" anchor="ctr"/>
+              <a:lstStyle/>
+              <a:p>
+                <a:pPr algn="ctr"/>
+                <a:endParaRPr lang="ko-KR" altLang="en-US" dirty="0">
+                  <a:solidFill>
+                    <a:srgbClr val="002060"/>
+                  </a:solidFill>
+                </a:endParaRPr>
+              </a:p>
+            </p:txBody>
+          </p:sp>
+          <p:sp>
+            <p:nvSpPr>
+              <p:cNvPr id="25" name="직사각형 24"/>
+              <p:cNvSpPr/>
+              <p:nvPr/>
+            </p:nvSpPr>
+            <p:spPr>
+              <a:xfrm>
+                <a:off x="2033953" y="3903147"/>
+                <a:ext cx="854319" cy="369277"/>
+              </a:xfrm>
+              <a:prstGeom prst="rect">
+                <a:avLst/>
+              </a:prstGeom>
+              <a:solidFill>
+                <a:schemeClr val="accent1">
+                  <a:lumMod val="40000"/>
+                  <a:lumOff val="60000"/>
+                </a:schemeClr>
+              </a:solidFill>
+              <a:ln w="19050">
+                <a:solidFill>
+                  <a:schemeClr val="bg1"/>
+                </a:solidFill>
+              </a:ln>
+            </p:spPr>
+            <p:style>
+              <a:lnRef idx="2">
+                <a:schemeClr val="accent1">
+                  <a:shade val="50000"/>
+                </a:schemeClr>
+              </a:lnRef>
+              <a:fillRef idx="1">
+                <a:schemeClr val="accent1"/>
+              </a:fillRef>
+              <a:effectRef idx="0">
+                <a:schemeClr val="accent1"/>
+              </a:effectRef>
+              <a:fontRef idx="minor">
+                <a:schemeClr val="lt1"/>
+              </a:fontRef>
+            </p:style>
+            <p:txBody>
+              <a:bodyPr rtlCol="0" anchor="ctr"/>
+              <a:lstStyle/>
+              <a:p>
+                <a:pPr algn="ctr"/>
+                <a:endParaRPr lang="ko-KR" altLang="en-US" dirty="0">
+                  <a:solidFill>
+                    <a:srgbClr val="002060"/>
+                  </a:solidFill>
+                </a:endParaRPr>
+              </a:p>
+            </p:txBody>
+          </p:sp>
+          <p:sp>
+            <p:nvSpPr>
+              <p:cNvPr id="26" name="직사각형 25"/>
+              <p:cNvSpPr/>
+              <p:nvPr/>
+            </p:nvSpPr>
+            <p:spPr>
+              <a:xfrm>
+                <a:off x="2033953" y="4272423"/>
+                <a:ext cx="854319" cy="369277"/>
+              </a:xfrm>
+              <a:prstGeom prst="rect">
+                <a:avLst/>
+              </a:prstGeom>
+              <a:solidFill>
+                <a:schemeClr val="accent1">
+                  <a:lumMod val="40000"/>
+                  <a:lumOff val="60000"/>
+                </a:schemeClr>
+              </a:solidFill>
+              <a:ln w="19050">
+                <a:solidFill>
+                  <a:schemeClr val="bg1"/>
+                </a:solidFill>
+              </a:ln>
+            </p:spPr>
+            <p:style>
+              <a:lnRef idx="2">
+                <a:schemeClr val="accent1">
+                  <a:shade val="50000"/>
+                </a:schemeClr>
+              </a:lnRef>
+              <a:fillRef idx="1">
+                <a:schemeClr val="accent1"/>
+              </a:fillRef>
+              <a:effectRef idx="0">
+                <a:schemeClr val="accent1"/>
+              </a:effectRef>
+              <a:fontRef idx="minor">
+                <a:schemeClr val="lt1"/>
+              </a:fontRef>
+            </p:style>
+            <p:txBody>
+              <a:bodyPr rtlCol="0" anchor="ctr"/>
+              <a:lstStyle/>
+              <a:p>
+                <a:pPr algn="ctr"/>
+                <a:endParaRPr lang="ko-KR" altLang="en-US" dirty="0">
+                  <a:solidFill>
+                    <a:srgbClr val="002060"/>
+                  </a:solidFill>
+                </a:endParaRPr>
+              </a:p>
+            </p:txBody>
+          </p:sp>
+        </p:grpSp>
+        <p:sp>
+          <p:nvSpPr>
+            <p:cNvPr id="28" name="TextBox 27"/>
+            <p:cNvSpPr txBox="1"/>
+            <p:nvPr/>
+          </p:nvSpPr>
+          <p:spPr>
+            <a:xfrm>
+              <a:off x="6044791" y="3281586"/>
+              <a:ext cx="1051754" cy="369332"/>
+            </a:xfrm>
+            <a:prstGeom prst="rect">
+              <a:avLst/>
+            </a:prstGeom>
+            <a:noFill/>
+          </p:spPr>
+          <p:txBody>
+            <a:bodyPr wrap="square" rtlCol="0">
+              <a:spAutoFit/>
+            </a:bodyPr>
+            <a:lstStyle/>
+            <a:p>
+              <a:pPr algn="ctr"/>
+              <a:r>
+                <a:rPr lang="en-US" altLang="ko-KR" dirty="0" err="1" smtClean="0"/>
+                <a:t>aes</a:t>
+              </a:r>
+              <a:endParaRPr lang="en-US" altLang="ko-KR" dirty="0" smtClean="0"/>
+            </a:p>
+          </p:txBody>
+        </p:sp>
+        <p:cxnSp>
+          <p:nvCxnSpPr>
+            <p:cNvPr id="41" name="직선 연결선 40"/>
+            <p:cNvCxnSpPr/>
+            <p:nvPr/>
+          </p:nvCxnSpPr>
+          <p:spPr>
+            <a:xfrm>
+              <a:off x="2588134" y="2202183"/>
+              <a:ext cx="11561" cy="2331059"/>
+            </a:xfrm>
+            <a:prstGeom prst="line">
+              <a:avLst/>
+            </a:prstGeom>
+          </p:spPr>
+          <p:style>
+            <a:lnRef idx="1">
+              <a:schemeClr val="accent1"/>
+            </a:lnRef>
+            <a:fillRef idx="0">
+              <a:schemeClr val="accent1"/>
+            </a:fillRef>
+            <a:effectRef idx="0">
+              <a:schemeClr val="accent1"/>
+            </a:effectRef>
+            <a:fontRef idx="minor">
+              <a:schemeClr val="tx1"/>
+            </a:fontRef>
+          </p:style>
+        </p:cxnSp>
+        <p:cxnSp>
+          <p:nvCxnSpPr>
+            <p:cNvPr id="43" name="직선 연결선 42"/>
+            <p:cNvCxnSpPr/>
+            <p:nvPr/>
+          </p:nvCxnSpPr>
+          <p:spPr>
+            <a:xfrm>
+              <a:off x="3355997" y="2196325"/>
+              <a:ext cx="11561" cy="2331059"/>
+            </a:xfrm>
+            <a:prstGeom prst="line">
+              <a:avLst/>
+            </a:prstGeom>
+          </p:spPr>
+          <p:style>
+            <a:lnRef idx="1">
+              <a:schemeClr val="accent1"/>
+            </a:lnRef>
+            <a:fillRef idx="0">
+              <a:schemeClr val="accent1"/>
+            </a:fillRef>
+            <a:effectRef idx="0">
+              <a:schemeClr val="accent1"/>
+            </a:effectRef>
+            <a:fontRef idx="minor">
+              <a:schemeClr val="tx1"/>
+            </a:fontRef>
+          </p:style>
+        </p:cxnSp>
+        <p:sp>
+          <p:nvSpPr>
+            <p:cNvPr id="44" name="TextBox 43"/>
+            <p:cNvSpPr txBox="1"/>
+            <p:nvPr/>
+          </p:nvSpPr>
+          <p:spPr>
+            <a:xfrm>
+              <a:off x="2404217" y="3282473"/>
+              <a:ext cx="1051754" cy="369332"/>
+            </a:xfrm>
+            <a:prstGeom prst="rect">
+              <a:avLst/>
+            </a:prstGeom>
+            <a:noFill/>
+          </p:spPr>
+          <p:txBody>
+            <a:bodyPr wrap="square" rtlCol="0">
+              <a:spAutoFit/>
+            </a:bodyPr>
+            <a:lstStyle/>
+            <a:p>
+              <a:pPr algn="ctr"/>
+              <a:r>
+                <a:rPr lang="en-US" altLang="ko-KR" dirty="0" smtClean="0"/>
+                <a:t>stat</a:t>
+              </a:r>
+              <a:endParaRPr lang="en-US" altLang="ko-KR" dirty="0" smtClean="0"/>
+            </a:p>
+          </p:txBody>
+        </p:sp>
+        <p:sp>
+          <p:nvSpPr>
+            <p:cNvPr id="45" name="TextBox 44"/>
+            <p:cNvSpPr txBox="1"/>
+            <p:nvPr/>
+          </p:nvSpPr>
+          <p:spPr>
+            <a:xfrm>
+              <a:off x="1160190" y="2288545"/>
+              <a:ext cx="953943" cy="273955"/>
+            </a:xfrm>
+            <a:prstGeom prst="rect">
+              <a:avLst/>
+            </a:prstGeom>
+            <a:noFill/>
+          </p:spPr>
+          <p:txBody>
+            <a:bodyPr wrap="square" rtlCol="0">
+              <a:spAutoFit/>
+            </a:bodyPr>
+            <a:lstStyle/>
+            <a:p>
+              <a:pPr algn="ctr"/>
+              <a:r>
+                <a:rPr lang="ko-KR" altLang="en-US" dirty="0" smtClean="0"/>
+                <a:t>데이터</a:t>
+              </a:r>
+              <a:endParaRPr lang="ko-KR" altLang="en-US" dirty="0"/>
+            </a:p>
+          </p:txBody>
+        </p:sp>
+        <p:sp>
+          <p:nvSpPr>
+            <p:cNvPr id="46" name="TextBox 45"/>
+            <p:cNvSpPr txBox="1"/>
+            <p:nvPr/>
+          </p:nvSpPr>
+          <p:spPr>
+            <a:xfrm>
+              <a:off x="2493043" y="2102357"/>
+              <a:ext cx="953943" cy="646331"/>
+            </a:xfrm>
+            <a:prstGeom prst="rect">
+              <a:avLst/>
+            </a:prstGeom>
+            <a:noFill/>
+          </p:spPr>
+          <p:txBody>
+            <a:bodyPr wrap="square" rtlCol="0">
+              <a:spAutoFit/>
+            </a:bodyPr>
+            <a:lstStyle/>
+            <a:p>
+              <a:pPr algn="ctr"/>
+              <a:r>
+                <a:rPr lang="ko-KR" altLang="en-US" dirty="0" smtClean="0"/>
+                <a:t>통계</a:t>
+              </a:r>
+              <a:endParaRPr lang="en-US" altLang="ko-KR" dirty="0" smtClean="0"/>
+            </a:p>
+            <a:p>
+              <a:pPr algn="ctr"/>
+              <a:r>
+                <a:rPr lang="ko-KR" altLang="en-US" dirty="0" smtClean="0"/>
+                <a:t>변환</a:t>
+              </a:r>
+              <a:endParaRPr lang="ko-KR" altLang="en-US" dirty="0"/>
+            </a:p>
+          </p:txBody>
+        </p:sp>
+        <p:grpSp>
+          <p:nvGrpSpPr>
+            <p:cNvPr id="69" name="그룹 68"/>
+            <p:cNvGrpSpPr/>
+            <p:nvPr/>
+          </p:nvGrpSpPr>
+          <p:grpSpPr>
+            <a:xfrm>
+              <a:off x="3630667" y="3044730"/>
+              <a:ext cx="1530610" cy="892510"/>
+              <a:chOff x="3621682" y="4911595"/>
+              <a:chExt cx="1530610" cy="892510"/>
+            </a:xfrm>
+          </p:grpSpPr>
+          <p:sp>
+            <p:nvSpPr>
+              <p:cNvPr id="48" name="직사각형 47"/>
+              <p:cNvSpPr/>
+              <p:nvPr/>
+            </p:nvSpPr>
+            <p:spPr>
+              <a:xfrm>
+                <a:off x="3621682" y="4911595"/>
+                <a:ext cx="517518" cy="223128"/>
+              </a:xfrm>
+              <a:prstGeom prst="rect">
+                <a:avLst/>
+              </a:prstGeom>
+              <a:ln w="19050">
+                <a:solidFill>
+                  <a:schemeClr val="bg1"/>
+                </a:solidFill>
+              </a:ln>
+            </p:spPr>
+            <p:style>
+              <a:lnRef idx="2">
+                <a:schemeClr val="accent1">
+                  <a:shade val="50000"/>
+                </a:schemeClr>
+              </a:lnRef>
+              <a:fillRef idx="1">
+                <a:schemeClr val="accent1"/>
+              </a:fillRef>
+              <a:effectRef idx="0">
+                <a:schemeClr val="accent1"/>
+              </a:effectRef>
+              <a:fontRef idx="minor">
+                <a:schemeClr val="lt1"/>
+              </a:fontRef>
+            </p:style>
+            <p:txBody>
+              <a:bodyPr rtlCol="0" anchor="ctr"/>
+              <a:lstStyle/>
+              <a:p>
+                <a:pPr algn="ctr"/>
+                <a:endParaRPr lang="ko-KR" altLang="en-US" dirty="0"/>
+              </a:p>
+            </p:txBody>
+          </p:sp>
+          <p:sp>
+            <p:nvSpPr>
+              <p:cNvPr id="49" name="직사각형 48"/>
+              <p:cNvSpPr/>
+              <p:nvPr/>
+            </p:nvSpPr>
+            <p:spPr>
+              <a:xfrm>
+                <a:off x="4139200" y="4919643"/>
+                <a:ext cx="1013092" cy="215080"/>
+              </a:xfrm>
+              <a:prstGeom prst="rect">
+                <a:avLst/>
+              </a:prstGeom>
+              <a:solidFill>
+                <a:schemeClr val="accent2"/>
+              </a:solidFill>
+              <a:ln w="19050">
+                <a:solidFill>
+                  <a:schemeClr val="bg1"/>
+                </a:solidFill>
+              </a:ln>
+            </p:spPr>
+            <p:style>
+              <a:lnRef idx="2">
+                <a:schemeClr val="accent1">
+                  <a:shade val="50000"/>
+                </a:schemeClr>
+              </a:lnRef>
+              <a:fillRef idx="1">
+                <a:schemeClr val="accent1"/>
+              </a:fillRef>
+              <a:effectRef idx="0">
+                <a:schemeClr val="accent1"/>
+              </a:effectRef>
+              <a:fontRef idx="minor">
+                <a:schemeClr val="lt1"/>
+              </a:fontRef>
+            </p:style>
+            <p:txBody>
+              <a:bodyPr rtlCol="0" anchor="ctr"/>
+              <a:lstStyle/>
+              <a:p>
+                <a:pPr algn="ctr"/>
+                <a:r>
+                  <a:rPr lang="en-US" altLang="ko-KR" spc="-150" dirty="0" smtClean="0"/>
+                  <a:t>..***..</a:t>
+                </a:r>
+                <a:endParaRPr lang="ko-KR" altLang="en-US" spc="-150" dirty="0"/>
+              </a:p>
+            </p:txBody>
+          </p:sp>
+          <p:sp>
+            <p:nvSpPr>
+              <p:cNvPr id="50" name="직사각형 49"/>
+              <p:cNvSpPr/>
+              <p:nvPr/>
+            </p:nvSpPr>
+            <p:spPr>
+              <a:xfrm>
+                <a:off x="3621682" y="5134723"/>
+                <a:ext cx="517518" cy="223128"/>
+              </a:xfrm>
+              <a:prstGeom prst="rect">
+                <a:avLst/>
+              </a:prstGeom>
+              <a:solidFill>
+                <a:schemeClr val="accent1">
+                  <a:lumMod val="40000"/>
+                  <a:lumOff val="60000"/>
+                </a:schemeClr>
+              </a:solidFill>
+              <a:ln w="19050">
+                <a:solidFill>
+                  <a:schemeClr val="bg1"/>
+                </a:solidFill>
+              </a:ln>
+            </p:spPr>
+            <p:style>
+              <a:lnRef idx="2">
+                <a:schemeClr val="accent1">
+                  <a:shade val="50000"/>
+                </a:schemeClr>
+              </a:lnRef>
+              <a:fillRef idx="1">
+                <a:schemeClr val="accent1"/>
+              </a:fillRef>
+              <a:effectRef idx="0">
+                <a:schemeClr val="accent1"/>
+              </a:effectRef>
+              <a:fontRef idx="minor">
+                <a:schemeClr val="lt1"/>
+              </a:fontRef>
+            </p:style>
+            <p:txBody>
+              <a:bodyPr rtlCol="0" anchor="ctr"/>
+              <a:lstStyle/>
+              <a:p>
+                <a:pPr algn="ctr"/>
+                <a:endParaRPr lang="ko-KR" altLang="en-US" dirty="0">
+                  <a:solidFill>
+                    <a:srgbClr val="002060"/>
+                  </a:solidFill>
+                </a:endParaRPr>
+              </a:p>
+            </p:txBody>
+          </p:sp>
+          <p:sp>
+            <p:nvSpPr>
+              <p:cNvPr id="51" name="직사각형 50"/>
+              <p:cNvSpPr/>
+              <p:nvPr/>
+            </p:nvSpPr>
+            <p:spPr>
+              <a:xfrm>
+                <a:off x="4139200" y="5142771"/>
+                <a:ext cx="1013092" cy="215080"/>
+              </a:xfrm>
+              <a:prstGeom prst="rect">
+                <a:avLst/>
+              </a:prstGeom>
+              <a:solidFill>
+                <a:schemeClr val="accent2">
+                  <a:lumMod val="40000"/>
+                  <a:lumOff val="60000"/>
+                </a:schemeClr>
+              </a:solidFill>
+              <a:ln w="19050">
+                <a:solidFill>
+                  <a:schemeClr val="bg1"/>
+                </a:solidFill>
+              </a:ln>
+            </p:spPr>
+            <p:style>
+              <a:lnRef idx="2">
+                <a:schemeClr val="accent1">
+                  <a:shade val="50000"/>
+                </a:schemeClr>
+              </a:lnRef>
+              <a:fillRef idx="1">
+                <a:schemeClr val="accent1"/>
+              </a:fillRef>
+              <a:effectRef idx="0">
+                <a:schemeClr val="accent1"/>
+              </a:effectRef>
+              <a:fontRef idx="minor">
+                <a:schemeClr val="lt1"/>
+              </a:fontRef>
+            </p:style>
+            <p:txBody>
+              <a:bodyPr rtlCol="0" anchor="ctr"/>
+              <a:lstStyle/>
+              <a:p>
+                <a:pPr algn="ctr"/>
+                <a:endParaRPr lang="ko-KR" altLang="en-US" dirty="0">
+                  <a:solidFill>
+                    <a:srgbClr val="002060"/>
+                  </a:solidFill>
+                </a:endParaRPr>
+              </a:p>
+            </p:txBody>
+          </p:sp>
+          <p:sp>
+            <p:nvSpPr>
+              <p:cNvPr id="52" name="직사각형 51"/>
+              <p:cNvSpPr/>
+              <p:nvPr/>
+            </p:nvSpPr>
+            <p:spPr>
+              <a:xfrm>
+                <a:off x="3621682" y="5357850"/>
+                <a:ext cx="517518" cy="223128"/>
+              </a:xfrm>
+              <a:prstGeom prst="rect">
+                <a:avLst/>
+              </a:prstGeom>
+              <a:solidFill>
+                <a:schemeClr val="accent1">
+                  <a:lumMod val="40000"/>
+                  <a:lumOff val="60000"/>
+                </a:schemeClr>
+              </a:solidFill>
+              <a:ln w="19050">
+                <a:solidFill>
+                  <a:schemeClr val="bg1"/>
+                </a:solidFill>
+              </a:ln>
+            </p:spPr>
+            <p:style>
+              <a:lnRef idx="2">
+                <a:schemeClr val="accent1">
+                  <a:shade val="50000"/>
+                </a:schemeClr>
+              </a:lnRef>
+              <a:fillRef idx="1">
+                <a:schemeClr val="accent1"/>
+              </a:fillRef>
+              <a:effectRef idx="0">
+                <a:schemeClr val="accent1"/>
+              </a:effectRef>
+              <a:fontRef idx="minor">
+                <a:schemeClr val="lt1"/>
+              </a:fontRef>
+            </p:style>
+            <p:txBody>
+              <a:bodyPr rtlCol="0" anchor="ctr"/>
+              <a:lstStyle/>
+              <a:p>
+                <a:pPr algn="ctr"/>
+                <a:endParaRPr lang="ko-KR" altLang="en-US" dirty="0">
+                  <a:solidFill>
+                    <a:srgbClr val="002060"/>
+                  </a:solidFill>
+                </a:endParaRPr>
+              </a:p>
+            </p:txBody>
+          </p:sp>
+          <p:sp>
+            <p:nvSpPr>
+              <p:cNvPr id="53" name="직사각형 52"/>
+              <p:cNvSpPr/>
+              <p:nvPr/>
+            </p:nvSpPr>
+            <p:spPr>
+              <a:xfrm>
+                <a:off x="4139200" y="5365898"/>
+                <a:ext cx="1013092" cy="215080"/>
+              </a:xfrm>
+              <a:prstGeom prst="rect">
+                <a:avLst/>
+              </a:prstGeom>
+              <a:solidFill>
+                <a:schemeClr val="accent2">
+                  <a:lumMod val="40000"/>
+                  <a:lumOff val="60000"/>
+                </a:schemeClr>
+              </a:solidFill>
+              <a:ln w="19050">
+                <a:solidFill>
+                  <a:schemeClr val="bg1"/>
+                </a:solidFill>
+              </a:ln>
+            </p:spPr>
+            <p:style>
+              <a:lnRef idx="2">
+                <a:schemeClr val="accent1">
+                  <a:shade val="50000"/>
+                </a:schemeClr>
+              </a:lnRef>
+              <a:fillRef idx="1">
+                <a:schemeClr val="accent1"/>
+              </a:fillRef>
+              <a:effectRef idx="0">
+                <a:schemeClr val="accent1"/>
+              </a:effectRef>
+              <a:fontRef idx="minor">
+                <a:schemeClr val="lt1"/>
+              </a:fontRef>
+            </p:style>
+            <p:txBody>
+              <a:bodyPr rtlCol="0" anchor="ctr"/>
+              <a:lstStyle/>
+              <a:p>
+                <a:pPr algn="ctr"/>
+                <a:endParaRPr lang="ko-KR" altLang="en-US" dirty="0">
+                  <a:solidFill>
+                    <a:srgbClr val="002060"/>
+                  </a:solidFill>
+                </a:endParaRPr>
+              </a:p>
+            </p:txBody>
+          </p:sp>
+          <p:sp>
+            <p:nvSpPr>
+              <p:cNvPr id="54" name="직사각형 53"/>
+              <p:cNvSpPr/>
+              <p:nvPr/>
+            </p:nvSpPr>
+            <p:spPr>
+              <a:xfrm>
+                <a:off x="3621682" y="5580977"/>
+                <a:ext cx="517518" cy="223128"/>
+              </a:xfrm>
+              <a:prstGeom prst="rect">
+                <a:avLst/>
+              </a:prstGeom>
+              <a:solidFill>
+                <a:schemeClr val="accent1">
+                  <a:lumMod val="40000"/>
+                  <a:lumOff val="60000"/>
+                </a:schemeClr>
+              </a:solidFill>
+              <a:ln w="19050">
+                <a:solidFill>
+                  <a:schemeClr val="bg1"/>
+                </a:solidFill>
+              </a:ln>
+            </p:spPr>
+            <p:style>
+              <a:lnRef idx="2">
+                <a:schemeClr val="accent1">
+                  <a:shade val="50000"/>
+                </a:schemeClr>
+              </a:lnRef>
+              <a:fillRef idx="1">
+                <a:schemeClr val="accent1"/>
+              </a:fillRef>
+              <a:effectRef idx="0">
+                <a:schemeClr val="accent1"/>
+              </a:effectRef>
+              <a:fontRef idx="minor">
+                <a:schemeClr val="lt1"/>
+              </a:fontRef>
+            </p:style>
+            <p:txBody>
+              <a:bodyPr rtlCol="0" anchor="ctr"/>
+              <a:lstStyle/>
+              <a:p>
+                <a:pPr algn="ctr"/>
+                <a:endParaRPr lang="ko-KR" altLang="en-US" dirty="0">
+                  <a:solidFill>
+                    <a:srgbClr val="002060"/>
+                  </a:solidFill>
+                </a:endParaRPr>
+              </a:p>
+            </p:txBody>
+          </p:sp>
+          <p:sp>
+            <p:nvSpPr>
+              <p:cNvPr id="55" name="직사각형 54"/>
+              <p:cNvSpPr/>
+              <p:nvPr/>
+            </p:nvSpPr>
+            <p:spPr>
+              <a:xfrm>
+                <a:off x="4139200" y="5589025"/>
+                <a:ext cx="1013092" cy="215080"/>
+              </a:xfrm>
+              <a:prstGeom prst="rect">
+                <a:avLst/>
+              </a:prstGeom>
+              <a:solidFill>
+                <a:schemeClr val="accent2">
+                  <a:lumMod val="40000"/>
+                  <a:lumOff val="60000"/>
+                </a:schemeClr>
+              </a:solidFill>
+              <a:ln w="19050">
+                <a:solidFill>
+                  <a:schemeClr val="bg1"/>
+                </a:solidFill>
+              </a:ln>
+            </p:spPr>
+            <p:style>
+              <a:lnRef idx="2">
+                <a:schemeClr val="accent1">
+                  <a:shade val="50000"/>
+                </a:schemeClr>
+              </a:lnRef>
+              <a:fillRef idx="1">
+                <a:schemeClr val="accent1"/>
+              </a:fillRef>
+              <a:effectRef idx="0">
+                <a:schemeClr val="accent1"/>
+              </a:effectRef>
+              <a:fontRef idx="minor">
+                <a:schemeClr val="lt1"/>
+              </a:fontRef>
+            </p:style>
+            <p:txBody>
+              <a:bodyPr rtlCol="0" anchor="ctr"/>
+              <a:lstStyle/>
+              <a:p>
+                <a:pPr algn="ctr"/>
+                <a:endParaRPr lang="ko-KR" altLang="en-US" dirty="0">
+                  <a:solidFill>
+                    <a:srgbClr val="002060"/>
+                  </a:solidFill>
+                </a:endParaRPr>
+              </a:p>
+            </p:txBody>
+          </p:sp>
+        </p:grpSp>
+        <p:cxnSp>
+          <p:nvCxnSpPr>
+            <p:cNvPr id="70" name="직선 연결선 69"/>
+            <p:cNvCxnSpPr/>
+            <p:nvPr/>
+          </p:nvCxnSpPr>
+          <p:spPr>
+            <a:xfrm>
+              <a:off x="6188788" y="2196325"/>
+              <a:ext cx="11561" cy="2331059"/>
+            </a:xfrm>
+            <a:prstGeom prst="line">
+              <a:avLst/>
+            </a:prstGeom>
+          </p:spPr>
+          <p:style>
+            <a:lnRef idx="1">
+              <a:schemeClr val="accent1"/>
+            </a:lnRef>
+            <a:fillRef idx="0">
+              <a:schemeClr val="accent1"/>
+            </a:fillRef>
+            <a:effectRef idx="0">
+              <a:schemeClr val="accent1"/>
+            </a:effectRef>
+            <a:fontRef idx="minor">
+              <a:schemeClr val="tx1"/>
+            </a:fontRef>
+          </p:style>
+        </p:cxnSp>
+        <p:cxnSp>
+          <p:nvCxnSpPr>
+            <p:cNvPr id="71" name="직선 연결선 70"/>
+            <p:cNvCxnSpPr/>
+            <p:nvPr/>
+          </p:nvCxnSpPr>
+          <p:spPr>
+            <a:xfrm>
+              <a:off x="6956651" y="2190467"/>
+              <a:ext cx="11561" cy="2331059"/>
+            </a:xfrm>
+            <a:prstGeom prst="line">
+              <a:avLst/>
+            </a:prstGeom>
+          </p:spPr>
+          <p:style>
+            <a:lnRef idx="1">
+              <a:schemeClr val="accent1"/>
+            </a:lnRef>
+            <a:fillRef idx="0">
+              <a:schemeClr val="accent1"/>
+            </a:fillRef>
+            <a:effectRef idx="0">
+              <a:schemeClr val="accent1"/>
+            </a:effectRef>
+            <a:fontRef idx="minor">
+              <a:schemeClr val="tx1"/>
+            </a:fontRef>
+          </p:style>
+        </p:cxnSp>
+        <p:sp>
+          <p:nvSpPr>
+            <p:cNvPr id="73" name="TextBox 72"/>
+            <p:cNvSpPr txBox="1"/>
+            <p:nvPr/>
+          </p:nvSpPr>
+          <p:spPr>
+            <a:xfrm>
+              <a:off x="6093697" y="2096499"/>
+              <a:ext cx="953943" cy="646331"/>
+            </a:xfrm>
+            <a:prstGeom prst="rect">
+              <a:avLst/>
+            </a:prstGeom>
+            <a:noFill/>
+          </p:spPr>
+          <p:txBody>
+            <a:bodyPr wrap="square" rtlCol="0">
+              <a:spAutoFit/>
+            </a:bodyPr>
+            <a:lstStyle/>
+            <a:p>
+              <a:pPr algn="ctr"/>
+              <a:r>
+                <a:rPr lang="ko-KR" altLang="en-US" dirty="0" smtClean="0"/>
+                <a:t>미적</a:t>
+              </a:r>
+              <a:endParaRPr lang="en-US" altLang="ko-KR" dirty="0" smtClean="0"/>
+            </a:p>
+            <a:p>
+              <a:pPr algn="ctr"/>
+              <a:r>
+                <a:rPr lang="ko-KR" altLang="en-US" dirty="0" smtClean="0"/>
+                <a:t>요소</a:t>
+              </a:r>
+              <a:endParaRPr lang="ko-KR" altLang="en-US" dirty="0"/>
+            </a:p>
+          </p:txBody>
+        </p:sp>
+        <p:pic>
+          <p:nvPicPr>
+            <p:cNvPr id="76" name="그림 75"/>
+            <p:cNvPicPr>
+              <a:picLocks noChangeAspect="1"/>
+            </p:cNvPicPr>
+            <p:nvPr/>
+          </p:nvPicPr>
+          <p:blipFill>
+            <a:blip r:embed="rId2"/>
+            <a:stretch>
+              <a:fillRect/>
+            </a:stretch>
+          </p:blipFill>
+          <p:spPr>
+            <a:xfrm>
+              <a:off x="7070390" y="3091863"/>
+              <a:ext cx="1384342" cy="892509"/>
+            </a:xfrm>
+            <a:prstGeom prst="rect">
+              <a:avLst/>
+            </a:prstGeom>
+          </p:spPr>
+        </p:pic>
+        <p:cxnSp>
+          <p:nvCxnSpPr>
+            <p:cNvPr id="77" name="직선 연결선 76"/>
+            <p:cNvCxnSpPr/>
+            <p:nvPr/>
+          </p:nvCxnSpPr>
+          <p:spPr>
+            <a:xfrm>
+              <a:off x="5399640" y="2190466"/>
+              <a:ext cx="11561" cy="2331059"/>
+            </a:xfrm>
+            <a:prstGeom prst="line">
+              <a:avLst/>
+            </a:prstGeom>
+          </p:spPr>
+          <p:style>
+            <a:lnRef idx="1">
+              <a:schemeClr val="accent1"/>
+            </a:lnRef>
+            <a:fillRef idx="0">
+              <a:schemeClr val="accent1"/>
+            </a:fillRef>
+            <a:effectRef idx="0">
+              <a:schemeClr val="accent1"/>
+            </a:effectRef>
+            <a:fontRef idx="minor">
+              <a:schemeClr val="tx1"/>
+            </a:fontRef>
+          </p:style>
+        </p:cxnSp>
+        <p:sp>
+          <p:nvSpPr>
+            <p:cNvPr id="78" name="TextBox 77"/>
+            <p:cNvSpPr txBox="1"/>
+            <p:nvPr/>
+          </p:nvSpPr>
+          <p:spPr>
+            <a:xfrm>
+              <a:off x="5311240" y="2104294"/>
+              <a:ext cx="953943" cy="646331"/>
+            </a:xfrm>
+            <a:prstGeom prst="rect">
+              <a:avLst/>
+            </a:prstGeom>
+            <a:noFill/>
+          </p:spPr>
+          <p:txBody>
+            <a:bodyPr wrap="square" rtlCol="0">
+              <a:spAutoFit/>
+            </a:bodyPr>
+            <a:lstStyle/>
+            <a:p>
+              <a:pPr algn="ctr"/>
+              <a:r>
+                <a:rPr lang="ko-KR" altLang="en-US" dirty="0" smtClean="0"/>
+                <a:t>기하</a:t>
+              </a:r>
+              <a:endParaRPr lang="en-US" altLang="ko-KR" dirty="0" smtClean="0"/>
+            </a:p>
+            <a:p>
+              <a:pPr algn="ctr"/>
+              <a:r>
+                <a:rPr lang="ko-KR" altLang="en-US" dirty="0" smtClean="0"/>
+                <a:t>요소</a:t>
+              </a:r>
+              <a:endParaRPr lang="ko-KR" altLang="en-US" dirty="0"/>
+            </a:p>
+          </p:txBody>
+        </p:sp>
+        <p:sp>
+          <p:nvSpPr>
+            <p:cNvPr id="79" name="TextBox 78"/>
+            <p:cNvSpPr txBox="1"/>
+            <p:nvPr/>
+          </p:nvSpPr>
+          <p:spPr>
+            <a:xfrm>
+              <a:off x="5262334" y="3279198"/>
+              <a:ext cx="1051754" cy="369332"/>
+            </a:xfrm>
+            <a:prstGeom prst="rect">
+              <a:avLst/>
+            </a:prstGeom>
+            <a:noFill/>
+          </p:spPr>
+          <p:txBody>
+            <a:bodyPr wrap="square" rtlCol="0">
+              <a:spAutoFit/>
+            </a:bodyPr>
+            <a:lstStyle/>
+            <a:p>
+              <a:pPr algn="ctr"/>
+              <a:r>
+                <a:rPr lang="en-US" altLang="ko-KR" dirty="0" err="1" smtClean="0"/>
+                <a:t>geom</a:t>
+              </a:r>
+              <a:endParaRPr lang="en-US" altLang="ko-KR" dirty="0" smtClean="0"/>
+            </a:p>
+          </p:txBody>
+        </p:sp>
+        <p:sp>
+          <p:nvSpPr>
+            <p:cNvPr id="80" name="TextBox 79"/>
+            <p:cNvSpPr txBox="1"/>
+            <p:nvPr/>
+          </p:nvSpPr>
+          <p:spPr>
+            <a:xfrm>
+              <a:off x="7413285" y="2370608"/>
+              <a:ext cx="698553" cy="273955"/>
+            </a:xfrm>
+            <a:prstGeom prst="rect">
+              <a:avLst/>
+            </a:prstGeom>
+            <a:noFill/>
+          </p:spPr>
+          <p:txBody>
+            <a:bodyPr wrap="square" rtlCol="0">
+              <a:spAutoFit/>
+            </a:bodyPr>
+            <a:lstStyle/>
+            <a:p>
+              <a:pPr algn="ctr"/>
+              <a:r>
+                <a:rPr lang="ko-KR" altLang="en-US" dirty="0" smtClean="0"/>
+                <a:t>좌표</a:t>
+              </a:r>
+              <a:endParaRPr lang="ko-KR" altLang="en-US" dirty="0"/>
+            </a:p>
+          </p:txBody>
+        </p:sp>
+        <p:pic>
+          <p:nvPicPr>
+            <p:cNvPr id="81" name="그림 80"/>
+            <p:cNvPicPr>
+              <a:picLocks noChangeAspect="1"/>
+            </p:cNvPicPr>
+            <p:nvPr/>
+          </p:nvPicPr>
+          <p:blipFill>
+            <a:blip r:embed="rId3"/>
+            <a:stretch>
+              <a:fillRect/>
+            </a:stretch>
+          </p:blipFill>
+          <p:spPr>
+            <a:xfrm>
+              <a:off x="8702159" y="3091428"/>
+              <a:ext cx="1612911" cy="892944"/>
+            </a:xfrm>
+            <a:prstGeom prst="rect">
+              <a:avLst/>
+            </a:prstGeom>
+          </p:spPr>
+        </p:pic>
+      </p:grpSp>
+    </p:spTree>
+    <p:extLst>
+      <p:ext uri="{BB962C8B-B14F-4D97-AF65-F5344CB8AC3E}">
+        <p14:creationId xmlns:p14="http://schemas.microsoft.com/office/powerpoint/2010/main" val="2014344679"/>
+      </p:ext>
+    </p:extLst>
+  </p:cSld>
+  <p:clrMapOvr>
+    <a:masterClrMapping/>
+  </p:clrMapOvr>
+</p:sld>
+</file>
+
+<file path=ppt/slides/slide5.xml><?xml version="1.0" encoding="utf-8"?>
+<p:sld xmlns:a="http://schemas.openxmlformats.org/drawingml/2006/main" xmlns:r="http://schemas.openxmlformats.org/officeDocument/2006/relationships" xmlns:p="http://schemas.openxmlformats.org/presentationml/2006/main">
+  <p:cSld>
+    <p:spTree>
+      <p:nvGrpSpPr>
+        <p:cNvPr id="1" name=""/>
+        <p:cNvGrpSpPr/>
+        <p:nvPr/>
+      </p:nvGrpSpPr>
+      <p:grpSpPr>
+        <a:xfrm>
+          <a:off x="0" y="0"/>
+          <a:ext cx="0" cy="0"/>
+          <a:chOff x="0" y="0"/>
+          <a:chExt cx="0" cy="0"/>
+        </a:xfrm>
+      </p:grpSpPr>
+      <p:grpSp>
+        <p:nvGrpSpPr>
+          <p:cNvPr id="31" name="그룹 30"/>
+          <p:cNvGrpSpPr/>
+          <p:nvPr/>
+        </p:nvGrpSpPr>
+        <p:grpSpPr>
+          <a:xfrm>
+            <a:off x="948104" y="1500584"/>
+            <a:ext cx="9532327" cy="1409755"/>
+            <a:chOff x="948104" y="1500584"/>
+            <a:chExt cx="9532327" cy="1409755"/>
+          </a:xfrm>
+        </p:grpSpPr>
+        <p:sp>
+          <p:nvSpPr>
+            <p:cNvPr id="4" name="TextBox 3"/>
+            <p:cNvSpPr txBox="1"/>
+            <p:nvPr/>
+          </p:nvSpPr>
+          <p:spPr>
+            <a:xfrm>
+              <a:off x="948104" y="1500584"/>
+              <a:ext cx="9435611" cy="369332"/>
+            </a:xfrm>
+            <a:prstGeom prst="rect">
+              <a:avLst/>
+            </a:prstGeom>
+            <a:noFill/>
+          </p:spPr>
+          <p:txBody>
+            <a:bodyPr wrap="square" rtlCol="0">
+              <a:spAutoFit/>
+            </a:bodyPr>
+            <a:lstStyle/>
+            <a:p>
+              <a:r>
+                <a:rPr lang="en-US" altLang="ko-KR" dirty="0" err="1"/>
+                <a:t>g</a:t>
+              </a:r>
+              <a:r>
+                <a:rPr lang="en-US" altLang="ko-KR" dirty="0" err="1" smtClean="0"/>
+                <a:t>eom</a:t>
+              </a:r>
+              <a:r>
+                <a:rPr lang="en-US" altLang="ko-KR" dirty="0" smtClean="0"/>
+                <a:t>_                    (data </a:t>
+              </a:r>
+              <a:r>
+                <a:rPr lang="en-US" altLang="ko-KR" dirty="0" smtClean="0"/>
+                <a:t>=              </a:t>
+              </a:r>
+              <a:r>
+                <a:rPr lang="en-US" altLang="ko-KR" dirty="0" smtClean="0"/>
+                <a:t>, </a:t>
+              </a:r>
+              <a:r>
+                <a:rPr lang="en-US" altLang="ko-KR" dirty="0" err="1" smtClean="0"/>
+                <a:t>aes</a:t>
+              </a:r>
+              <a:r>
+                <a:rPr lang="en-US" altLang="ko-KR" dirty="0" smtClean="0"/>
+                <a:t>(                     ), stat =                    , ...)</a:t>
+              </a:r>
+              <a:endParaRPr lang="en-US" altLang="ko-KR" dirty="0" smtClean="0"/>
+            </a:p>
+          </p:txBody>
+        </p:sp>
+        <p:sp>
+          <p:nvSpPr>
+            <p:cNvPr id="5" name="모서리가 둥근 직사각형 4"/>
+            <p:cNvSpPr/>
+            <p:nvPr/>
+          </p:nvSpPr>
+          <p:spPr>
+            <a:xfrm>
+              <a:off x="4151618" y="1523325"/>
+              <a:ext cx="1042988" cy="323850"/>
+            </a:xfrm>
+            <a:prstGeom prst="roundRect">
+              <a:avLst/>
+            </a:prstGeom>
+            <a:solidFill>
+              <a:schemeClr val="accent2">
+                <a:lumMod val="75000"/>
+              </a:schemeClr>
+            </a:solidFill>
+            <a:ln>
+              <a:noFill/>
+            </a:ln>
+          </p:spPr>
+          <p:style>
+            <a:lnRef idx="2">
+              <a:schemeClr val="accent1">
+                <a:shade val="50000"/>
+              </a:schemeClr>
+            </a:lnRef>
+            <a:fillRef idx="1">
+              <a:schemeClr val="accent1"/>
+            </a:fillRef>
+            <a:effectRef idx="0">
+              <a:schemeClr val="accent1"/>
+            </a:effectRef>
+            <a:fontRef idx="minor">
+              <a:schemeClr val="lt1"/>
+            </a:fontRef>
+          </p:style>
+          <p:txBody>
+            <a:bodyPr rtlCol="0" anchor="ctr"/>
+            <a:lstStyle/>
+            <a:p>
+              <a:pPr algn="ctr"/>
+              <a:r>
+                <a:rPr lang="ko-KR" altLang="en-US" sz="1600" smtClean="0"/>
+                <a:t>데이터</a:t>
+              </a:r>
+              <a:endParaRPr lang="ko-KR" altLang="en-US" sz="1600" dirty="0"/>
+            </a:p>
+          </p:txBody>
+        </p:sp>
+        <p:sp>
+          <p:nvSpPr>
+            <p:cNvPr id="6" name="모서리가 둥근 직사각형 5"/>
+            <p:cNvSpPr/>
+            <p:nvPr/>
+          </p:nvSpPr>
+          <p:spPr>
+            <a:xfrm>
+              <a:off x="1721828" y="1523325"/>
+              <a:ext cx="1624012" cy="323850"/>
+            </a:xfrm>
+            <a:prstGeom prst="roundRect">
+              <a:avLst/>
+            </a:prstGeom>
+            <a:solidFill>
+              <a:schemeClr val="accent5"/>
+            </a:solidFill>
+            <a:ln>
+              <a:noFill/>
+            </a:ln>
+          </p:spPr>
+          <p:style>
+            <a:lnRef idx="2">
+              <a:schemeClr val="accent1">
+                <a:shade val="50000"/>
+              </a:schemeClr>
+            </a:lnRef>
+            <a:fillRef idx="1">
+              <a:schemeClr val="accent1"/>
+            </a:fillRef>
+            <a:effectRef idx="0">
+              <a:schemeClr val="accent1"/>
+            </a:effectRef>
+            <a:fontRef idx="minor">
+              <a:schemeClr val="lt1"/>
+            </a:fontRef>
+          </p:style>
+          <p:txBody>
+            <a:bodyPr rtlCol="0" anchor="ctr"/>
+            <a:lstStyle/>
+            <a:p>
+              <a:pPr algn="ctr"/>
+              <a:r>
+                <a:rPr lang="ko-KR" altLang="en-US" sz="1600" err="1" smtClean="0"/>
+                <a:t>기하요소</a:t>
+              </a:r>
+              <a:r>
+                <a:rPr lang="ko-KR" altLang="en-US" sz="1600" dirty="0" smtClean="0"/>
+                <a:t> </a:t>
+              </a:r>
+              <a:r>
+                <a:rPr lang="ko-KR" altLang="en-US" sz="1600" dirty="0" smtClean="0"/>
+                <a:t>이름</a:t>
+              </a:r>
+              <a:endParaRPr lang="ko-KR" altLang="en-US" sz="1600" dirty="0"/>
+            </a:p>
+          </p:txBody>
+        </p:sp>
+        <p:sp>
+          <p:nvSpPr>
+            <p:cNvPr id="8" name="모서리가 둥근 직사각형 7"/>
+            <p:cNvSpPr/>
+            <p:nvPr/>
+          </p:nvSpPr>
+          <p:spPr>
+            <a:xfrm>
+              <a:off x="8398119" y="1523325"/>
+              <a:ext cx="1510811" cy="323850"/>
+            </a:xfrm>
+            <a:prstGeom prst="roundRect">
+              <a:avLst/>
+            </a:prstGeom>
+            <a:solidFill>
+              <a:schemeClr val="accent6">
+                <a:lumMod val="75000"/>
+              </a:schemeClr>
+            </a:solidFill>
+            <a:ln>
+              <a:noFill/>
+            </a:ln>
+          </p:spPr>
+          <p:style>
+            <a:lnRef idx="2">
+              <a:schemeClr val="accent1">
+                <a:shade val="50000"/>
+              </a:schemeClr>
+            </a:lnRef>
+            <a:fillRef idx="1">
+              <a:schemeClr val="accent1"/>
+            </a:fillRef>
+            <a:effectRef idx="0">
+              <a:schemeClr val="accent1"/>
+            </a:effectRef>
+            <a:fontRef idx="minor">
+              <a:schemeClr val="lt1"/>
+            </a:fontRef>
+          </p:style>
+          <p:txBody>
+            <a:bodyPr rtlCol="0" anchor="ctr"/>
+            <a:lstStyle/>
+            <a:p>
+              <a:pPr algn="ctr"/>
+              <a:r>
+                <a:rPr lang="ko-KR" altLang="en-US" sz="1600" err="1" smtClean="0"/>
+                <a:t>통계요소</a:t>
+              </a:r>
+              <a:r>
+                <a:rPr lang="ko-KR" altLang="en-US" sz="1600" dirty="0" smtClean="0"/>
+                <a:t> 이름</a:t>
+              </a:r>
+              <a:endParaRPr lang="ko-KR" altLang="en-US" sz="1600" dirty="0"/>
+            </a:p>
+          </p:txBody>
+        </p:sp>
+        <p:sp>
+          <p:nvSpPr>
+            <p:cNvPr id="18" name="모서리가 둥근 직사각형 17"/>
+            <p:cNvSpPr/>
+            <p:nvPr/>
+          </p:nvSpPr>
+          <p:spPr>
+            <a:xfrm>
+              <a:off x="5833694" y="1523325"/>
+              <a:ext cx="1607526" cy="323850"/>
+            </a:xfrm>
+            <a:prstGeom prst="roundRect">
+              <a:avLst/>
+            </a:prstGeom>
+            <a:solidFill>
+              <a:schemeClr val="accent2">
+                <a:lumMod val="75000"/>
+              </a:schemeClr>
+            </a:solidFill>
+            <a:ln>
+              <a:noFill/>
+            </a:ln>
+          </p:spPr>
+          <p:style>
+            <a:lnRef idx="2">
+              <a:schemeClr val="accent1">
+                <a:shade val="50000"/>
+              </a:schemeClr>
+            </a:lnRef>
+            <a:fillRef idx="1">
+              <a:schemeClr val="accent1"/>
+            </a:fillRef>
+            <a:effectRef idx="0">
+              <a:schemeClr val="accent1"/>
+            </a:effectRef>
+            <a:fontRef idx="minor">
+              <a:schemeClr val="lt1"/>
+            </a:fontRef>
+          </p:style>
+          <p:txBody>
+            <a:bodyPr rtlCol="0" anchor="ctr"/>
+            <a:lstStyle/>
+            <a:p>
+              <a:pPr algn="ctr"/>
+              <a:r>
+                <a:rPr lang="ko-KR" altLang="en-US" sz="1600" smtClean="0"/>
+                <a:t>미적요소</a:t>
+              </a:r>
+              <a:r>
+                <a:rPr lang="ko-KR" altLang="en-US" sz="1600" smtClean="0"/>
+                <a:t>매핑</a:t>
+              </a:r>
+              <a:endParaRPr lang="ko-KR" altLang="en-US" sz="1600" dirty="0"/>
+            </a:p>
+          </p:txBody>
+        </p:sp>
+        <p:sp>
+          <p:nvSpPr>
+            <p:cNvPr id="20" name="TextBox 19"/>
+            <p:cNvSpPr txBox="1"/>
+            <p:nvPr/>
+          </p:nvSpPr>
+          <p:spPr>
+            <a:xfrm>
+              <a:off x="948104" y="2541007"/>
+              <a:ext cx="9532327" cy="369332"/>
+            </a:xfrm>
+            <a:prstGeom prst="rect">
+              <a:avLst/>
+            </a:prstGeom>
+            <a:noFill/>
+          </p:spPr>
+          <p:txBody>
+            <a:bodyPr wrap="square" rtlCol="0">
+              <a:spAutoFit/>
+            </a:bodyPr>
+            <a:lstStyle/>
+            <a:p>
+              <a:r>
+                <a:rPr lang="en-US" altLang="ko-KR" dirty="0" smtClean="0"/>
+                <a:t>stat_                     (data </a:t>
+              </a:r>
+              <a:r>
+                <a:rPr lang="en-US" altLang="ko-KR" dirty="0" smtClean="0"/>
+                <a:t>=              </a:t>
+              </a:r>
+              <a:r>
+                <a:rPr lang="en-US" altLang="ko-KR" dirty="0" smtClean="0"/>
+                <a:t>, </a:t>
+              </a:r>
+              <a:r>
+                <a:rPr lang="en-US" altLang="ko-KR" dirty="0" err="1" smtClean="0"/>
+                <a:t>aes</a:t>
+              </a:r>
+              <a:r>
+                <a:rPr lang="en-US" altLang="ko-KR" dirty="0" smtClean="0"/>
+                <a:t>(                     ), </a:t>
+              </a:r>
+              <a:r>
+                <a:rPr lang="en-US" altLang="ko-KR" dirty="0" err="1" smtClean="0"/>
+                <a:t>geom</a:t>
+              </a:r>
+              <a:r>
+                <a:rPr lang="en-US" altLang="ko-KR" dirty="0" smtClean="0"/>
+                <a:t> =                     , ...) </a:t>
+              </a:r>
+              <a:endParaRPr lang="en-US" altLang="ko-KR" dirty="0" smtClean="0"/>
+            </a:p>
+          </p:txBody>
+        </p:sp>
+        <p:sp>
+          <p:nvSpPr>
+            <p:cNvPr id="21" name="모서리가 둥근 직사각형 20"/>
+            <p:cNvSpPr/>
+            <p:nvPr/>
+          </p:nvSpPr>
+          <p:spPr>
+            <a:xfrm>
+              <a:off x="4019732" y="2563748"/>
+              <a:ext cx="1042988" cy="323850"/>
+            </a:xfrm>
+            <a:prstGeom prst="roundRect">
+              <a:avLst/>
+            </a:prstGeom>
+            <a:solidFill>
+              <a:schemeClr val="accent2">
+                <a:lumMod val="75000"/>
+              </a:schemeClr>
+            </a:solidFill>
+            <a:ln>
+              <a:noFill/>
+            </a:ln>
+          </p:spPr>
+          <p:style>
+            <a:lnRef idx="2">
+              <a:schemeClr val="accent1">
+                <a:shade val="50000"/>
+              </a:schemeClr>
+            </a:lnRef>
+            <a:fillRef idx="1">
+              <a:schemeClr val="accent1"/>
+            </a:fillRef>
+            <a:effectRef idx="0">
+              <a:schemeClr val="accent1"/>
+            </a:effectRef>
+            <a:fontRef idx="minor">
+              <a:schemeClr val="lt1"/>
+            </a:fontRef>
+          </p:style>
+          <p:txBody>
+            <a:bodyPr rtlCol="0" anchor="ctr"/>
+            <a:lstStyle/>
+            <a:p>
+              <a:pPr algn="ctr"/>
+              <a:r>
+                <a:rPr lang="ko-KR" altLang="en-US" sz="1600" smtClean="0"/>
+                <a:t>데이터</a:t>
+              </a:r>
+              <a:endParaRPr lang="ko-KR" altLang="en-US" sz="1600" dirty="0"/>
+            </a:p>
+          </p:txBody>
+        </p:sp>
+        <p:sp>
+          <p:nvSpPr>
+            <p:cNvPr id="22" name="모서리가 둥근 직사각형 21"/>
+            <p:cNvSpPr/>
+            <p:nvPr/>
+          </p:nvSpPr>
+          <p:spPr>
+            <a:xfrm>
+              <a:off x="8447945" y="2563748"/>
+              <a:ext cx="1624012" cy="323850"/>
+            </a:xfrm>
+            <a:prstGeom prst="roundRect">
+              <a:avLst/>
+            </a:prstGeom>
+            <a:solidFill>
+              <a:schemeClr val="accent5"/>
+            </a:solidFill>
+            <a:ln>
+              <a:noFill/>
+            </a:ln>
+          </p:spPr>
+          <p:style>
+            <a:lnRef idx="2">
+              <a:schemeClr val="accent1">
+                <a:shade val="50000"/>
+              </a:schemeClr>
+            </a:lnRef>
+            <a:fillRef idx="1">
+              <a:schemeClr val="accent1"/>
+            </a:fillRef>
+            <a:effectRef idx="0">
+              <a:schemeClr val="accent1"/>
+            </a:effectRef>
+            <a:fontRef idx="minor">
+              <a:schemeClr val="lt1"/>
+            </a:fontRef>
+          </p:style>
+          <p:txBody>
+            <a:bodyPr rtlCol="0" anchor="ctr"/>
+            <a:lstStyle/>
+            <a:p>
+              <a:pPr algn="ctr"/>
+              <a:r>
+                <a:rPr lang="ko-KR" altLang="en-US" sz="1600" err="1" smtClean="0"/>
+                <a:t>기하요소</a:t>
+              </a:r>
+              <a:r>
+                <a:rPr lang="ko-KR" altLang="en-US" sz="1600" dirty="0" smtClean="0"/>
+                <a:t> </a:t>
+              </a:r>
+              <a:r>
+                <a:rPr lang="ko-KR" altLang="en-US" sz="1600" dirty="0" smtClean="0"/>
+                <a:t>이름</a:t>
+              </a:r>
+              <a:endParaRPr lang="ko-KR" altLang="en-US" sz="1600" dirty="0"/>
+            </a:p>
+          </p:txBody>
+        </p:sp>
+        <p:sp>
+          <p:nvSpPr>
+            <p:cNvPr id="23" name="모서리가 둥근 직사각형 22"/>
+            <p:cNvSpPr/>
+            <p:nvPr/>
+          </p:nvSpPr>
+          <p:spPr>
+            <a:xfrm>
+              <a:off x="1581152" y="2563748"/>
+              <a:ext cx="1624012" cy="323850"/>
+            </a:xfrm>
+            <a:prstGeom prst="roundRect">
+              <a:avLst/>
+            </a:prstGeom>
+            <a:solidFill>
+              <a:schemeClr val="accent6">
+                <a:lumMod val="75000"/>
+              </a:schemeClr>
+            </a:solidFill>
+            <a:ln>
+              <a:noFill/>
+            </a:ln>
+          </p:spPr>
+          <p:style>
+            <a:lnRef idx="2">
+              <a:schemeClr val="accent1">
+                <a:shade val="50000"/>
+              </a:schemeClr>
+            </a:lnRef>
+            <a:fillRef idx="1">
+              <a:schemeClr val="accent1"/>
+            </a:fillRef>
+            <a:effectRef idx="0">
+              <a:schemeClr val="accent1"/>
+            </a:effectRef>
+            <a:fontRef idx="minor">
+              <a:schemeClr val="lt1"/>
+            </a:fontRef>
+          </p:style>
+          <p:txBody>
+            <a:bodyPr rtlCol="0" anchor="ctr"/>
+            <a:lstStyle/>
+            <a:p>
+              <a:pPr algn="ctr"/>
+              <a:r>
+                <a:rPr lang="ko-KR" altLang="en-US" sz="1600" err="1" smtClean="0"/>
+                <a:t>통계요소</a:t>
+              </a:r>
+              <a:r>
+                <a:rPr lang="ko-KR" altLang="en-US" sz="1600" dirty="0" smtClean="0"/>
+                <a:t> </a:t>
+              </a:r>
+              <a:r>
+                <a:rPr lang="ko-KR" altLang="en-US" sz="1600" dirty="0" smtClean="0"/>
+                <a:t>이름</a:t>
+              </a:r>
+              <a:endParaRPr lang="ko-KR" altLang="en-US" sz="1600" dirty="0"/>
+            </a:p>
+          </p:txBody>
+        </p:sp>
+        <p:sp>
+          <p:nvSpPr>
+            <p:cNvPr id="24" name="모서리가 둥근 직사각형 23"/>
+            <p:cNvSpPr/>
+            <p:nvPr/>
+          </p:nvSpPr>
+          <p:spPr>
+            <a:xfrm>
+              <a:off x="5710603" y="2563748"/>
+              <a:ext cx="1607526" cy="323850"/>
+            </a:xfrm>
+            <a:prstGeom prst="roundRect">
+              <a:avLst/>
+            </a:prstGeom>
+            <a:solidFill>
+              <a:schemeClr val="accent2">
+                <a:lumMod val="75000"/>
+              </a:schemeClr>
+            </a:solidFill>
+            <a:ln>
+              <a:noFill/>
+            </a:ln>
+          </p:spPr>
+          <p:style>
+            <a:lnRef idx="2">
+              <a:schemeClr val="accent1">
+                <a:shade val="50000"/>
+              </a:schemeClr>
+            </a:lnRef>
+            <a:fillRef idx="1">
+              <a:schemeClr val="accent1"/>
+            </a:fillRef>
+            <a:effectRef idx="0">
+              <a:schemeClr val="accent1"/>
+            </a:effectRef>
+            <a:fontRef idx="minor">
+              <a:schemeClr val="lt1"/>
+            </a:fontRef>
+          </p:style>
+          <p:txBody>
+            <a:bodyPr rtlCol="0" anchor="ctr"/>
+            <a:lstStyle/>
+            <a:p>
+              <a:pPr algn="ctr"/>
+              <a:r>
+                <a:rPr lang="ko-KR" altLang="en-US" sz="1600" smtClean="0"/>
+                <a:t>미적요소</a:t>
+              </a:r>
+              <a:r>
+                <a:rPr lang="ko-KR" altLang="en-US" sz="1600" smtClean="0"/>
+                <a:t>매핑</a:t>
+              </a:r>
+              <a:endParaRPr lang="ko-KR" altLang="en-US" sz="1600" dirty="0"/>
+            </a:p>
+          </p:txBody>
+        </p:sp>
+        <p:cxnSp>
+          <p:nvCxnSpPr>
+            <p:cNvPr id="26" name="직선 화살표 연결선 25"/>
+            <p:cNvCxnSpPr>
+              <a:stCxn id="6" idx="2"/>
+              <a:endCxn id="22" idx="0"/>
+            </p:cNvCxnSpPr>
+            <p:nvPr/>
+          </p:nvCxnSpPr>
+          <p:spPr>
+            <a:xfrm>
+              <a:off x="2533834" y="1847175"/>
+              <a:ext cx="6726117" cy="716573"/>
+            </a:xfrm>
+            <a:prstGeom prst="straightConnector1">
+              <a:avLst/>
+            </a:prstGeom>
+            <a:ln w="28575">
+              <a:tailEnd type="triangle"/>
+            </a:ln>
+          </p:spPr>
+          <p:style>
+            <a:lnRef idx="1">
+              <a:schemeClr val="accent1"/>
+            </a:lnRef>
+            <a:fillRef idx="0">
+              <a:schemeClr val="accent1"/>
+            </a:fillRef>
+            <a:effectRef idx="0">
+              <a:schemeClr val="accent1"/>
+            </a:effectRef>
+            <a:fontRef idx="minor">
+              <a:schemeClr val="tx1"/>
+            </a:fontRef>
+          </p:style>
+        </p:cxnSp>
+        <p:cxnSp>
+          <p:nvCxnSpPr>
+            <p:cNvPr id="30" name="직선 화살표 연결선 29"/>
+            <p:cNvCxnSpPr>
+              <a:stCxn id="8" idx="2"/>
+              <a:endCxn id="23" idx="0"/>
+            </p:cNvCxnSpPr>
+            <p:nvPr/>
+          </p:nvCxnSpPr>
+          <p:spPr>
+            <a:xfrm flipH="1">
+              <a:off x="2393158" y="1847175"/>
+              <a:ext cx="6760367" cy="716573"/>
+            </a:xfrm>
+            <a:prstGeom prst="straightConnector1">
+              <a:avLst/>
+            </a:prstGeom>
+            <a:ln w="28575">
+              <a:solidFill>
+                <a:schemeClr val="accent6"/>
+              </a:solidFill>
+              <a:tailEnd type="triangle"/>
+            </a:ln>
+          </p:spPr>
+          <p:style>
+            <a:lnRef idx="1">
+              <a:schemeClr val="accent1"/>
+            </a:lnRef>
+            <a:fillRef idx="0">
+              <a:schemeClr val="accent1"/>
+            </a:fillRef>
+            <a:effectRef idx="0">
+              <a:schemeClr val="accent1"/>
+            </a:effectRef>
+            <a:fontRef idx="minor">
+              <a:schemeClr val="tx1"/>
+            </a:fontRef>
+          </p:style>
+        </p:cxnSp>
+      </p:grpSp>
+    </p:spTree>
+    <p:extLst>
+      <p:ext uri="{BB962C8B-B14F-4D97-AF65-F5344CB8AC3E}">
+        <p14:creationId xmlns:p14="http://schemas.microsoft.com/office/powerpoint/2010/main" val="2649915034"/>
+      </p:ext>
+    </p:extLst>
+  </p:cSld>
+  <p:clrMapOvr>
+    <a:masterClrMapping/>
+  </p:clrMapOvr>
+</p:sld>
+</file>
+
+<file path=ppt/slides/slide6.xml><?xml version="1.0" encoding="utf-8"?>
+<p:sld xmlns:a="http://schemas.openxmlformats.org/drawingml/2006/main" xmlns:r="http://schemas.openxmlformats.org/officeDocument/2006/relationships" xmlns:p="http://schemas.openxmlformats.org/presentationml/2006/main">
+  <p:cSld>
+    <p:spTree>
+      <p:nvGrpSpPr>
+        <p:cNvPr id="1" name=""/>
+        <p:cNvGrpSpPr/>
+        <p:nvPr/>
+      </p:nvGrpSpPr>
+      <p:grpSpPr>
+        <a:xfrm>
+          <a:off x="0" y="0"/>
+          <a:ext cx="0" cy="0"/>
+          <a:chOff x="0" y="0"/>
+          <a:chExt cx="0" cy="0"/>
+        </a:xfrm>
+      </p:grpSpPr>
+      <p:grpSp>
+        <p:nvGrpSpPr>
+          <p:cNvPr id="72" name="그룹 71"/>
+          <p:cNvGrpSpPr/>
+          <p:nvPr/>
+        </p:nvGrpSpPr>
+        <p:grpSpPr>
+          <a:xfrm>
+            <a:off x="1572356" y="1397978"/>
+            <a:ext cx="6535616" cy="3574073"/>
+            <a:chOff x="1572356" y="1397978"/>
+            <a:chExt cx="6535616" cy="3574073"/>
+          </a:xfrm>
+        </p:grpSpPr>
+        <p:grpSp>
+          <p:nvGrpSpPr>
+            <p:cNvPr id="61" name="그룹 60"/>
+            <p:cNvGrpSpPr/>
+            <p:nvPr/>
+          </p:nvGrpSpPr>
+          <p:grpSpPr>
+            <a:xfrm>
+              <a:off x="2127737" y="2176096"/>
+              <a:ext cx="2409090" cy="2795955"/>
+              <a:chOff x="2127737" y="2176096"/>
+              <a:chExt cx="2409090" cy="2795955"/>
+            </a:xfrm>
+          </p:grpSpPr>
+          <p:grpSp>
+            <p:nvGrpSpPr>
+              <p:cNvPr id="7" name="그룹 6"/>
+              <p:cNvGrpSpPr/>
+              <p:nvPr/>
+            </p:nvGrpSpPr>
+            <p:grpSpPr>
+              <a:xfrm>
+                <a:off x="2127738" y="2198077"/>
+                <a:ext cx="659424" cy="773723"/>
+                <a:chOff x="975945" y="1292469"/>
+                <a:chExt cx="659424" cy="773723"/>
+              </a:xfrm>
+            </p:grpSpPr>
+            <p:sp>
+              <p:nvSpPr>
+                <p:cNvPr id="5" name="직사각형 4"/>
+                <p:cNvSpPr/>
+                <p:nvPr/>
+              </p:nvSpPr>
+              <p:spPr>
+                <a:xfrm>
+                  <a:off x="975946" y="1292469"/>
+                  <a:ext cx="659423" cy="237393"/>
+                </a:xfrm>
+                <a:prstGeom prst="rect">
+                  <a:avLst/>
+                </a:prstGeom>
+              </p:spPr>
+              <p:style>
+                <a:lnRef idx="2">
+                  <a:schemeClr val="accent1">
+                    <a:shade val="50000"/>
+                  </a:schemeClr>
+                </a:lnRef>
+                <a:fillRef idx="1">
+                  <a:schemeClr val="accent1"/>
+                </a:fillRef>
+                <a:effectRef idx="0">
+                  <a:schemeClr val="accent1"/>
+                </a:effectRef>
+                <a:fontRef idx="minor">
+                  <a:schemeClr val="lt1"/>
+                </a:fontRef>
+              </p:style>
+              <p:txBody>
+                <a:bodyPr rtlCol="0" anchor="ctr"/>
+                <a:lstStyle/>
+                <a:p>
+                  <a:pPr algn="ctr"/>
+                  <a:endParaRPr lang="ko-KR" altLang="en-US"/>
+                </a:p>
+              </p:txBody>
+            </p:sp>
+            <p:sp>
+              <p:nvSpPr>
+                <p:cNvPr id="6" name="직사각형 5"/>
+                <p:cNvSpPr/>
+                <p:nvPr/>
+              </p:nvSpPr>
+              <p:spPr>
+                <a:xfrm>
+                  <a:off x="975945" y="1529862"/>
+                  <a:ext cx="659423" cy="536330"/>
+                </a:xfrm>
+                <a:prstGeom prst="rect">
+                  <a:avLst/>
+                </a:prstGeom>
+                <a:noFill/>
+              </p:spPr>
+              <p:style>
+                <a:lnRef idx="2">
+                  <a:schemeClr val="accent1">
+                    <a:shade val="50000"/>
+                  </a:schemeClr>
+                </a:lnRef>
+                <a:fillRef idx="1">
+                  <a:schemeClr val="accent1"/>
+                </a:fillRef>
+                <a:effectRef idx="0">
+                  <a:schemeClr val="accent1"/>
+                </a:effectRef>
+                <a:fontRef idx="minor">
+                  <a:schemeClr val="lt1"/>
+                </a:fontRef>
+              </p:style>
+              <p:txBody>
+                <a:bodyPr rtlCol="0" anchor="ctr"/>
+                <a:lstStyle/>
+                <a:p>
+                  <a:pPr algn="ctr"/>
+                  <a:endParaRPr lang="ko-KR" altLang="en-US"/>
+                </a:p>
+              </p:txBody>
+            </p:sp>
+          </p:grpSp>
+          <p:grpSp>
+            <p:nvGrpSpPr>
+              <p:cNvPr id="8" name="그룹 7"/>
+              <p:cNvGrpSpPr/>
+              <p:nvPr/>
+            </p:nvGrpSpPr>
+            <p:grpSpPr>
+              <a:xfrm>
+                <a:off x="3009899" y="2198077"/>
+                <a:ext cx="659424" cy="773723"/>
+                <a:chOff x="975945" y="1292469"/>
+                <a:chExt cx="659424" cy="773723"/>
+              </a:xfrm>
+            </p:grpSpPr>
+            <p:sp>
+              <p:nvSpPr>
+                <p:cNvPr id="9" name="직사각형 8"/>
+                <p:cNvSpPr/>
+                <p:nvPr/>
+              </p:nvSpPr>
+              <p:spPr>
+                <a:xfrm>
+                  <a:off x="975946" y="1292469"/>
+                  <a:ext cx="659423" cy="237393"/>
+                </a:xfrm>
+                <a:prstGeom prst="rect">
+                  <a:avLst/>
+                </a:prstGeom>
+              </p:spPr>
+              <p:style>
+                <a:lnRef idx="2">
+                  <a:schemeClr val="accent1">
+                    <a:shade val="50000"/>
+                  </a:schemeClr>
+                </a:lnRef>
+                <a:fillRef idx="1">
+                  <a:schemeClr val="accent1"/>
+                </a:fillRef>
+                <a:effectRef idx="0">
+                  <a:schemeClr val="accent1"/>
+                </a:effectRef>
+                <a:fontRef idx="minor">
+                  <a:schemeClr val="lt1"/>
+                </a:fontRef>
+              </p:style>
+              <p:txBody>
+                <a:bodyPr rtlCol="0" anchor="ctr"/>
+                <a:lstStyle/>
+                <a:p>
+                  <a:pPr algn="ctr"/>
+                  <a:endParaRPr lang="ko-KR" altLang="en-US"/>
+                </a:p>
+              </p:txBody>
+            </p:sp>
+            <p:sp>
+              <p:nvSpPr>
+                <p:cNvPr id="10" name="직사각형 9"/>
+                <p:cNvSpPr/>
+                <p:nvPr/>
+              </p:nvSpPr>
+              <p:spPr>
+                <a:xfrm>
+                  <a:off x="975945" y="1529862"/>
+                  <a:ext cx="659423" cy="536330"/>
+                </a:xfrm>
+                <a:prstGeom prst="rect">
+                  <a:avLst/>
+                </a:prstGeom>
+                <a:noFill/>
+              </p:spPr>
+              <p:style>
+                <a:lnRef idx="2">
+                  <a:schemeClr val="accent1">
+                    <a:shade val="50000"/>
+                  </a:schemeClr>
+                </a:lnRef>
+                <a:fillRef idx="1">
+                  <a:schemeClr val="accent1"/>
+                </a:fillRef>
+                <a:effectRef idx="0">
+                  <a:schemeClr val="accent1"/>
+                </a:effectRef>
+                <a:fontRef idx="minor">
+                  <a:schemeClr val="lt1"/>
+                </a:fontRef>
+              </p:style>
+              <p:txBody>
+                <a:bodyPr rtlCol="0" anchor="ctr"/>
+                <a:lstStyle/>
+                <a:p>
+                  <a:pPr algn="ctr"/>
+                  <a:endParaRPr lang="ko-KR" altLang="en-US"/>
+                </a:p>
+              </p:txBody>
+            </p:sp>
+          </p:grpSp>
+          <p:grpSp>
+            <p:nvGrpSpPr>
+              <p:cNvPr id="11" name="그룹 10"/>
+              <p:cNvGrpSpPr/>
+              <p:nvPr/>
+            </p:nvGrpSpPr>
+            <p:grpSpPr>
+              <a:xfrm>
+                <a:off x="3877403" y="2176096"/>
+                <a:ext cx="659424" cy="773723"/>
+                <a:chOff x="975945" y="1292469"/>
+                <a:chExt cx="659424" cy="773723"/>
+              </a:xfrm>
+            </p:grpSpPr>
+            <p:sp>
+              <p:nvSpPr>
+                <p:cNvPr id="12" name="직사각형 11"/>
+                <p:cNvSpPr/>
+                <p:nvPr/>
+              </p:nvSpPr>
+              <p:spPr>
+                <a:xfrm>
+                  <a:off x="975946" y="1292469"/>
+                  <a:ext cx="659423" cy="237393"/>
+                </a:xfrm>
+                <a:prstGeom prst="rect">
+                  <a:avLst/>
+                </a:prstGeom>
+              </p:spPr>
+              <p:style>
+                <a:lnRef idx="2">
+                  <a:schemeClr val="accent1">
+                    <a:shade val="50000"/>
+                  </a:schemeClr>
+                </a:lnRef>
+                <a:fillRef idx="1">
+                  <a:schemeClr val="accent1"/>
+                </a:fillRef>
+                <a:effectRef idx="0">
+                  <a:schemeClr val="accent1"/>
+                </a:effectRef>
+                <a:fontRef idx="minor">
+                  <a:schemeClr val="lt1"/>
+                </a:fontRef>
+              </p:style>
+              <p:txBody>
+                <a:bodyPr rtlCol="0" anchor="ctr"/>
+                <a:lstStyle/>
+                <a:p>
+                  <a:pPr algn="ctr"/>
+                  <a:endParaRPr lang="ko-KR" altLang="en-US"/>
+                </a:p>
+              </p:txBody>
+            </p:sp>
+            <p:sp>
+              <p:nvSpPr>
+                <p:cNvPr id="13" name="직사각형 12"/>
+                <p:cNvSpPr/>
+                <p:nvPr/>
+              </p:nvSpPr>
+              <p:spPr>
+                <a:xfrm>
+                  <a:off x="975945" y="1529862"/>
+                  <a:ext cx="659423" cy="536330"/>
+                </a:xfrm>
+                <a:prstGeom prst="rect">
+                  <a:avLst/>
+                </a:prstGeom>
+                <a:noFill/>
+              </p:spPr>
+              <p:style>
+                <a:lnRef idx="2">
+                  <a:schemeClr val="accent1">
+                    <a:shade val="50000"/>
+                  </a:schemeClr>
+                </a:lnRef>
+                <a:fillRef idx="1">
+                  <a:schemeClr val="accent1"/>
+                </a:fillRef>
+                <a:effectRef idx="0">
+                  <a:schemeClr val="accent1"/>
+                </a:effectRef>
+                <a:fontRef idx="minor">
+                  <a:schemeClr val="lt1"/>
+                </a:fontRef>
+              </p:style>
+              <p:txBody>
+                <a:bodyPr rtlCol="0" anchor="ctr"/>
+                <a:lstStyle/>
+                <a:p>
+                  <a:pPr algn="ctr"/>
+                  <a:endParaRPr lang="ko-KR" altLang="en-US"/>
+                </a:p>
+              </p:txBody>
+            </p:sp>
+          </p:grpSp>
+          <p:grpSp>
+            <p:nvGrpSpPr>
+              <p:cNvPr id="14" name="그룹 13"/>
+              <p:cNvGrpSpPr/>
+              <p:nvPr/>
+            </p:nvGrpSpPr>
+            <p:grpSpPr>
+              <a:xfrm>
+                <a:off x="2127737" y="3187212"/>
+                <a:ext cx="659424" cy="773723"/>
+                <a:chOff x="975945" y="1292469"/>
+                <a:chExt cx="659424" cy="773723"/>
+              </a:xfrm>
+            </p:grpSpPr>
+            <p:sp>
+              <p:nvSpPr>
+                <p:cNvPr id="15" name="직사각형 14"/>
+                <p:cNvSpPr/>
+                <p:nvPr/>
+              </p:nvSpPr>
+              <p:spPr>
+                <a:xfrm>
+                  <a:off x="975946" y="1292469"/>
+                  <a:ext cx="659423" cy="237393"/>
+                </a:xfrm>
+                <a:prstGeom prst="rect">
+                  <a:avLst/>
+                </a:prstGeom>
+              </p:spPr>
+              <p:style>
+                <a:lnRef idx="2">
+                  <a:schemeClr val="accent1">
+                    <a:shade val="50000"/>
+                  </a:schemeClr>
+                </a:lnRef>
+                <a:fillRef idx="1">
+                  <a:schemeClr val="accent1"/>
+                </a:fillRef>
+                <a:effectRef idx="0">
+                  <a:schemeClr val="accent1"/>
+                </a:effectRef>
+                <a:fontRef idx="minor">
+                  <a:schemeClr val="lt1"/>
+                </a:fontRef>
+              </p:style>
+              <p:txBody>
+                <a:bodyPr rtlCol="0" anchor="ctr"/>
+                <a:lstStyle/>
+                <a:p>
+                  <a:pPr algn="ctr"/>
+                  <a:endParaRPr lang="ko-KR" altLang="en-US"/>
+                </a:p>
+              </p:txBody>
+            </p:sp>
+            <p:sp>
+              <p:nvSpPr>
+                <p:cNvPr id="16" name="직사각형 15"/>
+                <p:cNvSpPr/>
+                <p:nvPr/>
+              </p:nvSpPr>
+              <p:spPr>
+                <a:xfrm>
+                  <a:off x="975945" y="1529862"/>
+                  <a:ext cx="659423" cy="536330"/>
+                </a:xfrm>
+                <a:prstGeom prst="rect">
+                  <a:avLst/>
+                </a:prstGeom>
+                <a:noFill/>
+              </p:spPr>
+              <p:style>
+                <a:lnRef idx="2">
+                  <a:schemeClr val="accent1">
+                    <a:shade val="50000"/>
+                  </a:schemeClr>
+                </a:lnRef>
+                <a:fillRef idx="1">
+                  <a:schemeClr val="accent1"/>
+                </a:fillRef>
+                <a:effectRef idx="0">
+                  <a:schemeClr val="accent1"/>
+                </a:effectRef>
+                <a:fontRef idx="minor">
+                  <a:schemeClr val="lt1"/>
+                </a:fontRef>
+              </p:style>
+              <p:txBody>
+                <a:bodyPr rtlCol="0" anchor="ctr"/>
+                <a:lstStyle/>
+                <a:p>
+                  <a:pPr algn="ctr"/>
+                  <a:endParaRPr lang="ko-KR" altLang="en-US"/>
+                </a:p>
+              </p:txBody>
+            </p:sp>
+          </p:grpSp>
+          <p:grpSp>
+            <p:nvGrpSpPr>
+              <p:cNvPr id="17" name="그룹 16"/>
+              <p:cNvGrpSpPr/>
+              <p:nvPr/>
+            </p:nvGrpSpPr>
+            <p:grpSpPr>
+              <a:xfrm>
+                <a:off x="3009898" y="3187212"/>
+                <a:ext cx="659424" cy="773723"/>
+                <a:chOff x="975945" y="1292469"/>
+                <a:chExt cx="659424" cy="773723"/>
+              </a:xfrm>
+            </p:grpSpPr>
+            <p:sp>
+              <p:nvSpPr>
+                <p:cNvPr id="18" name="직사각형 17"/>
+                <p:cNvSpPr/>
+                <p:nvPr/>
+              </p:nvSpPr>
+              <p:spPr>
+                <a:xfrm>
+                  <a:off x="975946" y="1292469"/>
+                  <a:ext cx="659423" cy="237393"/>
+                </a:xfrm>
+                <a:prstGeom prst="rect">
+                  <a:avLst/>
+                </a:prstGeom>
+              </p:spPr>
+              <p:style>
+                <a:lnRef idx="2">
+                  <a:schemeClr val="accent1">
+                    <a:shade val="50000"/>
+                  </a:schemeClr>
+                </a:lnRef>
+                <a:fillRef idx="1">
+                  <a:schemeClr val="accent1"/>
+                </a:fillRef>
+                <a:effectRef idx="0">
+                  <a:schemeClr val="accent1"/>
+                </a:effectRef>
+                <a:fontRef idx="minor">
+                  <a:schemeClr val="lt1"/>
+                </a:fontRef>
+              </p:style>
+              <p:txBody>
+                <a:bodyPr rtlCol="0" anchor="ctr"/>
+                <a:lstStyle/>
+                <a:p>
+                  <a:pPr algn="ctr"/>
+                  <a:endParaRPr lang="ko-KR" altLang="en-US"/>
+                </a:p>
+              </p:txBody>
+            </p:sp>
+            <p:sp>
+              <p:nvSpPr>
+                <p:cNvPr id="19" name="직사각형 18"/>
+                <p:cNvSpPr/>
+                <p:nvPr/>
+              </p:nvSpPr>
+              <p:spPr>
+                <a:xfrm>
+                  <a:off x="975945" y="1529862"/>
+                  <a:ext cx="659423" cy="536330"/>
+                </a:xfrm>
+                <a:prstGeom prst="rect">
+                  <a:avLst/>
+                </a:prstGeom>
+                <a:noFill/>
+              </p:spPr>
+              <p:style>
+                <a:lnRef idx="2">
+                  <a:schemeClr val="accent1">
+                    <a:shade val="50000"/>
+                  </a:schemeClr>
+                </a:lnRef>
+                <a:fillRef idx="1">
+                  <a:schemeClr val="accent1"/>
+                </a:fillRef>
+                <a:effectRef idx="0">
+                  <a:schemeClr val="accent1"/>
+                </a:effectRef>
+                <a:fontRef idx="minor">
+                  <a:schemeClr val="lt1"/>
+                </a:fontRef>
+              </p:style>
+              <p:txBody>
+                <a:bodyPr rtlCol="0" anchor="ctr"/>
+                <a:lstStyle/>
+                <a:p>
+                  <a:pPr algn="ctr"/>
+                  <a:endParaRPr lang="ko-KR" altLang="en-US"/>
+                </a:p>
+              </p:txBody>
+            </p:sp>
+          </p:grpSp>
+          <p:grpSp>
+            <p:nvGrpSpPr>
+              <p:cNvPr id="20" name="그룹 19"/>
+              <p:cNvGrpSpPr/>
+              <p:nvPr/>
+            </p:nvGrpSpPr>
+            <p:grpSpPr>
+              <a:xfrm>
+                <a:off x="3877402" y="3165231"/>
+                <a:ext cx="659424" cy="773723"/>
+                <a:chOff x="975945" y="1292469"/>
+                <a:chExt cx="659424" cy="773723"/>
+              </a:xfrm>
+            </p:grpSpPr>
+            <p:sp>
+              <p:nvSpPr>
+                <p:cNvPr id="21" name="직사각형 20"/>
+                <p:cNvSpPr/>
+                <p:nvPr/>
+              </p:nvSpPr>
+              <p:spPr>
+                <a:xfrm>
+                  <a:off x="975946" y="1292469"/>
+                  <a:ext cx="659423" cy="237393"/>
+                </a:xfrm>
+                <a:prstGeom prst="rect">
+                  <a:avLst/>
+                </a:prstGeom>
+              </p:spPr>
+              <p:style>
+                <a:lnRef idx="2">
+                  <a:schemeClr val="accent1">
+                    <a:shade val="50000"/>
+                  </a:schemeClr>
+                </a:lnRef>
+                <a:fillRef idx="1">
+                  <a:schemeClr val="accent1"/>
+                </a:fillRef>
+                <a:effectRef idx="0">
+                  <a:schemeClr val="accent1"/>
+                </a:effectRef>
+                <a:fontRef idx="minor">
+                  <a:schemeClr val="lt1"/>
+                </a:fontRef>
+              </p:style>
+              <p:txBody>
+                <a:bodyPr rtlCol="0" anchor="ctr"/>
+                <a:lstStyle/>
+                <a:p>
+                  <a:pPr algn="ctr"/>
+                  <a:endParaRPr lang="ko-KR" altLang="en-US"/>
+                </a:p>
+              </p:txBody>
+            </p:sp>
+            <p:sp>
+              <p:nvSpPr>
+                <p:cNvPr id="22" name="직사각형 21"/>
+                <p:cNvSpPr/>
+                <p:nvPr/>
+              </p:nvSpPr>
+              <p:spPr>
+                <a:xfrm>
+                  <a:off x="975945" y="1529862"/>
+                  <a:ext cx="659423" cy="536330"/>
+                </a:xfrm>
+                <a:prstGeom prst="rect">
+                  <a:avLst/>
+                </a:prstGeom>
+                <a:noFill/>
+              </p:spPr>
+              <p:style>
+                <a:lnRef idx="2">
+                  <a:schemeClr val="accent1">
+                    <a:shade val="50000"/>
+                  </a:schemeClr>
+                </a:lnRef>
+                <a:fillRef idx="1">
+                  <a:schemeClr val="accent1"/>
+                </a:fillRef>
+                <a:effectRef idx="0">
+                  <a:schemeClr val="accent1"/>
+                </a:effectRef>
+                <a:fontRef idx="minor">
+                  <a:schemeClr val="lt1"/>
+                </a:fontRef>
+              </p:style>
+              <p:txBody>
+                <a:bodyPr rtlCol="0" anchor="ctr"/>
+                <a:lstStyle/>
+                <a:p>
+                  <a:pPr algn="ctr"/>
+                  <a:endParaRPr lang="ko-KR" altLang="en-US"/>
+                </a:p>
+              </p:txBody>
+            </p:sp>
+          </p:grpSp>
+          <p:grpSp>
+            <p:nvGrpSpPr>
+              <p:cNvPr id="23" name="그룹 22"/>
+              <p:cNvGrpSpPr/>
+              <p:nvPr/>
+            </p:nvGrpSpPr>
+            <p:grpSpPr>
+              <a:xfrm>
+                <a:off x="2127737" y="4198328"/>
+                <a:ext cx="659424" cy="773723"/>
+                <a:chOff x="975945" y="1292469"/>
+                <a:chExt cx="659424" cy="773723"/>
+              </a:xfrm>
+            </p:grpSpPr>
+            <p:sp>
+              <p:nvSpPr>
+                <p:cNvPr id="24" name="직사각형 23"/>
+                <p:cNvSpPr/>
+                <p:nvPr/>
+              </p:nvSpPr>
+              <p:spPr>
+                <a:xfrm>
+                  <a:off x="975946" y="1292469"/>
+                  <a:ext cx="659423" cy="237393"/>
+                </a:xfrm>
+                <a:prstGeom prst="rect">
+                  <a:avLst/>
+                </a:prstGeom>
+              </p:spPr>
+              <p:style>
+                <a:lnRef idx="2">
+                  <a:schemeClr val="accent1">
+                    <a:shade val="50000"/>
+                  </a:schemeClr>
+                </a:lnRef>
+                <a:fillRef idx="1">
+                  <a:schemeClr val="accent1"/>
+                </a:fillRef>
+                <a:effectRef idx="0">
+                  <a:schemeClr val="accent1"/>
+                </a:effectRef>
+                <a:fontRef idx="minor">
+                  <a:schemeClr val="lt1"/>
+                </a:fontRef>
+              </p:style>
+              <p:txBody>
+                <a:bodyPr rtlCol="0" anchor="ctr"/>
+                <a:lstStyle/>
+                <a:p>
+                  <a:pPr algn="ctr"/>
+                  <a:endParaRPr lang="ko-KR" altLang="en-US"/>
+                </a:p>
+              </p:txBody>
+            </p:sp>
+            <p:sp>
+              <p:nvSpPr>
+                <p:cNvPr id="25" name="직사각형 24"/>
+                <p:cNvSpPr/>
+                <p:nvPr/>
+              </p:nvSpPr>
+              <p:spPr>
+                <a:xfrm>
+                  <a:off x="975945" y="1529862"/>
+                  <a:ext cx="659423" cy="536330"/>
+                </a:xfrm>
+                <a:prstGeom prst="rect">
+                  <a:avLst/>
+                </a:prstGeom>
+                <a:noFill/>
+              </p:spPr>
+              <p:style>
+                <a:lnRef idx="2">
+                  <a:schemeClr val="accent1">
+                    <a:shade val="50000"/>
+                  </a:schemeClr>
+                </a:lnRef>
+                <a:fillRef idx="1">
+                  <a:schemeClr val="accent1"/>
+                </a:fillRef>
+                <a:effectRef idx="0">
+                  <a:schemeClr val="accent1"/>
+                </a:effectRef>
+                <a:fontRef idx="minor">
+                  <a:schemeClr val="lt1"/>
+                </a:fontRef>
+              </p:style>
+              <p:txBody>
+                <a:bodyPr rtlCol="0" anchor="ctr"/>
+                <a:lstStyle/>
+                <a:p>
+                  <a:pPr algn="ctr"/>
+                  <a:endParaRPr lang="ko-KR" altLang="en-US"/>
+                </a:p>
+              </p:txBody>
+            </p:sp>
+          </p:grpSp>
+          <p:grpSp>
+            <p:nvGrpSpPr>
+              <p:cNvPr id="26" name="그룹 25"/>
+              <p:cNvGrpSpPr/>
+              <p:nvPr/>
+            </p:nvGrpSpPr>
+            <p:grpSpPr>
+              <a:xfrm>
+                <a:off x="3009898" y="4198328"/>
+                <a:ext cx="659424" cy="773723"/>
+                <a:chOff x="975945" y="1292469"/>
+                <a:chExt cx="659424" cy="773723"/>
+              </a:xfrm>
+            </p:grpSpPr>
+            <p:sp>
+              <p:nvSpPr>
+                <p:cNvPr id="27" name="직사각형 26"/>
+                <p:cNvSpPr/>
+                <p:nvPr/>
+              </p:nvSpPr>
+              <p:spPr>
+                <a:xfrm>
+                  <a:off x="975946" y="1292469"/>
+                  <a:ext cx="659423" cy="237393"/>
+                </a:xfrm>
+                <a:prstGeom prst="rect">
+                  <a:avLst/>
+                </a:prstGeom>
+              </p:spPr>
+              <p:style>
+                <a:lnRef idx="2">
+                  <a:schemeClr val="accent1">
+                    <a:shade val="50000"/>
+                  </a:schemeClr>
+                </a:lnRef>
+                <a:fillRef idx="1">
+                  <a:schemeClr val="accent1"/>
+                </a:fillRef>
+                <a:effectRef idx="0">
+                  <a:schemeClr val="accent1"/>
+                </a:effectRef>
+                <a:fontRef idx="minor">
+                  <a:schemeClr val="lt1"/>
+                </a:fontRef>
+              </p:style>
+              <p:txBody>
+                <a:bodyPr rtlCol="0" anchor="ctr"/>
+                <a:lstStyle/>
+                <a:p>
+                  <a:pPr algn="ctr"/>
+                  <a:endParaRPr lang="ko-KR" altLang="en-US"/>
+                </a:p>
+              </p:txBody>
+            </p:sp>
+            <p:sp>
+              <p:nvSpPr>
+                <p:cNvPr id="28" name="직사각형 27"/>
+                <p:cNvSpPr/>
+                <p:nvPr/>
+              </p:nvSpPr>
+              <p:spPr>
+                <a:xfrm>
+                  <a:off x="975945" y="1529862"/>
+                  <a:ext cx="659423" cy="536330"/>
+                </a:xfrm>
+                <a:prstGeom prst="rect">
+                  <a:avLst/>
+                </a:prstGeom>
+                <a:noFill/>
+              </p:spPr>
+              <p:style>
+                <a:lnRef idx="2">
+                  <a:schemeClr val="accent1">
+                    <a:shade val="50000"/>
+                  </a:schemeClr>
+                </a:lnRef>
+                <a:fillRef idx="1">
+                  <a:schemeClr val="accent1"/>
+                </a:fillRef>
+                <a:effectRef idx="0">
+                  <a:schemeClr val="accent1"/>
+                </a:effectRef>
+                <a:fontRef idx="minor">
+                  <a:schemeClr val="lt1"/>
+                </a:fontRef>
+              </p:style>
+              <p:txBody>
+                <a:bodyPr rtlCol="0" anchor="ctr"/>
+                <a:lstStyle/>
+                <a:p>
+                  <a:pPr algn="ctr"/>
+                  <a:endParaRPr lang="ko-KR" altLang="en-US"/>
+                </a:p>
+              </p:txBody>
+            </p:sp>
+          </p:grpSp>
+          <p:grpSp>
+            <p:nvGrpSpPr>
+              <p:cNvPr id="29" name="그룹 28"/>
+              <p:cNvGrpSpPr/>
+              <p:nvPr/>
+            </p:nvGrpSpPr>
+            <p:grpSpPr>
+              <a:xfrm>
+                <a:off x="3877402" y="4176347"/>
+                <a:ext cx="659424" cy="773723"/>
+                <a:chOff x="975945" y="1292469"/>
+                <a:chExt cx="659424" cy="773723"/>
+              </a:xfrm>
+            </p:grpSpPr>
+            <p:sp>
+              <p:nvSpPr>
+                <p:cNvPr id="30" name="직사각형 29"/>
+                <p:cNvSpPr/>
+                <p:nvPr/>
+              </p:nvSpPr>
+              <p:spPr>
+                <a:xfrm>
+                  <a:off x="975946" y="1292469"/>
+                  <a:ext cx="659423" cy="237393"/>
+                </a:xfrm>
+                <a:prstGeom prst="rect">
+                  <a:avLst/>
+                </a:prstGeom>
+              </p:spPr>
+              <p:style>
+                <a:lnRef idx="2">
+                  <a:schemeClr val="accent1">
+                    <a:shade val="50000"/>
+                  </a:schemeClr>
+                </a:lnRef>
+                <a:fillRef idx="1">
+                  <a:schemeClr val="accent1"/>
+                </a:fillRef>
+                <a:effectRef idx="0">
+                  <a:schemeClr val="accent1"/>
+                </a:effectRef>
+                <a:fontRef idx="minor">
+                  <a:schemeClr val="lt1"/>
+                </a:fontRef>
+              </p:style>
+              <p:txBody>
+                <a:bodyPr rtlCol="0" anchor="ctr"/>
+                <a:lstStyle/>
+                <a:p>
+                  <a:pPr algn="ctr"/>
+                  <a:endParaRPr lang="ko-KR" altLang="en-US"/>
+                </a:p>
+              </p:txBody>
+            </p:sp>
+            <p:sp>
+              <p:nvSpPr>
+                <p:cNvPr id="31" name="직사각형 30"/>
+                <p:cNvSpPr/>
+                <p:nvPr/>
+              </p:nvSpPr>
+              <p:spPr>
+                <a:xfrm>
+                  <a:off x="975945" y="1529862"/>
+                  <a:ext cx="659423" cy="536330"/>
+                </a:xfrm>
+                <a:prstGeom prst="rect">
+                  <a:avLst/>
+                </a:prstGeom>
+                <a:noFill/>
+              </p:spPr>
+              <p:style>
+                <a:lnRef idx="2">
+                  <a:schemeClr val="accent1">
+                    <a:shade val="50000"/>
+                  </a:schemeClr>
+                </a:lnRef>
+                <a:fillRef idx="1">
+                  <a:schemeClr val="accent1"/>
+                </a:fillRef>
+                <a:effectRef idx="0">
+                  <a:schemeClr val="accent1"/>
+                </a:effectRef>
+                <a:fontRef idx="minor">
+                  <a:schemeClr val="lt1"/>
+                </a:fontRef>
+              </p:style>
+              <p:txBody>
+                <a:bodyPr rtlCol="0" anchor="ctr"/>
+                <a:lstStyle/>
+                <a:p>
+                  <a:pPr algn="ctr"/>
+                  <a:endParaRPr lang="ko-KR" altLang="en-US"/>
+                </a:p>
+              </p:txBody>
+            </p:sp>
+          </p:grpSp>
+        </p:grpSp>
+        <p:grpSp>
+          <p:nvGrpSpPr>
+            <p:cNvPr id="62" name="그룹 61"/>
+            <p:cNvGrpSpPr/>
+            <p:nvPr/>
+          </p:nvGrpSpPr>
+          <p:grpSpPr>
+            <a:xfrm>
+              <a:off x="5467350" y="2176096"/>
+              <a:ext cx="2409090" cy="2795955"/>
+              <a:chOff x="6474067" y="2176096"/>
+              <a:chExt cx="2409090" cy="2795955"/>
+            </a:xfrm>
+          </p:grpSpPr>
+          <p:grpSp>
+            <p:nvGrpSpPr>
+              <p:cNvPr id="32" name="그룹 31"/>
+              <p:cNvGrpSpPr/>
+              <p:nvPr/>
+            </p:nvGrpSpPr>
+            <p:grpSpPr>
+              <a:xfrm>
+                <a:off x="6474068" y="2198077"/>
+                <a:ext cx="659424" cy="773723"/>
+                <a:chOff x="975945" y="1292469"/>
+                <a:chExt cx="659424" cy="773723"/>
+              </a:xfrm>
+            </p:grpSpPr>
+            <p:sp>
+              <p:nvSpPr>
+                <p:cNvPr id="33" name="직사각형 32"/>
+                <p:cNvSpPr/>
+                <p:nvPr/>
+              </p:nvSpPr>
+              <p:spPr>
+                <a:xfrm>
+                  <a:off x="975946" y="1292469"/>
+                  <a:ext cx="659423" cy="237393"/>
+                </a:xfrm>
+                <a:prstGeom prst="rect">
+                  <a:avLst/>
+                </a:prstGeom>
+              </p:spPr>
+              <p:style>
+                <a:lnRef idx="2">
+                  <a:schemeClr val="accent1">
+                    <a:shade val="50000"/>
+                  </a:schemeClr>
+                </a:lnRef>
+                <a:fillRef idx="1">
+                  <a:schemeClr val="accent1"/>
+                </a:fillRef>
+                <a:effectRef idx="0">
+                  <a:schemeClr val="accent1"/>
+                </a:effectRef>
+                <a:fontRef idx="minor">
+                  <a:schemeClr val="lt1"/>
+                </a:fontRef>
+              </p:style>
+              <p:txBody>
+                <a:bodyPr rtlCol="0" anchor="ctr"/>
+                <a:lstStyle/>
+                <a:p>
+                  <a:pPr algn="ctr"/>
+                  <a:endParaRPr lang="ko-KR" altLang="en-US"/>
+                </a:p>
+              </p:txBody>
+            </p:sp>
+            <p:sp>
+              <p:nvSpPr>
+                <p:cNvPr id="34" name="직사각형 33"/>
+                <p:cNvSpPr/>
+                <p:nvPr/>
+              </p:nvSpPr>
+              <p:spPr>
+                <a:xfrm>
+                  <a:off x="975945" y="1529862"/>
+                  <a:ext cx="659423" cy="536330"/>
+                </a:xfrm>
+                <a:prstGeom prst="rect">
+                  <a:avLst/>
+                </a:prstGeom>
+                <a:noFill/>
+              </p:spPr>
+              <p:style>
+                <a:lnRef idx="2">
+                  <a:schemeClr val="accent1">
+                    <a:shade val="50000"/>
+                  </a:schemeClr>
+                </a:lnRef>
+                <a:fillRef idx="1">
+                  <a:schemeClr val="accent1"/>
+                </a:fillRef>
+                <a:effectRef idx="0">
+                  <a:schemeClr val="accent1"/>
+                </a:effectRef>
+                <a:fontRef idx="minor">
+                  <a:schemeClr val="lt1"/>
+                </a:fontRef>
+              </p:style>
+              <p:txBody>
+                <a:bodyPr rtlCol="0" anchor="ctr"/>
+                <a:lstStyle/>
+                <a:p>
+                  <a:pPr algn="ctr"/>
+                  <a:endParaRPr lang="ko-KR" altLang="en-US"/>
+                </a:p>
+              </p:txBody>
+            </p:sp>
+          </p:grpSp>
+          <p:grpSp>
+            <p:nvGrpSpPr>
+              <p:cNvPr id="35" name="그룹 34"/>
+              <p:cNvGrpSpPr/>
+              <p:nvPr/>
+            </p:nvGrpSpPr>
+            <p:grpSpPr>
+              <a:xfrm>
+                <a:off x="7356229" y="2198077"/>
+                <a:ext cx="659424" cy="773723"/>
+                <a:chOff x="975945" y="1292469"/>
+                <a:chExt cx="659424" cy="773723"/>
+              </a:xfrm>
+            </p:grpSpPr>
+            <p:sp>
+              <p:nvSpPr>
+                <p:cNvPr id="36" name="직사각형 35"/>
+                <p:cNvSpPr/>
+                <p:nvPr/>
+              </p:nvSpPr>
+              <p:spPr>
+                <a:xfrm>
+                  <a:off x="975946" y="1292469"/>
+                  <a:ext cx="659423" cy="237393"/>
+                </a:xfrm>
+                <a:prstGeom prst="rect">
+                  <a:avLst/>
+                </a:prstGeom>
+              </p:spPr>
+              <p:style>
+                <a:lnRef idx="2">
+                  <a:schemeClr val="accent1">
+                    <a:shade val="50000"/>
+                  </a:schemeClr>
+                </a:lnRef>
+                <a:fillRef idx="1">
+                  <a:schemeClr val="accent1"/>
+                </a:fillRef>
+                <a:effectRef idx="0">
+                  <a:schemeClr val="accent1"/>
+                </a:effectRef>
+                <a:fontRef idx="minor">
+                  <a:schemeClr val="lt1"/>
+                </a:fontRef>
+              </p:style>
+              <p:txBody>
+                <a:bodyPr rtlCol="0" anchor="ctr"/>
+                <a:lstStyle/>
+                <a:p>
+                  <a:pPr algn="ctr"/>
+                  <a:endParaRPr lang="ko-KR" altLang="en-US"/>
+                </a:p>
+              </p:txBody>
+            </p:sp>
+            <p:sp>
+              <p:nvSpPr>
+                <p:cNvPr id="37" name="직사각형 36"/>
+                <p:cNvSpPr/>
+                <p:nvPr/>
+              </p:nvSpPr>
+              <p:spPr>
+                <a:xfrm>
+                  <a:off x="975945" y="1529862"/>
+                  <a:ext cx="659423" cy="536330"/>
+                </a:xfrm>
+                <a:prstGeom prst="rect">
+                  <a:avLst/>
+                </a:prstGeom>
+                <a:noFill/>
+              </p:spPr>
+              <p:style>
+                <a:lnRef idx="2">
+                  <a:schemeClr val="accent1">
+                    <a:shade val="50000"/>
+                  </a:schemeClr>
+                </a:lnRef>
+                <a:fillRef idx="1">
+                  <a:schemeClr val="accent1"/>
+                </a:fillRef>
+                <a:effectRef idx="0">
+                  <a:schemeClr val="accent1"/>
+                </a:effectRef>
+                <a:fontRef idx="minor">
+                  <a:schemeClr val="lt1"/>
+                </a:fontRef>
+              </p:style>
+              <p:txBody>
+                <a:bodyPr rtlCol="0" anchor="ctr"/>
+                <a:lstStyle/>
+                <a:p>
+                  <a:pPr algn="ctr"/>
+                  <a:endParaRPr lang="ko-KR" altLang="en-US"/>
+                </a:p>
+              </p:txBody>
+            </p:sp>
+          </p:grpSp>
+          <p:grpSp>
+            <p:nvGrpSpPr>
+              <p:cNvPr id="38" name="그룹 37"/>
+              <p:cNvGrpSpPr/>
+              <p:nvPr/>
+            </p:nvGrpSpPr>
+            <p:grpSpPr>
+              <a:xfrm>
+                <a:off x="8223733" y="2176096"/>
+                <a:ext cx="659424" cy="773723"/>
+                <a:chOff x="975945" y="1292469"/>
+                <a:chExt cx="659424" cy="773723"/>
+              </a:xfrm>
+            </p:grpSpPr>
+            <p:sp>
+              <p:nvSpPr>
+                <p:cNvPr id="39" name="직사각형 38"/>
+                <p:cNvSpPr/>
+                <p:nvPr/>
+              </p:nvSpPr>
+              <p:spPr>
+                <a:xfrm>
+                  <a:off x="975946" y="1292469"/>
+                  <a:ext cx="659423" cy="237393"/>
+                </a:xfrm>
+                <a:prstGeom prst="rect">
+                  <a:avLst/>
+                </a:prstGeom>
+              </p:spPr>
+              <p:style>
+                <a:lnRef idx="2">
+                  <a:schemeClr val="accent1">
+                    <a:shade val="50000"/>
+                  </a:schemeClr>
+                </a:lnRef>
+                <a:fillRef idx="1">
+                  <a:schemeClr val="accent1"/>
+                </a:fillRef>
+                <a:effectRef idx="0">
+                  <a:schemeClr val="accent1"/>
+                </a:effectRef>
+                <a:fontRef idx="minor">
+                  <a:schemeClr val="lt1"/>
+                </a:fontRef>
+              </p:style>
+              <p:txBody>
+                <a:bodyPr rtlCol="0" anchor="ctr"/>
+                <a:lstStyle/>
+                <a:p>
+                  <a:pPr algn="ctr"/>
+                  <a:endParaRPr lang="ko-KR" altLang="en-US"/>
+                </a:p>
+              </p:txBody>
+            </p:sp>
+            <p:sp>
+              <p:nvSpPr>
+                <p:cNvPr id="40" name="직사각형 39"/>
+                <p:cNvSpPr/>
+                <p:nvPr/>
+              </p:nvSpPr>
+              <p:spPr>
+                <a:xfrm>
+                  <a:off x="975945" y="1529862"/>
+                  <a:ext cx="659423" cy="536330"/>
+                </a:xfrm>
+                <a:prstGeom prst="rect">
+                  <a:avLst/>
+                </a:prstGeom>
+                <a:noFill/>
+              </p:spPr>
+              <p:style>
+                <a:lnRef idx="2">
+                  <a:schemeClr val="accent1">
+                    <a:shade val="50000"/>
+                  </a:schemeClr>
+                </a:lnRef>
+                <a:fillRef idx="1">
+                  <a:schemeClr val="accent1"/>
+                </a:fillRef>
+                <a:effectRef idx="0">
+                  <a:schemeClr val="accent1"/>
+                </a:effectRef>
+                <a:fontRef idx="minor">
+                  <a:schemeClr val="lt1"/>
+                </a:fontRef>
+              </p:style>
+              <p:txBody>
+                <a:bodyPr rtlCol="0" anchor="ctr"/>
+                <a:lstStyle/>
+                <a:p>
+                  <a:pPr algn="ctr"/>
+                  <a:endParaRPr lang="ko-KR" altLang="en-US"/>
+                </a:p>
+              </p:txBody>
+            </p:sp>
+          </p:grpSp>
+          <p:grpSp>
+            <p:nvGrpSpPr>
+              <p:cNvPr id="41" name="그룹 40"/>
+              <p:cNvGrpSpPr/>
+              <p:nvPr/>
+            </p:nvGrpSpPr>
+            <p:grpSpPr>
+              <a:xfrm>
+                <a:off x="6474067" y="3187212"/>
+                <a:ext cx="659424" cy="773723"/>
+                <a:chOff x="975945" y="1292469"/>
+                <a:chExt cx="659424" cy="773723"/>
+              </a:xfrm>
+            </p:grpSpPr>
+            <p:sp>
+              <p:nvSpPr>
+                <p:cNvPr id="42" name="직사각형 41"/>
+                <p:cNvSpPr/>
+                <p:nvPr/>
+              </p:nvSpPr>
+              <p:spPr>
+                <a:xfrm>
+                  <a:off x="975946" y="1292469"/>
+                  <a:ext cx="659423" cy="237393"/>
+                </a:xfrm>
+                <a:prstGeom prst="rect">
+                  <a:avLst/>
+                </a:prstGeom>
+              </p:spPr>
+              <p:style>
+                <a:lnRef idx="2">
+                  <a:schemeClr val="accent1">
+                    <a:shade val="50000"/>
+                  </a:schemeClr>
+                </a:lnRef>
+                <a:fillRef idx="1">
+                  <a:schemeClr val="accent1"/>
+                </a:fillRef>
+                <a:effectRef idx="0">
+                  <a:schemeClr val="accent1"/>
+                </a:effectRef>
+                <a:fontRef idx="minor">
+                  <a:schemeClr val="lt1"/>
+                </a:fontRef>
+              </p:style>
+              <p:txBody>
+                <a:bodyPr rtlCol="0" anchor="ctr"/>
+                <a:lstStyle/>
+                <a:p>
+                  <a:pPr algn="ctr"/>
+                  <a:endParaRPr lang="ko-KR" altLang="en-US"/>
+                </a:p>
+              </p:txBody>
+            </p:sp>
+            <p:sp>
+              <p:nvSpPr>
+                <p:cNvPr id="43" name="직사각형 42"/>
+                <p:cNvSpPr/>
+                <p:nvPr/>
+              </p:nvSpPr>
+              <p:spPr>
+                <a:xfrm>
+                  <a:off x="975945" y="1529862"/>
+                  <a:ext cx="659423" cy="536330"/>
+                </a:xfrm>
+                <a:prstGeom prst="rect">
+                  <a:avLst/>
+                </a:prstGeom>
+                <a:noFill/>
+              </p:spPr>
+              <p:style>
+                <a:lnRef idx="2">
+                  <a:schemeClr val="accent1">
+                    <a:shade val="50000"/>
+                  </a:schemeClr>
+                </a:lnRef>
+                <a:fillRef idx="1">
+                  <a:schemeClr val="accent1"/>
+                </a:fillRef>
+                <a:effectRef idx="0">
+                  <a:schemeClr val="accent1"/>
+                </a:effectRef>
+                <a:fontRef idx="minor">
+                  <a:schemeClr val="lt1"/>
+                </a:fontRef>
+              </p:style>
+              <p:txBody>
+                <a:bodyPr rtlCol="0" anchor="ctr"/>
+                <a:lstStyle/>
+                <a:p>
+                  <a:pPr algn="ctr"/>
+                  <a:endParaRPr lang="ko-KR" altLang="en-US"/>
+                </a:p>
+              </p:txBody>
+            </p:sp>
+          </p:grpSp>
+          <p:grpSp>
+            <p:nvGrpSpPr>
+              <p:cNvPr id="44" name="그룹 43"/>
+              <p:cNvGrpSpPr/>
+              <p:nvPr/>
+            </p:nvGrpSpPr>
+            <p:grpSpPr>
+              <a:xfrm>
+                <a:off x="7356228" y="3187212"/>
+                <a:ext cx="659424" cy="773723"/>
+                <a:chOff x="975945" y="1292469"/>
+                <a:chExt cx="659424" cy="773723"/>
+              </a:xfrm>
+            </p:grpSpPr>
+            <p:sp>
+              <p:nvSpPr>
+                <p:cNvPr id="45" name="직사각형 44"/>
+                <p:cNvSpPr/>
+                <p:nvPr/>
+              </p:nvSpPr>
+              <p:spPr>
+                <a:xfrm>
+                  <a:off x="975946" y="1292469"/>
+                  <a:ext cx="659423" cy="237393"/>
+                </a:xfrm>
+                <a:prstGeom prst="rect">
+                  <a:avLst/>
+                </a:prstGeom>
+              </p:spPr>
+              <p:style>
+                <a:lnRef idx="2">
+                  <a:schemeClr val="accent1">
+                    <a:shade val="50000"/>
+                  </a:schemeClr>
+                </a:lnRef>
+                <a:fillRef idx="1">
+                  <a:schemeClr val="accent1"/>
+                </a:fillRef>
+                <a:effectRef idx="0">
+                  <a:schemeClr val="accent1"/>
+                </a:effectRef>
+                <a:fontRef idx="minor">
+                  <a:schemeClr val="lt1"/>
+                </a:fontRef>
+              </p:style>
+              <p:txBody>
+                <a:bodyPr rtlCol="0" anchor="ctr"/>
+                <a:lstStyle/>
+                <a:p>
+                  <a:pPr algn="ctr"/>
+                  <a:endParaRPr lang="ko-KR" altLang="en-US"/>
+                </a:p>
+              </p:txBody>
+            </p:sp>
+            <p:sp>
+              <p:nvSpPr>
+                <p:cNvPr id="46" name="직사각형 45"/>
+                <p:cNvSpPr/>
+                <p:nvPr/>
+              </p:nvSpPr>
+              <p:spPr>
+                <a:xfrm>
+                  <a:off x="975945" y="1529862"/>
+                  <a:ext cx="659423" cy="536330"/>
+                </a:xfrm>
+                <a:prstGeom prst="rect">
+                  <a:avLst/>
+                </a:prstGeom>
+                <a:noFill/>
+              </p:spPr>
+              <p:style>
+                <a:lnRef idx="2">
+                  <a:schemeClr val="accent1">
+                    <a:shade val="50000"/>
+                  </a:schemeClr>
+                </a:lnRef>
+                <a:fillRef idx="1">
+                  <a:schemeClr val="accent1"/>
+                </a:fillRef>
+                <a:effectRef idx="0">
+                  <a:schemeClr val="accent1"/>
+                </a:effectRef>
+                <a:fontRef idx="minor">
+                  <a:schemeClr val="lt1"/>
+                </a:fontRef>
+              </p:style>
+              <p:txBody>
+                <a:bodyPr rtlCol="0" anchor="ctr"/>
+                <a:lstStyle/>
+                <a:p>
+                  <a:pPr algn="ctr"/>
+                  <a:endParaRPr lang="ko-KR" altLang="en-US"/>
+                </a:p>
+              </p:txBody>
+            </p:sp>
+          </p:grpSp>
+          <p:grpSp>
+            <p:nvGrpSpPr>
+              <p:cNvPr id="47" name="그룹 46"/>
+              <p:cNvGrpSpPr/>
+              <p:nvPr/>
+            </p:nvGrpSpPr>
+            <p:grpSpPr>
+              <a:xfrm>
+                <a:off x="8223732" y="3165231"/>
+                <a:ext cx="659424" cy="773723"/>
+                <a:chOff x="975945" y="1292469"/>
+                <a:chExt cx="659424" cy="773723"/>
+              </a:xfrm>
+            </p:grpSpPr>
+            <p:sp>
+              <p:nvSpPr>
+                <p:cNvPr id="48" name="직사각형 47"/>
+                <p:cNvSpPr/>
+                <p:nvPr/>
+              </p:nvSpPr>
+              <p:spPr>
+                <a:xfrm>
+                  <a:off x="975946" y="1292469"/>
+                  <a:ext cx="659423" cy="237393"/>
+                </a:xfrm>
+                <a:prstGeom prst="rect">
+                  <a:avLst/>
+                </a:prstGeom>
+              </p:spPr>
+              <p:style>
+                <a:lnRef idx="2">
+                  <a:schemeClr val="accent1">
+                    <a:shade val="50000"/>
+                  </a:schemeClr>
+                </a:lnRef>
+                <a:fillRef idx="1">
+                  <a:schemeClr val="accent1"/>
+                </a:fillRef>
+                <a:effectRef idx="0">
+                  <a:schemeClr val="accent1"/>
+                </a:effectRef>
+                <a:fontRef idx="minor">
+                  <a:schemeClr val="lt1"/>
+                </a:fontRef>
+              </p:style>
+              <p:txBody>
+                <a:bodyPr rtlCol="0" anchor="ctr"/>
+                <a:lstStyle/>
+                <a:p>
+                  <a:pPr algn="ctr"/>
+                  <a:endParaRPr lang="ko-KR" altLang="en-US"/>
+                </a:p>
+              </p:txBody>
+            </p:sp>
+            <p:sp>
+              <p:nvSpPr>
+                <p:cNvPr id="49" name="직사각형 48"/>
+                <p:cNvSpPr/>
+                <p:nvPr/>
+              </p:nvSpPr>
+              <p:spPr>
+                <a:xfrm>
+                  <a:off x="975945" y="1529862"/>
+                  <a:ext cx="659423" cy="536330"/>
+                </a:xfrm>
+                <a:prstGeom prst="rect">
+                  <a:avLst/>
+                </a:prstGeom>
+                <a:noFill/>
+              </p:spPr>
+              <p:style>
+                <a:lnRef idx="2">
+                  <a:schemeClr val="accent1">
+                    <a:shade val="50000"/>
+                  </a:schemeClr>
+                </a:lnRef>
+                <a:fillRef idx="1">
+                  <a:schemeClr val="accent1"/>
+                </a:fillRef>
+                <a:effectRef idx="0">
+                  <a:schemeClr val="accent1"/>
+                </a:effectRef>
+                <a:fontRef idx="minor">
+                  <a:schemeClr val="lt1"/>
+                </a:fontRef>
+              </p:style>
+              <p:txBody>
+                <a:bodyPr rtlCol="0" anchor="ctr"/>
+                <a:lstStyle/>
+                <a:p>
+                  <a:pPr algn="ctr"/>
+                  <a:endParaRPr lang="ko-KR" altLang="en-US"/>
+                </a:p>
+              </p:txBody>
+            </p:sp>
+          </p:grpSp>
+          <p:grpSp>
+            <p:nvGrpSpPr>
+              <p:cNvPr id="50" name="그룹 49"/>
+              <p:cNvGrpSpPr/>
+              <p:nvPr/>
+            </p:nvGrpSpPr>
+            <p:grpSpPr>
+              <a:xfrm>
+                <a:off x="6474067" y="4198328"/>
+                <a:ext cx="659424" cy="773723"/>
+                <a:chOff x="975945" y="1292469"/>
+                <a:chExt cx="659424" cy="773723"/>
+              </a:xfrm>
+            </p:grpSpPr>
+            <p:sp>
+              <p:nvSpPr>
+                <p:cNvPr id="51" name="직사각형 50"/>
+                <p:cNvSpPr/>
+                <p:nvPr/>
+              </p:nvSpPr>
+              <p:spPr>
+                <a:xfrm>
+                  <a:off x="975946" y="1292469"/>
+                  <a:ext cx="659423" cy="237393"/>
+                </a:xfrm>
+                <a:prstGeom prst="rect">
+                  <a:avLst/>
+                </a:prstGeom>
+              </p:spPr>
+              <p:style>
+                <a:lnRef idx="2">
+                  <a:schemeClr val="accent1">
+                    <a:shade val="50000"/>
+                  </a:schemeClr>
+                </a:lnRef>
+                <a:fillRef idx="1">
+                  <a:schemeClr val="accent1"/>
+                </a:fillRef>
+                <a:effectRef idx="0">
+                  <a:schemeClr val="accent1"/>
+                </a:effectRef>
+                <a:fontRef idx="minor">
+                  <a:schemeClr val="lt1"/>
+                </a:fontRef>
+              </p:style>
+              <p:txBody>
+                <a:bodyPr rtlCol="0" anchor="ctr"/>
+                <a:lstStyle/>
+                <a:p>
+                  <a:pPr algn="ctr"/>
+                  <a:endParaRPr lang="ko-KR" altLang="en-US"/>
+                </a:p>
+              </p:txBody>
+            </p:sp>
+            <p:sp>
+              <p:nvSpPr>
+                <p:cNvPr id="52" name="직사각형 51"/>
+                <p:cNvSpPr/>
+                <p:nvPr/>
+              </p:nvSpPr>
+              <p:spPr>
+                <a:xfrm>
+                  <a:off x="975945" y="1529862"/>
+                  <a:ext cx="659423" cy="536330"/>
+                </a:xfrm>
+                <a:prstGeom prst="rect">
+                  <a:avLst/>
+                </a:prstGeom>
+                <a:noFill/>
+              </p:spPr>
+              <p:style>
+                <a:lnRef idx="2">
+                  <a:schemeClr val="accent1">
+                    <a:shade val="50000"/>
+                  </a:schemeClr>
+                </a:lnRef>
+                <a:fillRef idx="1">
+                  <a:schemeClr val="accent1"/>
+                </a:fillRef>
+                <a:effectRef idx="0">
+                  <a:schemeClr val="accent1"/>
+                </a:effectRef>
+                <a:fontRef idx="minor">
+                  <a:schemeClr val="lt1"/>
+                </a:fontRef>
+              </p:style>
+              <p:txBody>
+                <a:bodyPr rtlCol="0" anchor="ctr"/>
+                <a:lstStyle/>
+                <a:p>
+                  <a:pPr algn="ctr"/>
+                  <a:endParaRPr lang="ko-KR" altLang="en-US"/>
+                </a:p>
+              </p:txBody>
+            </p:sp>
+          </p:grpSp>
+          <p:grpSp>
+            <p:nvGrpSpPr>
+              <p:cNvPr id="53" name="그룹 52"/>
+              <p:cNvGrpSpPr/>
+              <p:nvPr/>
+            </p:nvGrpSpPr>
+            <p:grpSpPr>
+              <a:xfrm>
+                <a:off x="7356228" y="4198328"/>
+                <a:ext cx="659424" cy="773723"/>
+                <a:chOff x="975945" y="1292469"/>
+                <a:chExt cx="659424" cy="773723"/>
+              </a:xfrm>
+            </p:grpSpPr>
+            <p:sp>
+              <p:nvSpPr>
+                <p:cNvPr id="54" name="직사각형 53"/>
+                <p:cNvSpPr/>
+                <p:nvPr/>
+              </p:nvSpPr>
+              <p:spPr>
+                <a:xfrm>
+                  <a:off x="975946" y="1292469"/>
+                  <a:ext cx="659423" cy="237393"/>
+                </a:xfrm>
+                <a:prstGeom prst="rect">
+                  <a:avLst/>
+                </a:prstGeom>
+              </p:spPr>
+              <p:style>
+                <a:lnRef idx="2">
+                  <a:schemeClr val="accent1">
+                    <a:shade val="50000"/>
+                  </a:schemeClr>
+                </a:lnRef>
+                <a:fillRef idx="1">
+                  <a:schemeClr val="accent1"/>
+                </a:fillRef>
+                <a:effectRef idx="0">
+                  <a:schemeClr val="accent1"/>
+                </a:effectRef>
+                <a:fontRef idx="minor">
+                  <a:schemeClr val="lt1"/>
+                </a:fontRef>
+              </p:style>
+              <p:txBody>
+                <a:bodyPr rtlCol="0" anchor="ctr"/>
+                <a:lstStyle/>
+                <a:p>
+                  <a:pPr algn="ctr"/>
+                  <a:endParaRPr lang="ko-KR" altLang="en-US"/>
+                </a:p>
+              </p:txBody>
+            </p:sp>
+            <p:sp>
+              <p:nvSpPr>
+                <p:cNvPr id="55" name="직사각형 54"/>
+                <p:cNvSpPr/>
+                <p:nvPr/>
+              </p:nvSpPr>
+              <p:spPr>
+                <a:xfrm>
+                  <a:off x="975945" y="1529862"/>
+                  <a:ext cx="659423" cy="536330"/>
+                </a:xfrm>
+                <a:prstGeom prst="rect">
+                  <a:avLst/>
+                </a:prstGeom>
+                <a:noFill/>
+              </p:spPr>
+              <p:style>
+                <a:lnRef idx="2">
+                  <a:schemeClr val="accent1">
+                    <a:shade val="50000"/>
+                  </a:schemeClr>
+                </a:lnRef>
+                <a:fillRef idx="1">
+                  <a:schemeClr val="accent1"/>
+                </a:fillRef>
+                <a:effectRef idx="0">
+                  <a:schemeClr val="accent1"/>
+                </a:effectRef>
+                <a:fontRef idx="minor">
+                  <a:schemeClr val="lt1"/>
+                </a:fontRef>
+              </p:style>
+              <p:txBody>
+                <a:bodyPr rtlCol="0" anchor="ctr"/>
+                <a:lstStyle/>
+                <a:p>
+                  <a:pPr algn="ctr"/>
+                  <a:endParaRPr lang="ko-KR" altLang="en-US"/>
+                </a:p>
+              </p:txBody>
+            </p:sp>
+          </p:grpSp>
+          <p:grpSp>
+            <p:nvGrpSpPr>
+              <p:cNvPr id="56" name="그룹 55"/>
+              <p:cNvGrpSpPr/>
+              <p:nvPr/>
+            </p:nvGrpSpPr>
+            <p:grpSpPr>
+              <a:xfrm>
+                <a:off x="8223732" y="4176347"/>
+                <a:ext cx="659424" cy="773723"/>
+                <a:chOff x="975945" y="1292469"/>
+                <a:chExt cx="659424" cy="773723"/>
+              </a:xfrm>
+            </p:grpSpPr>
+            <p:sp>
+              <p:nvSpPr>
+                <p:cNvPr id="57" name="직사각형 56"/>
+                <p:cNvSpPr/>
+                <p:nvPr/>
+              </p:nvSpPr>
+              <p:spPr>
+                <a:xfrm>
+                  <a:off x="975946" y="1292469"/>
+                  <a:ext cx="659423" cy="237393"/>
+                </a:xfrm>
+                <a:prstGeom prst="rect">
+                  <a:avLst/>
+                </a:prstGeom>
+              </p:spPr>
+              <p:style>
+                <a:lnRef idx="2">
+                  <a:schemeClr val="accent1">
+                    <a:shade val="50000"/>
+                  </a:schemeClr>
+                </a:lnRef>
+                <a:fillRef idx="1">
+                  <a:schemeClr val="accent1"/>
+                </a:fillRef>
+                <a:effectRef idx="0">
+                  <a:schemeClr val="accent1"/>
+                </a:effectRef>
+                <a:fontRef idx="minor">
+                  <a:schemeClr val="lt1"/>
+                </a:fontRef>
+              </p:style>
+              <p:txBody>
+                <a:bodyPr rtlCol="0" anchor="ctr"/>
+                <a:lstStyle/>
+                <a:p>
+                  <a:pPr algn="ctr"/>
+                  <a:endParaRPr lang="ko-KR" altLang="en-US"/>
+                </a:p>
+              </p:txBody>
+            </p:sp>
+            <p:sp>
+              <p:nvSpPr>
+                <p:cNvPr id="58" name="직사각형 57"/>
+                <p:cNvSpPr/>
+                <p:nvPr/>
+              </p:nvSpPr>
+              <p:spPr>
+                <a:xfrm>
+                  <a:off x="975945" y="1529862"/>
+                  <a:ext cx="659423" cy="536330"/>
+                </a:xfrm>
+                <a:prstGeom prst="rect">
+                  <a:avLst/>
+                </a:prstGeom>
+                <a:noFill/>
+              </p:spPr>
+              <p:style>
+                <a:lnRef idx="2">
+                  <a:schemeClr val="accent1">
+                    <a:shade val="50000"/>
+                  </a:schemeClr>
+                </a:lnRef>
+                <a:fillRef idx="1">
+                  <a:schemeClr val="accent1"/>
+                </a:fillRef>
+                <a:effectRef idx="0">
+                  <a:schemeClr val="accent1"/>
+                </a:effectRef>
+                <a:fontRef idx="minor">
+                  <a:schemeClr val="lt1"/>
+                </a:fontRef>
+              </p:style>
+              <p:txBody>
+                <a:bodyPr rtlCol="0" anchor="ctr"/>
+                <a:lstStyle/>
+                <a:p>
+                  <a:pPr algn="ctr"/>
+                  <a:endParaRPr lang="ko-KR" altLang="en-US"/>
+                </a:p>
+              </p:txBody>
+            </p:sp>
+          </p:grpSp>
+        </p:grpSp>
+        <p:sp>
+          <p:nvSpPr>
+            <p:cNvPr id="59" name="TextBox 58"/>
+            <p:cNvSpPr txBox="1"/>
+            <p:nvPr/>
+          </p:nvSpPr>
+          <p:spPr>
+            <a:xfrm>
+              <a:off x="2184889" y="1397978"/>
+              <a:ext cx="2294787" cy="369332"/>
+            </a:xfrm>
+            <a:prstGeom prst="rect">
+              <a:avLst/>
+            </a:prstGeom>
+            <a:noFill/>
+          </p:spPr>
+          <p:txBody>
+            <a:bodyPr wrap="square" rtlCol="0">
+              <a:spAutoFit/>
+            </a:bodyPr>
+            <a:lstStyle/>
+            <a:p>
+              <a:pPr algn="ctr"/>
+              <a:r>
+                <a:rPr lang="en-US" altLang="ko-KR" dirty="0" err="1" smtClean="0"/>
+                <a:t>facet_grid</a:t>
+              </a:r>
+              <a:r>
+                <a:rPr lang="en-US" altLang="ko-KR" dirty="0" smtClean="0"/>
+                <a:t>(A~B…)</a:t>
+              </a:r>
+              <a:endParaRPr lang="ko-KR" altLang="en-US" dirty="0"/>
+            </a:p>
+          </p:txBody>
+        </p:sp>
+        <p:sp>
+          <p:nvSpPr>
+            <p:cNvPr id="60" name="TextBox 59"/>
+            <p:cNvSpPr txBox="1"/>
+            <p:nvPr/>
+          </p:nvSpPr>
+          <p:spPr>
+            <a:xfrm>
+              <a:off x="5524502" y="1441913"/>
+              <a:ext cx="2294787" cy="369332"/>
+            </a:xfrm>
+            <a:prstGeom prst="rect">
+              <a:avLst/>
+            </a:prstGeom>
+            <a:noFill/>
+          </p:spPr>
+          <p:txBody>
+            <a:bodyPr wrap="square" rtlCol="0">
+              <a:spAutoFit/>
+            </a:bodyPr>
+            <a:lstStyle/>
+            <a:p>
+              <a:pPr algn="ctr"/>
+              <a:r>
+                <a:rPr lang="en-US" altLang="ko-KR" dirty="0" err="1" smtClean="0"/>
+                <a:t>facet_wrap</a:t>
+              </a:r>
+              <a:r>
+                <a:rPr lang="en-US" altLang="ko-KR" dirty="0" smtClean="0"/>
+                <a:t>(~A...)</a:t>
+              </a:r>
+              <a:endParaRPr lang="ko-KR" altLang="en-US" dirty="0"/>
+            </a:p>
+          </p:txBody>
+        </p:sp>
+        <p:sp>
+          <p:nvSpPr>
+            <p:cNvPr id="63" name="오른쪽 화살표 62"/>
+            <p:cNvSpPr/>
+            <p:nvPr/>
+          </p:nvSpPr>
+          <p:spPr>
+            <a:xfrm>
+              <a:off x="2127737" y="1701310"/>
+              <a:ext cx="2409088" cy="391259"/>
+            </a:xfrm>
+            <a:prstGeom prst="rightArrow">
+              <a:avLst/>
+            </a:prstGeom>
+          </p:spPr>
+          <p:style>
+            <a:lnRef idx="2">
+              <a:schemeClr val="accent1">
+                <a:shade val="50000"/>
+              </a:schemeClr>
+            </a:lnRef>
+            <a:fillRef idx="1">
+              <a:schemeClr val="accent1"/>
+            </a:fillRef>
+            <a:effectRef idx="0">
+              <a:schemeClr val="accent1"/>
+            </a:effectRef>
+            <a:fontRef idx="minor">
+              <a:schemeClr val="lt1"/>
+            </a:fontRef>
+          </p:style>
+          <p:txBody>
+            <a:bodyPr rtlCol="0" anchor="ctr"/>
+            <a:lstStyle/>
+            <a:p>
+              <a:pPr algn="ctr"/>
+              <a:r>
+                <a:rPr lang="en-US" altLang="ko-KR" dirty="0" smtClean="0"/>
+                <a:t>B</a:t>
+              </a:r>
+              <a:endParaRPr lang="ko-KR" altLang="en-US" dirty="0"/>
+            </a:p>
+          </p:txBody>
+        </p:sp>
+        <p:sp>
+          <p:nvSpPr>
+            <p:cNvPr id="64" name="아래쪽 화살표 63"/>
+            <p:cNvSpPr/>
+            <p:nvPr/>
+          </p:nvSpPr>
+          <p:spPr>
+            <a:xfrm>
+              <a:off x="1572356" y="2198077"/>
+              <a:ext cx="444012" cy="2751993"/>
+            </a:xfrm>
+            <a:prstGeom prst="downArrow">
+              <a:avLst/>
+            </a:prstGeom>
+          </p:spPr>
+          <p:style>
+            <a:lnRef idx="2">
+              <a:schemeClr val="accent1">
+                <a:shade val="50000"/>
+              </a:schemeClr>
+            </a:lnRef>
+            <a:fillRef idx="1">
+              <a:schemeClr val="accent1"/>
+            </a:fillRef>
+            <a:effectRef idx="0">
+              <a:schemeClr val="accent1"/>
+            </a:effectRef>
+            <a:fontRef idx="minor">
+              <a:schemeClr val="lt1"/>
+            </a:fontRef>
+          </p:style>
+          <p:txBody>
+            <a:bodyPr rtlCol="0" anchor="ctr"/>
+            <a:lstStyle/>
+            <a:p>
+              <a:pPr algn="ctr"/>
+              <a:r>
+                <a:rPr lang="en-US" altLang="ko-KR" dirty="0" smtClean="0"/>
+                <a:t>A</a:t>
+              </a:r>
+              <a:endParaRPr lang="ko-KR" altLang="en-US" dirty="0"/>
+            </a:p>
+          </p:txBody>
+        </p:sp>
+        <p:cxnSp>
+          <p:nvCxnSpPr>
+            <p:cNvPr id="66" name="직선 화살표 연결선 65"/>
+            <p:cNvCxnSpPr/>
+            <p:nvPr/>
+          </p:nvCxnSpPr>
+          <p:spPr>
+            <a:xfrm>
+              <a:off x="5250472" y="2681650"/>
+              <a:ext cx="2857500" cy="0"/>
+            </a:xfrm>
+            <a:prstGeom prst="straightConnector1">
+              <a:avLst/>
+            </a:prstGeom>
+            <a:ln>
+              <a:tailEnd type="triangle"/>
+            </a:ln>
+          </p:spPr>
+          <p:style>
+            <a:lnRef idx="1">
+              <a:schemeClr val="accent1"/>
+            </a:lnRef>
+            <a:fillRef idx="0">
+              <a:schemeClr val="accent1"/>
+            </a:fillRef>
+            <a:effectRef idx="0">
+              <a:schemeClr val="accent1"/>
+            </a:effectRef>
+            <a:fontRef idx="minor">
+              <a:schemeClr val="tx1"/>
+            </a:fontRef>
+          </p:style>
+        </p:cxnSp>
+        <p:cxnSp>
+          <p:nvCxnSpPr>
+            <p:cNvPr id="67" name="직선 화살표 연결선 66"/>
+            <p:cNvCxnSpPr/>
+            <p:nvPr/>
+          </p:nvCxnSpPr>
+          <p:spPr>
+            <a:xfrm>
+              <a:off x="5250472" y="3664927"/>
+              <a:ext cx="2857500" cy="0"/>
+            </a:xfrm>
+            <a:prstGeom prst="straightConnector1">
+              <a:avLst/>
+            </a:prstGeom>
+            <a:ln>
+              <a:tailEnd type="triangle"/>
+            </a:ln>
+          </p:spPr>
+          <p:style>
+            <a:lnRef idx="1">
+              <a:schemeClr val="accent1"/>
+            </a:lnRef>
+            <a:fillRef idx="0">
+              <a:schemeClr val="accent1"/>
+            </a:fillRef>
+            <a:effectRef idx="0">
+              <a:schemeClr val="accent1"/>
+            </a:effectRef>
+            <a:fontRef idx="minor">
+              <a:schemeClr val="tx1"/>
+            </a:fontRef>
+          </p:style>
+        </p:cxnSp>
+        <p:cxnSp>
+          <p:nvCxnSpPr>
+            <p:cNvPr id="68" name="직선 화살표 연결선 67"/>
+            <p:cNvCxnSpPr/>
+            <p:nvPr/>
+          </p:nvCxnSpPr>
+          <p:spPr>
+            <a:xfrm>
+              <a:off x="5250472" y="4681905"/>
+              <a:ext cx="2857500" cy="0"/>
+            </a:xfrm>
+            <a:prstGeom prst="straightConnector1">
+              <a:avLst/>
+            </a:prstGeom>
+            <a:ln>
+              <a:tailEnd type="triangle"/>
+            </a:ln>
+          </p:spPr>
+          <p:style>
+            <a:lnRef idx="1">
+              <a:schemeClr val="accent1"/>
+            </a:lnRef>
+            <a:fillRef idx="0">
+              <a:schemeClr val="accent1"/>
+            </a:fillRef>
+            <a:effectRef idx="0">
+              <a:schemeClr val="accent1"/>
+            </a:effectRef>
+            <a:fontRef idx="minor">
+              <a:schemeClr val="tx1"/>
+            </a:fontRef>
+          </p:style>
+        </p:cxnSp>
+        <p:cxnSp>
+          <p:nvCxnSpPr>
+            <p:cNvPr id="70" name="직선 화살표 연결선 69"/>
+            <p:cNvCxnSpPr/>
+            <p:nvPr/>
+          </p:nvCxnSpPr>
+          <p:spPr>
+            <a:xfrm flipH="1">
+              <a:off x="5250472" y="2681650"/>
+              <a:ext cx="2857500" cy="983277"/>
+            </a:xfrm>
+            <a:prstGeom prst="straightConnector1">
+              <a:avLst/>
+            </a:prstGeom>
+            <a:ln>
+              <a:tailEnd type="triangle"/>
+            </a:ln>
+          </p:spPr>
+          <p:style>
+            <a:lnRef idx="1">
+              <a:schemeClr val="accent1"/>
+            </a:lnRef>
+            <a:fillRef idx="0">
+              <a:schemeClr val="accent1"/>
+            </a:fillRef>
+            <a:effectRef idx="0">
+              <a:schemeClr val="accent1"/>
+            </a:effectRef>
+            <a:fontRef idx="minor">
+              <a:schemeClr val="tx1"/>
+            </a:fontRef>
+          </p:style>
+        </p:cxnSp>
+        <p:cxnSp>
+          <p:nvCxnSpPr>
+            <p:cNvPr id="71" name="직선 화살표 연결선 70"/>
+            <p:cNvCxnSpPr/>
+            <p:nvPr/>
+          </p:nvCxnSpPr>
+          <p:spPr>
+            <a:xfrm flipH="1">
+              <a:off x="5243145" y="3688376"/>
+              <a:ext cx="2857500" cy="983277"/>
+            </a:xfrm>
+            <a:prstGeom prst="straightConnector1">
+              <a:avLst/>
+            </a:prstGeom>
+            <a:ln>
+              <a:tailEnd type="triangle"/>
+            </a:ln>
+          </p:spPr>
+          <p:style>
+            <a:lnRef idx="1">
+              <a:schemeClr val="accent1"/>
+            </a:lnRef>
+            <a:fillRef idx="0">
+              <a:schemeClr val="accent1"/>
+            </a:fillRef>
+            <a:effectRef idx="0">
+              <a:schemeClr val="accent1"/>
+            </a:effectRef>
+            <a:fontRef idx="minor">
+              <a:schemeClr val="tx1"/>
+            </a:fontRef>
+          </p:style>
+        </p:cxnSp>
+      </p:grpSp>
+    </p:spTree>
+    <p:extLst>
+      <p:ext uri="{BB962C8B-B14F-4D97-AF65-F5344CB8AC3E}">
+        <p14:creationId xmlns:p14="http://schemas.microsoft.com/office/powerpoint/2010/main" val="2334398230"/>
+      </p:ext>
+    </p:extLst>
+  </p:cSld>
+  <p:clrMapOvr>
+    <a:masterClrMapping/>
+  </p:clrMapOvr>
+</p:sld>
+</file>
+
+<file path=ppt/slides/slide7.xml><?xml version="1.0" encoding="utf-8"?>
+<p:sld xmlns:a="http://schemas.openxmlformats.org/drawingml/2006/main" xmlns:r="http://schemas.openxmlformats.org/officeDocument/2006/relationships" xmlns:p="http://schemas.openxmlformats.org/presentationml/2006/main">
+  <p:cSld>
+    <p:spTree>
+      <p:nvGrpSpPr>
+        <p:cNvPr id="1" name=""/>
+        <p:cNvGrpSpPr/>
+        <p:nvPr/>
+      </p:nvGrpSpPr>
+      <p:grpSpPr>
+        <a:xfrm>
+          <a:off x="0" y="0"/>
+          <a:ext cx="0" cy="0"/>
+          <a:chOff x="0" y="0"/>
+          <a:chExt cx="0" cy="0"/>
+        </a:xfrm>
+      </p:grpSpPr>
+      <p:grpSp>
+        <p:nvGrpSpPr>
+          <p:cNvPr id="61" name="그룹 60"/>
+          <p:cNvGrpSpPr/>
+          <p:nvPr/>
+        </p:nvGrpSpPr>
+        <p:grpSpPr>
+          <a:xfrm>
+            <a:off x="1216266" y="1079332"/>
+            <a:ext cx="8868514" cy="4623419"/>
+            <a:chOff x="1216266" y="1079332"/>
+            <a:chExt cx="8868514" cy="4623419"/>
+          </a:xfrm>
+        </p:grpSpPr>
+        <p:pic>
+          <p:nvPicPr>
+            <p:cNvPr id="5" name="그림 4"/>
+            <p:cNvPicPr>
+              <a:picLocks noChangeAspect="1"/>
+            </p:cNvPicPr>
+            <p:nvPr/>
+          </p:nvPicPr>
+          <p:blipFill>
+            <a:blip r:embed="rId2"/>
+            <a:stretch>
+              <a:fillRect/>
+            </a:stretch>
+          </p:blipFill>
+          <p:spPr>
+            <a:xfrm>
+              <a:off x="2358697" y="1454658"/>
+              <a:ext cx="6454699" cy="4054191"/>
+            </a:xfrm>
+            <a:prstGeom prst="rect">
+              <a:avLst/>
+            </a:prstGeom>
+          </p:spPr>
+        </p:pic>
+        <p:sp>
+          <p:nvSpPr>
+            <p:cNvPr id="6" name="직사각형 5"/>
+            <p:cNvSpPr/>
+            <p:nvPr/>
+          </p:nvSpPr>
+          <p:spPr>
+            <a:xfrm>
+              <a:off x="2708031" y="1454659"/>
+              <a:ext cx="1415561" cy="189504"/>
+            </a:xfrm>
+            <a:prstGeom prst="rect">
+              <a:avLst/>
+            </a:prstGeom>
+            <a:noFill/>
+            <a:ln w="19050">
+              <a:solidFill>
+                <a:srgbClr val="FF0000"/>
+              </a:solidFill>
+            </a:ln>
+          </p:spPr>
+          <p:style>
+            <a:lnRef idx="2">
+              <a:schemeClr val="accent1">
+                <a:shade val="50000"/>
+              </a:schemeClr>
+            </a:lnRef>
+            <a:fillRef idx="1">
+              <a:schemeClr val="accent1"/>
+            </a:fillRef>
+            <a:effectRef idx="0">
+              <a:schemeClr val="accent1"/>
+            </a:effectRef>
+            <a:fontRef idx="minor">
+              <a:schemeClr val="lt1"/>
+            </a:fontRef>
+          </p:style>
+          <p:txBody>
+            <a:bodyPr rtlCol="0" anchor="ctr"/>
+            <a:lstStyle/>
+            <a:p>
+              <a:pPr algn="ctr"/>
+              <a:endParaRPr lang="ko-KR" altLang="en-US"/>
+            </a:p>
+          </p:txBody>
+        </p:sp>
+        <p:sp>
+          <p:nvSpPr>
+            <p:cNvPr id="7" name="TextBox 6"/>
+            <p:cNvSpPr txBox="1"/>
+            <p:nvPr/>
+          </p:nvSpPr>
+          <p:spPr>
+            <a:xfrm>
+              <a:off x="4255478" y="1081450"/>
+              <a:ext cx="852853" cy="307777"/>
+            </a:xfrm>
+            <a:prstGeom prst="rect">
+              <a:avLst/>
+            </a:prstGeom>
+            <a:noFill/>
+          </p:spPr>
+          <p:txBody>
+            <a:bodyPr wrap="square" rtlCol="0">
+              <a:spAutoFit/>
+            </a:bodyPr>
+            <a:lstStyle/>
+            <a:p>
+              <a:r>
+                <a:rPr lang="en-US" altLang="ko-KR" sz="1400" dirty="0" err="1" smtClean="0"/>
+                <a:t>plot.title</a:t>
+              </a:r>
+              <a:endParaRPr lang="ko-KR" altLang="en-US" sz="1400" dirty="0"/>
+            </a:p>
+          </p:txBody>
+        </p:sp>
+        <p:cxnSp>
+          <p:nvCxnSpPr>
+            <p:cNvPr id="9" name="꺾인 연결선 8"/>
+            <p:cNvCxnSpPr>
+              <a:stCxn id="6" idx="0"/>
+              <a:endCxn id="7" idx="1"/>
+            </p:cNvCxnSpPr>
+            <p:nvPr/>
+          </p:nvCxnSpPr>
+          <p:spPr>
+            <a:xfrm rot="5400000" flipH="1" flipV="1">
+              <a:off x="3725985" y="925166"/>
+              <a:ext cx="219320" cy="839666"/>
+            </a:xfrm>
+            <a:prstGeom prst="bentConnector2">
+              <a:avLst/>
+            </a:prstGeom>
+            <a:ln>
+              <a:solidFill>
+                <a:srgbClr val="FF0000"/>
+              </a:solidFill>
+              <a:tailEnd type="triangle"/>
+            </a:ln>
+          </p:spPr>
+          <p:style>
+            <a:lnRef idx="1">
+              <a:schemeClr val="accent1"/>
+            </a:lnRef>
+            <a:fillRef idx="0">
+              <a:schemeClr val="accent1"/>
+            </a:fillRef>
+            <a:effectRef idx="0">
+              <a:schemeClr val="accent1"/>
+            </a:effectRef>
+            <a:fontRef idx="minor">
+              <a:schemeClr val="tx1"/>
+            </a:fontRef>
+          </p:style>
+        </p:cxnSp>
+        <p:sp>
+          <p:nvSpPr>
+            <p:cNvPr id="10" name="직사각형 9"/>
+            <p:cNvSpPr/>
+            <p:nvPr/>
+          </p:nvSpPr>
+          <p:spPr>
+            <a:xfrm>
+              <a:off x="2358697" y="3102745"/>
+              <a:ext cx="217449" cy="633985"/>
+            </a:xfrm>
+            <a:prstGeom prst="rect">
+              <a:avLst/>
+            </a:prstGeom>
+            <a:noFill/>
+            <a:ln w="19050">
+              <a:solidFill>
+                <a:srgbClr val="FF0000"/>
+              </a:solidFill>
+            </a:ln>
+          </p:spPr>
+          <p:style>
+            <a:lnRef idx="2">
+              <a:schemeClr val="accent1">
+                <a:shade val="50000"/>
+              </a:schemeClr>
+            </a:lnRef>
+            <a:fillRef idx="1">
+              <a:schemeClr val="accent1"/>
+            </a:fillRef>
+            <a:effectRef idx="0">
+              <a:schemeClr val="accent1"/>
+            </a:effectRef>
+            <a:fontRef idx="minor">
+              <a:schemeClr val="lt1"/>
+            </a:fontRef>
+          </p:style>
+          <p:txBody>
+            <a:bodyPr rtlCol="0" anchor="ctr"/>
+            <a:lstStyle/>
+            <a:p>
+              <a:pPr algn="ctr"/>
+              <a:endParaRPr lang="ko-KR" altLang="en-US"/>
+            </a:p>
+          </p:txBody>
+        </p:sp>
+        <p:sp>
+          <p:nvSpPr>
+            <p:cNvPr id="11" name="TextBox 10"/>
+            <p:cNvSpPr txBox="1"/>
+            <p:nvPr/>
+          </p:nvSpPr>
+          <p:spPr>
+            <a:xfrm>
+              <a:off x="1216268" y="3265848"/>
+              <a:ext cx="852853" cy="307777"/>
+            </a:xfrm>
+            <a:prstGeom prst="rect">
+              <a:avLst/>
+            </a:prstGeom>
+            <a:noFill/>
+          </p:spPr>
+          <p:txBody>
+            <a:bodyPr wrap="square" rtlCol="0">
+              <a:spAutoFit/>
+            </a:bodyPr>
+            <a:lstStyle/>
+            <a:p>
+              <a:pPr algn="ctr"/>
+              <a:r>
+                <a:rPr lang="en-US" altLang="ko-KR" sz="1400" dirty="0" err="1" smtClean="0"/>
+                <a:t>axis.title</a:t>
+              </a:r>
+              <a:endParaRPr lang="ko-KR" altLang="en-US" sz="1400" dirty="0"/>
+            </a:p>
+          </p:txBody>
+        </p:sp>
+        <p:cxnSp>
+          <p:nvCxnSpPr>
+            <p:cNvPr id="13" name="직선 화살표 연결선 12"/>
+            <p:cNvCxnSpPr>
+              <a:stCxn id="11" idx="3"/>
+              <a:endCxn id="10" idx="1"/>
+            </p:cNvCxnSpPr>
+            <p:nvPr/>
+          </p:nvCxnSpPr>
+          <p:spPr>
+            <a:xfrm>
+              <a:off x="2069121" y="3419737"/>
+              <a:ext cx="289576" cy="1"/>
+            </a:xfrm>
+            <a:prstGeom prst="straightConnector1">
+              <a:avLst/>
+            </a:prstGeom>
+            <a:ln>
+              <a:solidFill>
+                <a:srgbClr val="FF0000"/>
+              </a:solidFill>
+              <a:tailEnd type="triangle"/>
+            </a:ln>
+          </p:spPr>
+          <p:style>
+            <a:lnRef idx="1">
+              <a:schemeClr val="accent1"/>
+            </a:lnRef>
+            <a:fillRef idx="0">
+              <a:schemeClr val="accent1"/>
+            </a:fillRef>
+            <a:effectRef idx="0">
+              <a:schemeClr val="accent1"/>
+            </a:effectRef>
+            <a:fontRef idx="minor">
+              <a:schemeClr val="tx1"/>
+            </a:fontRef>
+          </p:style>
+        </p:cxnSp>
+        <p:sp>
+          <p:nvSpPr>
+            <p:cNvPr id="14" name="타원 13"/>
+            <p:cNvSpPr/>
+            <p:nvPr/>
+          </p:nvSpPr>
+          <p:spPr>
+            <a:xfrm>
+              <a:off x="2708031" y="4932484"/>
+              <a:ext cx="123092" cy="158261"/>
+            </a:xfrm>
+            <a:prstGeom prst="ellipse">
+              <a:avLst/>
+            </a:prstGeom>
+            <a:noFill/>
+            <a:ln w="19050">
+              <a:solidFill>
+                <a:srgbClr val="FF0000"/>
+              </a:solidFill>
+            </a:ln>
+          </p:spPr>
+          <p:style>
+            <a:lnRef idx="2">
+              <a:schemeClr val="accent1">
+                <a:shade val="50000"/>
+              </a:schemeClr>
+            </a:lnRef>
+            <a:fillRef idx="1">
+              <a:schemeClr val="accent1"/>
+            </a:fillRef>
+            <a:effectRef idx="0">
+              <a:schemeClr val="accent1"/>
+            </a:effectRef>
+            <a:fontRef idx="minor">
+              <a:schemeClr val="lt1"/>
+            </a:fontRef>
+          </p:style>
+          <p:txBody>
+            <a:bodyPr rtlCol="0" anchor="ctr"/>
+            <a:lstStyle/>
+            <a:p>
+              <a:pPr algn="ctr"/>
+              <a:endParaRPr lang="ko-KR" altLang="en-US"/>
+            </a:p>
+          </p:txBody>
+        </p:sp>
+        <p:sp>
+          <p:nvSpPr>
+            <p:cNvPr id="15" name="TextBox 14"/>
+            <p:cNvSpPr txBox="1"/>
+            <p:nvPr/>
+          </p:nvSpPr>
+          <p:spPr>
+            <a:xfrm>
+              <a:off x="1216267" y="4857725"/>
+              <a:ext cx="852853" cy="307777"/>
+            </a:xfrm>
+            <a:prstGeom prst="rect">
+              <a:avLst/>
+            </a:prstGeom>
+            <a:noFill/>
+          </p:spPr>
+          <p:txBody>
+            <a:bodyPr wrap="square" rtlCol="0">
+              <a:spAutoFit/>
+            </a:bodyPr>
+            <a:lstStyle/>
+            <a:p>
+              <a:pPr algn="ctr"/>
+              <a:r>
+                <a:rPr lang="en-US" altLang="ko-KR" sz="1400" dirty="0" err="1" smtClean="0"/>
+                <a:t>axis.tick</a:t>
+              </a:r>
+              <a:endParaRPr lang="ko-KR" altLang="en-US" sz="1400" dirty="0"/>
+            </a:p>
+          </p:txBody>
+        </p:sp>
+        <p:cxnSp>
+          <p:nvCxnSpPr>
+            <p:cNvPr id="17" name="직선 화살표 연결선 16"/>
+            <p:cNvCxnSpPr>
+              <a:stCxn id="15" idx="3"/>
+              <a:endCxn id="14" idx="2"/>
+            </p:cNvCxnSpPr>
+            <p:nvPr/>
+          </p:nvCxnSpPr>
+          <p:spPr>
+            <a:xfrm>
+              <a:off x="2069120" y="5011614"/>
+              <a:ext cx="638911" cy="1"/>
+            </a:xfrm>
+            <a:prstGeom prst="straightConnector1">
+              <a:avLst/>
+            </a:prstGeom>
+            <a:ln>
+              <a:solidFill>
+                <a:srgbClr val="FF0000"/>
+              </a:solidFill>
+              <a:tailEnd type="triangle"/>
+            </a:ln>
+          </p:spPr>
+          <p:style>
+            <a:lnRef idx="1">
+              <a:schemeClr val="accent1"/>
+            </a:lnRef>
+            <a:fillRef idx="0">
+              <a:schemeClr val="accent1"/>
+            </a:fillRef>
+            <a:effectRef idx="0">
+              <a:schemeClr val="accent1"/>
+            </a:effectRef>
+            <a:fontRef idx="minor">
+              <a:schemeClr val="tx1"/>
+            </a:fontRef>
+          </p:style>
+        </p:cxnSp>
+        <p:sp>
+          <p:nvSpPr>
+            <p:cNvPr id="18" name="타원 17"/>
+            <p:cNvSpPr/>
+            <p:nvPr/>
+          </p:nvSpPr>
+          <p:spPr>
+            <a:xfrm>
+              <a:off x="2574387" y="2549768"/>
+              <a:ext cx="177604" cy="178833"/>
+            </a:xfrm>
+            <a:prstGeom prst="ellipse">
+              <a:avLst/>
+            </a:prstGeom>
+            <a:noFill/>
+            <a:ln w="19050">
+              <a:solidFill>
+                <a:srgbClr val="FF0000"/>
+              </a:solidFill>
+            </a:ln>
+          </p:spPr>
+          <p:style>
+            <a:lnRef idx="2">
+              <a:schemeClr val="accent1">
+                <a:shade val="50000"/>
+              </a:schemeClr>
+            </a:lnRef>
+            <a:fillRef idx="1">
+              <a:schemeClr val="accent1"/>
+            </a:fillRef>
+            <a:effectRef idx="0">
+              <a:schemeClr val="accent1"/>
+            </a:effectRef>
+            <a:fontRef idx="minor">
+              <a:schemeClr val="lt1"/>
+            </a:fontRef>
+          </p:style>
+          <p:txBody>
+            <a:bodyPr rtlCol="0" anchor="ctr"/>
+            <a:lstStyle/>
+            <a:p>
+              <a:pPr algn="ctr"/>
+              <a:endParaRPr lang="ko-KR" altLang="en-US"/>
+            </a:p>
+          </p:txBody>
+        </p:sp>
+        <p:sp>
+          <p:nvSpPr>
+            <p:cNvPr id="19" name="TextBox 18"/>
+            <p:cNvSpPr txBox="1"/>
+            <p:nvPr/>
+          </p:nvSpPr>
+          <p:spPr>
+            <a:xfrm>
+              <a:off x="1219806" y="2485295"/>
+              <a:ext cx="852853" cy="307777"/>
+            </a:xfrm>
+            <a:prstGeom prst="rect">
+              <a:avLst/>
+            </a:prstGeom>
+            <a:noFill/>
+          </p:spPr>
+          <p:txBody>
+            <a:bodyPr wrap="square" rtlCol="0">
+              <a:spAutoFit/>
+            </a:bodyPr>
+            <a:lstStyle/>
+            <a:p>
+              <a:pPr algn="ctr"/>
+              <a:r>
+                <a:rPr lang="en-US" altLang="ko-KR" sz="1400" dirty="0" err="1" smtClean="0"/>
+                <a:t>axis.text</a:t>
+              </a:r>
+              <a:endParaRPr lang="ko-KR" altLang="en-US" sz="1400" dirty="0"/>
+            </a:p>
+          </p:txBody>
+        </p:sp>
+        <p:cxnSp>
+          <p:nvCxnSpPr>
+            <p:cNvPr id="22" name="직선 화살표 연결선 21"/>
+            <p:cNvCxnSpPr>
+              <a:stCxn id="19" idx="3"/>
+              <a:endCxn id="18" idx="2"/>
+            </p:cNvCxnSpPr>
+            <p:nvPr/>
+          </p:nvCxnSpPr>
+          <p:spPr>
+            <a:xfrm>
+              <a:off x="2072659" y="2639184"/>
+              <a:ext cx="501728" cy="1"/>
+            </a:xfrm>
+            <a:prstGeom prst="straightConnector1">
+              <a:avLst/>
+            </a:prstGeom>
+            <a:ln w="9525">
+              <a:solidFill>
+                <a:srgbClr val="FF0000"/>
+              </a:solidFill>
+              <a:tailEnd type="triangle"/>
+            </a:ln>
+          </p:spPr>
+          <p:style>
+            <a:lnRef idx="1">
+              <a:schemeClr val="accent1"/>
+            </a:lnRef>
+            <a:fillRef idx="0">
+              <a:schemeClr val="accent1"/>
+            </a:fillRef>
+            <a:effectRef idx="0">
+              <a:schemeClr val="accent1"/>
+            </a:effectRef>
+            <a:fontRef idx="minor">
+              <a:schemeClr val="tx1"/>
+            </a:fontRef>
+          </p:style>
+        </p:cxnSp>
+        <p:sp>
+          <p:nvSpPr>
+            <p:cNvPr id="24" name="직사각형 23"/>
+            <p:cNvSpPr/>
+            <p:nvPr/>
+          </p:nvSpPr>
+          <p:spPr>
+            <a:xfrm>
+              <a:off x="7968762" y="2615016"/>
+              <a:ext cx="410307" cy="177280"/>
+            </a:xfrm>
+            <a:prstGeom prst="rect">
+              <a:avLst/>
+            </a:prstGeom>
+            <a:noFill/>
+            <a:ln w="19050">
+              <a:solidFill>
+                <a:srgbClr val="FF0000"/>
+              </a:solidFill>
+            </a:ln>
+          </p:spPr>
+          <p:style>
+            <a:lnRef idx="2">
+              <a:schemeClr val="accent1">
+                <a:shade val="50000"/>
+              </a:schemeClr>
+            </a:lnRef>
+            <a:fillRef idx="1">
+              <a:schemeClr val="accent1"/>
+            </a:fillRef>
+            <a:effectRef idx="0">
+              <a:schemeClr val="accent1"/>
+            </a:effectRef>
+            <a:fontRef idx="minor">
+              <a:schemeClr val="lt1"/>
+            </a:fontRef>
+          </p:style>
+          <p:txBody>
+            <a:bodyPr rtlCol="0" anchor="ctr"/>
+            <a:lstStyle/>
+            <a:p>
+              <a:pPr algn="ctr"/>
+              <a:endParaRPr lang="ko-KR" altLang="en-US"/>
+            </a:p>
+          </p:txBody>
+        </p:sp>
+        <p:sp>
+          <p:nvSpPr>
+            <p:cNvPr id="25" name="TextBox 24"/>
+            <p:cNvSpPr txBox="1"/>
+            <p:nvPr/>
+          </p:nvSpPr>
+          <p:spPr>
+            <a:xfrm>
+              <a:off x="8921835" y="2549768"/>
+              <a:ext cx="1162945" cy="307777"/>
+            </a:xfrm>
+            <a:prstGeom prst="rect">
+              <a:avLst/>
+            </a:prstGeom>
+            <a:noFill/>
+          </p:spPr>
+          <p:txBody>
+            <a:bodyPr wrap="square" rtlCol="0">
+              <a:spAutoFit/>
+            </a:bodyPr>
+            <a:lstStyle/>
+            <a:p>
+              <a:pPr algn="ctr"/>
+              <a:r>
+                <a:rPr lang="en-US" altLang="ko-KR" sz="1400" dirty="0" err="1" smtClean="0"/>
+                <a:t>legend.title</a:t>
+              </a:r>
+              <a:endParaRPr lang="ko-KR" altLang="en-US" sz="1400" dirty="0"/>
+            </a:p>
+          </p:txBody>
+        </p:sp>
+        <p:cxnSp>
+          <p:nvCxnSpPr>
+            <p:cNvPr id="27" name="직선 화살표 연결선 26"/>
+            <p:cNvCxnSpPr>
+              <a:stCxn id="25" idx="1"/>
+              <a:endCxn id="24" idx="3"/>
+            </p:cNvCxnSpPr>
+            <p:nvPr/>
+          </p:nvCxnSpPr>
+          <p:spPr>
+            <a:xfrm flipH="1" flipV="1">
+              <a:off x="8379069" y="2703656"/>
+              <a:ext cx="542766" cy="1"/>
+            </a:xfrm>
+            <a:prstGeom prst="straightConnector1">
+              <a:avLst/>
+            </a:prstGeom>
+            <a:ln>
+              <a:solidFill>
+                <a:srgbClr val="FF0000"/>
+              </a:solidFill>
+              <a:tailEnd type="triangle"/>
+            </a:ln>
+          </p:spPr>
+          <p:style>
+            <a:lnRef idx="1">
+              <a:schemeClr val="accent1"/>
+            </a:lnRef>
+            <a:fillRef idx="0">
+              <a:schemeClr val="accent1"/>
+            </a:fillRef>
+            <a:effectRef idx="0">
+              <a:schemeClr val="accent1"/>
+            </a:effectRef>
+            <a:fontRef idx="minor">
+              <a:schemeClr val="tx1"/>
+            </a:fontRef>
+          </p:style>
+        </p:cxnSp>
+        <p:sp>
+          <p:nvSpPr>
+            <p:cNvPr id="29" name="직사각형 28"/>
+            <p:cNvSpPr/>
+            <p:nvPr/>
+          </p:nvSpPr>
+          <p:spPr>
+            <a:xfrm>
+              <a:off x="7968763" y="2831928"/>
+              <a:ext cx="252046" cy="1388379"/>
+            </a:xfrm>
+            <a:prstGeom prst="rect">
+              <a:avLst/>
+            </a:prstGeom>
+            <a:noFill/>
+            <a:ln w="19050">
+              <a:solidFill>
+                <a:srgbClr val="FF0000"/>
+              </a:solidFill>
+            </a:ln>
+          </p:spPr>
+          <p:style>
+            <a:lnRef idx="2">
+              <a:schemeClr val="accent1">
+                <a:shade val="50000"/>
+              </a:schemeClr>
+            </a:lnRef>
+            <a:fillRef idx="1">
+              <a:schemeClr val="accent1"/>
+            </a:fillRef>
+            <a:effectRef idx="0">
+              <a:schemeClr val="accent1"/>
+            </a:effectRef>
+            <a:fontRef idx="minor">
+              <a:schemeClr val="lt1"/>
+            </a:fontRef>
+          </p:style>
+          <p:txBody>
+            <a:bodyPr rtlCol="0" anchor="ctr"/>
+            <a:lstStyle/>
+            <a:p>
+              <a:pPr algn="ctr"/>
+              <a:endParaRPr lang="ko-KR" altLang="en-US"/>
+            </a:p>
+          </p:txBody>
+        </p:sp>
+        <p:sp>
+          <p:nvSpPr>
+            <p:cNvPr id="30" name="TextBox 29"/>
+            <p:cNvSpPr txBox="1"/>
+            <p:nvPr/>
+          </p:nvSpPr>
+          <p:spPr>
+            <a:xfrm>
+              <a:off x="8921835" y="4220307"/>
+              <a:ext cx="1162945" cy="307777"/>
+            </a:xfrm>
+            <a:prstGeom prst="rect">
+              <a:avLst/>
+            </a:prstGeom>
+            <a:noFill/>
+          </p:spPr>
+          <p:txBody>
+            <a:bodyPr wrap="square" rtlCol="0">
+              <a:spAutoFit/>
+            </a:bodyPr>
+            <a:lstStyle/>
+            <a:p>
+              <a:pPr algn="ctr"/>
+              <a:r>
+                <a:rPr lang="en-US" altLang="ko-KR" sz="1400" dirty="0" err="1" smtClean="0"/>
+                <a:t>legend.key</a:t>
+              </a:r>
+              <a:endParaRPr lang="ko-KR" altLang="en-US" sz="1400" dirty="0"/>
+            </a:p>
+          </p:txBody>
+        </p:sp>
+        <p:cxnSp>
+          <p:nvCxnSpPr>
+            <p:cNvPr id="32" name="꺾인 연결선 31"/>
+            <p:cNvCxnSpPr>
+              <a:stCxn id="30" idx="1"/>
+              <a:endCxn id="29" idx="2"/>
+            </p:cNvCxnSpPr>
+            <p:nvPr/>
+          </p:nvCxnSpPr>
+          <p:spPr>
+            <a:xfrm rot="10800000">
+              <a:off x="8094787" y="4220308"/>
+              <a:ext cx="827049" cy="153889"/>
+            </a:xfrm>
+            <a:prstGeom prst="bentConnector2">
+              <a:avLst/>
+            </a:prstGeom>
+            <a:ln>
+              <a:solidFill>
+                <a:srgbClr val="FF0000"/>
+              </a:solidFill>
+              <a:tailEnd type="triangle"/>
+            </a:ln>
+          </p:spPr>
+          <p:style>
+            <a:lnRef idx="1">
+              <a:schemeClr val="accent1"/>
+            </a:lnRef>
+            <a:fillRef idx="0">
+              <a:schemeClr val="accent1"/>
+            </a:fillRef>
+            <a:effectRef idx="0">
+              <a:schemeClr val="accent1"/>
+            </a:effectRef>
+            <a:fontRef idx="minor">
+              <a:schemeClr val="tx1"/>
+            </a:fontRef>
+          </p:style>
+        </p:cxnSp>
+        <p:sp>
+          <p:nvSpPr>
+            <p:cNvPr id="34" name="직사각형 33"/>
+            <p:cNvSpPr/>
+            <p:nvPr/>
+          </p:nvSpPr>
+          <p:spPr>
+            <a:xfrm>
+              <a:off x="8240148" y="2831928"/>
+              <a:ext cx="473029" cy="1388379"/>
+            </a:xfrm>
+            <a:prstGeom prst="rect">
+              <a:avLst/>
+            </a:prstGeom>
+            <a:noFill/>
+            <a:ln w="19050">
+              <a:solidFill>
+                <a:srgbClr val="FF0000"/>
+              </a:solidFill>
+            </a:ln>
+          </p:spPr>
+          <p:style>
+            <a:lnRef idx="2">
+              <a:schemeClr val="accent1">
+                <a:shade val="50000"/>
+              </a:schemeClr>
+            </a:lnRef>
+            <a:fillRef idx="1">
+              <a:schemeClr val="accent1"/>
+            </a:fillRef>
+            <a:effectRef idx="0">
+              <a:schemeClr val="accent1"/>
+            </a:effectRef>
+            <a:fontRef idx="minor">
+              <a:schemeClr val="lt1"/>
+            </a:fontRef>
+          </p:style>
+          <p:txBody>
+            <a:bodyPr rtlCol="0" anchor="ctr"/>
+            <a:lstStyle/>
+            <a:p>
+              <a:pPr algn="ctr"/>
+              <a:endParaRPr lang="ko-KR" altLang="en-US"/>
+            </a:p>
+          </p:txBody>
+        </p:sp>
+        <p:sp>
+          <p:nvSpPr>
+            <p:cNvPr id="35" name="TextBox 34"/>
+            <p:cNvSpPr txBox="1"/>
+            <p:nvPr/>
+          </p:nvSpPr>
+          <p:spPr>
+            <a:xfrm>
+              <a:off x="8921834" y="3372229"/>
+              <a:ext cx="1162945" cy="307777"/>
+            </a:xfrm>
+            <a:prstGeom prst="rect">
+              <a:avLst/>
+            </a:prstGeom>
+            <a:noFill/>
+          </p:spPr>
+          <p:txBody>
+            <a:bodyPr wrap="square" rtlCol="0">
+              <a:spAutoFit/>
+            </a:bodyPr>
+            <a:lstStyle/>
+            <a:p>
+              <a:pPr algn="ctr"/>
+              <a:r>
+                <a:rPr lang="en-US" altLang="ko-KR" sz="1400" dirty="0" err="1" smtClean="0"/>
+                <a:t>legend.text</a:t>
+              </a:r>
+              <a:endParaRPr lang="ko-KR" altLang="en-US" sz="1400" dirty="0"/>
+            </a:p>
+          </p:txBody>
+        </p:sp>
+        <p:cxnSp>
+          <p:nvCxnSpPr>
+            <p:cNvPr id="44" name="직선 화살표 연결선 43"/>
+            <p:cNvCxnSpPr>
+              <a:stCxn id="35" idx="1"/>
+              <a:endCxn id="34" idx="3"/>
+            </p:cNvCxnSpPr>
+            <p:nvPr/>
+          </p:nvCxnSpPr>
+          <p:spPr>
+            <a:xfrm flipH="1">
+              <a:off x="8713177" y="3526118"/>
+              <a:ext cx="208657" cy="0"/>
+            </a:xfrm>
+            <a:prstGeom prst="straightConnector1">
+              <a:avLst/>
+            </a:prstGeom>
+            <a:ln>
+              <a:solidFill>
+                <a:srgbClr val="FF0000"/>
+              </a:solidFill>
+              <a:tailEnd type="triangle"/>
+            </a:ln>
+          </p:spPr>
+          <p:style>
+            <a:lnRef idx="1">
+              <a:schemeClr val="accent1"/>
+            </a:lnRef>
+            <a:fillRef idx="0">
+              <a:schemeClr val="accent1"/>
+            </a:fillRef>
+            <a:effectRef idx="0">
+              <a:schemeClr val="accent1"/>
+            </a:effectRef>
+            <a:fontRef idx="minor">
+              <a:schemeClr val="tx1"/>
+            </a:fontRef>
+          </p:style>
+        </p:cxnSp>
+        <p:sp>
+          <p:nvSpPr>
+            <p:cNvPr id="45" name="직사각형 44"/>
+            <p:cNvSpPr/>
+            <p:nvPr/>
+          </p:nvSpPr>
+          <p:spPr>
+            <a:xfrm>
+              <a:off x="2708031" y="5117121"/>
+              <a:ext cx="5125915" cy="74757"/>
+            </a:xfrm>
+            <a:prstGeom prst="rect">
+              <a:avLst/>
+            </a:prstGeom>
+            <a:noFill/>
+            <a:ln w="19050">
+              <a:solidFill>
+                <a:srgbClr val="FF0000"/>
+              </a:solidFill>
+            </a:ln>
+          </p:spPr>
+          <p:style>
+            <a:lnRef idx="2">
+              <a:schemeClr val="accent1">
+                <a:shade val="50000"/>
+              </a:schemeClr>
+            </a:lnRef>
+            <a:fillRef idx="1">
+              <a:schemeClr val="accent1"/>
+            </a:fillRef>
+            <a:effectRef idx="0">
+              <a:schemeClr val="accent1"/>
+            </a:effectRef>
+            <a:fontRef idx="minor">
+              <a:schemeClr val="lt1"/>
+            </a:fontRef>
+          </p:style>
+          <p:txBody>
+            <a:bodyPr rtlCol="0" anchor="ctr"/>
+            <a:lstStyle/>
+            <a:p>
+              <a:pPr algn="ctr"/>
+              <a:endParaRPr lang="ko-KR" altLang="en-US"/>
+            </a:p>
+          </p:txBody>
+        </p:sp>
+        <p:sp>
+          <p:nvSpPr>
+            <p:cNvPr id="47" name="TextBox 46"/>
+            <p:cNvSpPr txBox="1"/>
+            <p:nvPr/>
+          </p:nvSpPr>
+          <p:spPr>
+            <a:xfrm>
+              <a:off x="1216266" y="5394974"/>
+              <a:ext cx="852853" cy="307777"/>
+            </a:xfrm>
+            <a:prstGeom prst="rect">
+              <a:avLst/>
+            </a:prstGeom>
+            <a:noFill/>
+          </p:spPr>
+          <p:txBody>
+            <a:bodyPr wrap="square" rtlCol="0">
+              <a:spAutoFit/>
+            </a:bodyPr>
+            <a:lstStyle/>
+            <a:p>
+              <a:pPr algn="ctr"/>
+              <a:r>
+                <a:rPr lang="en-US" altLang="ko-KR" sz="1400" dirty="0" err="1" smtClean="0"/>
+                <a:t>axis.line</a:t>
+              </a:r>
+              <a:endParaRPr lang="ko-KR" altLang="en-US" sz="1400" dirty="0"/>
+            </a:p>
+          </p:txBody>
+        </p:sp>
+        <p:cxnSp>
+          <p:nvCxnSpPr>
+            <p:cNvPr id="49" name="꺾인 연결선 48"/>
+            <p:cNvCxnSpPr>
+              <a:stCxn id="47" idx="3"/>
+              <a:endCxn id="45" idx="2"/>
+            </p:cNvCxnSpPr>
+            <p:nvPr/>
+          </p:nvCxnSpPr>
+          <p:spPr>
+            <a:xfrm flipV="1">
+              <a:off x="2069119" y="5191878"/>
+              <a:ext cx="3201870" cy="356985"/>
+            </a:xfrm>
+            <a:prstGeom prst="bentConnector2">
+              <a:avLst/>
+            </a:prstGeom>
+            <a:ln>
+              <a:solidFill>
+                <a:srgbClr val="FF0000"/>
+              </a:solidFill>
+              <a:tailEnd type="triangle"/>
+            </a:ln>
+          </p:spPr>
+          <p:style>
+            <a:lnRef idx="1">
+              <a:schemeClr val="accent1"/>
+            </a:lnRef>
+            <a:fillRef idx="0">
+              <a:schemeClr val="accent1"/>
+            </a:fillRef>
+            <a:effectRef idx="0">
+              <a:schemeClr val="accent1"/>
+            </a:effectRef>
+            <a:fontRef idx="minor">
+              <a:schemeClr val="tx1"/>
+            </a:fontRef>
+          </p:style>
+        </p:cxnSp>
+        <p:sp>
+          <p:nvSpPr>
+            <p:cNvPr id="50" name="TextBox 49"/>
+            <p:cNvSpPr txBox="1"/>
+            <p:nvPr/>
+          </p:nvSpPr>
+          <p:spPr>
+            <a:xfrm>
+              <a:off x="7758889" y="1079332"/>
+              <a:ext cx="1762288" cy="307777"/>
+            </a:xfrm>
+            <a:prstGeom prst="rect">
+              <a:avLst/>
+            </a:prstGeom>
+            <a:noFill/>
+          </p:spPr>
+          <p:txBody>
+            <a:bodyPr wrap="square" rtlCol="0">
+              <a:spAutoFit/>
+            </a:bodyPr>
+            <a:lstStyle/>
+            <a:p>
+              <a:pPr algn="ctr"/>
+              <a:r>
+                <a:rPr lang="en-US" altLang="ko-KR" sz="1400" dirty="0" err="1" smtClean="0"/>
+                <a:t>panel.background</a:t>
+              </a:r>
+              <a:endParaRPr lang="ko-KR" altLang="en-US" sz="1400" dirty="0"/>
+            </a:p>
+          </p:txBody>
+        </p:sp>
+        <p:cxnSp>
+          <p:nvCxnSpPr>
+            <p:cNvPr id="52" name="꺾인 연결선 51"/>
+            <p:cNvCxnSpPr>
+              <a:stCxn id="50" idx="1"/>
+            </p:cNvCxnSpPr>
+            <p:nvPr/>
+          </p:nvCxnSpPr>
+          <p:spPr>
+            <a:xfrm rot="10800000" flipV="1">
+              <a:off x="7016263" y="1233220"/>
+              <a:ext cx="742627" cy="701087"/>
+            </a:xfrm>
+            <a:prstGeom prst="bentConnector3">
+              <a:avLst>
+                <a:gd name="adj1" fmla="val 99726"/>
+              </a:avLst>
+            </a:prstGeom>
+            <a:ln>
+              <a:solidFill>
+                <a:srgbClr val="FF0000"/>
+              </a:solidFill>
+              <a:tailEnd type="triangle"/>
+            </a:ln>
+          </p:spPr>
+          <p:style>
+            <a:lnRef idx="1">
+              <a:schemeClr val="accent1"/>
+            </a:lnRef>
+            <a:fillRef idx="0">
+              <a:schemeClr val="accent1"/>
+            </a:fillRef>
+            <a:effectRef idx="0">
+              <a:schemeClr val="accent1"/>
+            </a:effectRef>
+            <a:fontRef idx="minor">
+              <a:schemeClr val="tx1"/>
+            </a:fontRef>
+          </p:style>
+        </p:cxnSp>
+        <p:sp>
+          <p:nvSpPr>
+            <p:cNvPr id="57" name="직사각형 56"/>
+            <p:cNvSpPr/>
+            <p:nvPr/>
+          </p:nvSpPr>
+          <p:spPr>
+            <a:xfrm>
+              <a:off x="2708030" y="4591570"/>
+              <a:ext cx="5125915" cy="74757"/>
+            </a:xfrm>
+            <a:prstGeom prst="rect">
+              <a:avLst/>
+            </a:prstGeom>
+            <a:noFill/>
+            <a:ln w="19050">
+              <a:solidFill>
+                <a:srgbClr val="FF0000"/>
+              </a:solidFill>
+            </a:ln>
+          </p:spPr>
+          <p:style>
+            <a:lnRef idx="2">
+              <a:schemeClr val="accent1">
+                <a:shade val="50000"/>
+              </a:schemeClr>
+            </a:lnRef>
+            <a:fillRef idx="1">
+              <a:schemeClr val="accent1"/>
+            </a:fillRef>
+            <a:effectRef idx="0">
+              <a:schemeClr val="accent1"/>
+            </a:effectRef>
+            <a:fontRef idx="minor">
+              <a:schemeClr val="lt1"/>
+            </a:fontRef>
+          </p:style>
+          <p:txBody>
+            <a:bodyPr rtlCol="0" anchor="ctr"/>
+            <a:lstStyle/>
+            <a:p>
+              <a:pPr algn="ctr"/>
+              <a:endParaRPr lang="ko-KR" altLang="en-US"/>
+            </a:p>
+          </p:txBody>
+        </p:sp>
+        <p:sp>
+          <p:nvSpPr>
+            <p:cNvPr id="58" name="TextBox 57"/>
+            <p:cNvSpPr txBox="1"/>
+            <p:nvPr/>
+          </p:nvSpPr>
+          <p:spPr>
+            <a:xfrm>
+              <a:off x="8921833" y="4701448"/>
+              <a:ext cx="1162945" cy="307777"/>
+            </a:xfrm>
+            <a:prstGeom prst="rect">
+              <a:avLst/>
+            </a:prstGeom>
+            <a:noFill/>
+          </p:spPr>
+          <p:txBody>
+            <a:bodyPr wrap="square" rtlCol="0">
+              <a:spAutoFit/>
+            </a:bodyPr>
+            <a:lstStyle/>
+            <a:p>
+              <a:pPr algn="ctr"/>
+              <a:r>
+                <a:rPr lang="en-US" altLang="ko-KR" sz="1400" dirty="0" err="1" smtClean="0"/>
+                <a:t>panel.grid</a:t>
+              </a:r>
+              <a:endParaRPr lang="ko-KR" altLang="en-US" sz="1400" dirty="0"/>
+            </a:p>
+          </p:txBody>
+        </p:sp>
+        <p:cxnSp>
+          <p:nvCxnSpPr>
+            <p:cNvPr id="60" name="꺾인 연결선 59"/>
+            <p:cNvCxnSpPr>
+              <a:stCxn id="58" idx="1"/>
+            </p:cNvCxnSpPr>
+            <p:nvPr/>
+          </p:nvCxnSpPr>
+          <p:spPr>
+            <a:xfrm rot="10800000">
+              <a:off x="7833945" y="4628949"/>
+              <a:ext cx="1087888" cy="226389"/>
+            </a:xfrm>
+            <a:prstGeom prst="bentConnector3">
+              <a:avLst/>
+            </a:prstGeom>
+            <a:ln>
+              <a:solidFill>
+                <a:srgbClr val="FF0000"/>
+              </a:solidFill>
+              <a:tailEnd type="triangle"/>
+            </a:ln>
+          </p:spPr>
+          <p:style>
+            <a:lnRef idx="1">
+              <a:schemeClr val="accent1"/>
+            </a:lnRef>
+            <a:fillRef idx="0">
+              <a:schemeClr val="accent1"/>
+            </a:fillRef>
+            <a:effectRef idx="0">
+              <a:schemeClr val="accent1"/>
+            </a:effectRef>
+            <a:fontRef idx="minor">
+              <a:schemeClr val="tx1"/>
+            </a:fontRef>
+          </p:style>
+        </p:cxnSp>
+      </p:grpSp>
+    </p:spTree>
+    <p:extLst>
+      <p:ext uri="{BB962C8B-B14F-4D97-AF65-F5344CB8AC3E}">
+        <p14:creationId xmlns:p14="http://schemas.microsoft.com/office/powerpoint/2010/main" val="4241984723"/>
+      </p:ext>
+    </p:extLst>
+  </p:cSld>
+  <p:clrMapOvr>
+    <a:masterClrMapping/>
+  </p:clrMapOvr>
+</p:sld>
+</file>
+
 <file path=ppt/theme/theme1.xml><?xml version="1.0" encoding="utf-8"?>
 <a:theme xmlns:a="http://schemas.openxmlformats.org/drawingml/2006/main" name="Office 테마">
   <a:themeElements>

--- a/chap3/3장.pptx
+++ b/chap3/3장.pptx
@@ -12,6 +12,7 @@
     <p:sldId id="277" r:id="rId6"/>
     <p:sldId id="278" r:id="rId7"/>
     <p:sldId id="279" r:id="rId8"/>
+    <p:sldId id="280" r:id="rId9"/>
   </p:sldIdLst>
   <p:sldSz cx="12192000" cy="6858000"/>
   <p:notesSz cx="6858000" cy="9144000"/>
@@ -270,7 +271,7 @@
           <a:p>
             <a:fld id="{D6256A93-9054-4FB5-A5A6-9D00BB2633B8}" type="datetimeFigureOut">
               <a:rPr lang="ko-KR" altLang="en-US" smtClean="0"/>
-              <a:t>2022-01-08</a:t>
+              <a:t>2022-01-11</a:t>
             </a:fld>
             <a:endParaRPr lang="ko-KR" altLang="en-US"/>
           </a:p>
@@ -440,7 +441,7 @@
           <a:p>
             <a:fld id="{D6256A93-9054-4FB5-A5A6-9D00BB2633B8}" type="datetimeFigureOut">
               <a:rPr lang="ko-KR" altLang="en-US" smtClean="0"/>
-              <a:t>2022-01-08</a:t>
+              <a:t>2022-01-11</a:t>
             </a:fld>
             <a:endParaRPr lang="ko-KR" altLang="en-US"/>
           </a:p>
@@ -620,7 +621,7 @@
           <a:p>
             <a:fld id="{D6256A93-9054-4FB5-A5A6-9D00BB2633B8}" type="datetimeFigureOut">
               <a:rPr lang="ko-KR" altLang="en-US" smtClean="0"/>
-              <a:t>2022-01-08</a:t>
+              <a:t>2022-01-11</a:t>
             </a:fld>
             <a:endParaRPr lang="ko-KR" altLang="en-US"/>
           </a:p>
@@ -790,7 +791,7 @@
           <a:p>
             <a:fld id="{D6256A93-9054-4FB5-A5A6-9D00BB2633B8}" type="datetimeFigureOut">
               <a:rPr lang="ko-KR" altLang="en-US" smtClean="0"/>
-              <a:t>2022-01-08</a:t>
+              <a:t>2022-01-11</a:t>
             </a:fld>
             <a:endParaRPr lang="ko-KR" altLang="en-US"/>
           </a:p>
@@ -1036,7 +1037,7 @@
           <a:p>
             <a:fld id="{D6256A93-9054-4FB5-A5A6-9D00BB2633B8}" type="datetimeFigureOut">
               <a:rPr lang="ko-KR" altLang="en-US" smtClean="0"/>
-              <a:t>2022-01-08</a:t>
+              <a:t>2022-01-11</a:t>
             </a:fld>
             <a:endParaRPr lang="ko-KR" altLang="en-US"/>
           </a:p>
@@ -1268,7 +1269,7 @@
           <a:p>
             <a:fld id="{D6256A93-9054-4FB5-A5A6-9D00BB2633B8}" type="datetimeFigureOut">
               <a:rPr lang="ko-KR" altLang="en-US" smtClean="0"/>
-              <a:t>2022-01-08</a:t>
+              <a:t>2022-01-11</a:t>
             </a:fld>
             <a:endParaRPr lang="ko-KR" altLang="en-US"/>
           </a:p>
@@ -1635,7 +1636,7 @@
           <a:p>
             <a:fld id="{D6256A93-9054-4FB5-A5A6-9D00BB2633B8}" type="datetimeFigureOut">
               <a:rPr lang="ko-KR" altLang="en-US" smtClean="0"/>
-              <a:t>2022-01-08</a:t>
+              <a:t>2022-01-11</a:t>
             </a:fld>
             <a:endParaRPr lang="ko-KR" altLang="en-US"/>
           </a:p>
@@ -1753,7 +1754,7 @@
           <a:p>
             <a:fld id="{D6256A93-9054-4FB5-A5A6-9D00BB2633B8}" type="datetimeFigureOut">
               <a:rPr lang="ko-KR" altLang="en-US" smtClean="0"/>
-              <a:t>2022-01-08</a:t>
+              <a:t>2022-01-11</a:t>
             </a:fld>
             <a:endParaRPr lang="ko-KR" altLang="en-US"/>
           </a:p>
@@ -1848,7 +1849,7 @@
           <a:p>
             <a:fld id="{D6256A93-9054-4FB5-A5A6-9D00BB2633B8}" type="datetimeFigureOut">
               <a:rPr lang="ko-KR" altLang="en-US" smtClean="0"/>
-              <a:t>2022-01-08</a:t>
+              <a:t>2022-01-11</a:t>
             </a:fld>
             <a:endParaRPr lang="ko-KR" altLang="en-US"/>
           </a:p>
@@ -2125,7 +2126,7 @@
           <a:p>
             <a:fld id="{D6256A93-9054-4FB5-A5A6-9D00BB2633B8}" type="datetimeFigureOut">
               <a:rPr lang="ko-KR" altLang="en-US" smtClean="0"/>
-              <a:t>2022-01-08</a:t>
+              <a:t>2022-01-11</a:t>
             </a:fld>
             <a:endParaRPr lang="ko-KR" altLang="en-US"/>
           </a:p>
@@ -2378,7 +2379,7 @@
           <a:p>
             <a:fld id="{D6256A93-9054-4FB5-A5A6-9D00BB2633B8}" type="datetimeFigureOut">
               <a:rPr lang="ko-KR" altLang="en-US" smtClean="0"/>
-              <a:t>2022-01-08</a:t>
+              <a:t>2022-01-11</a:t>
             </a:fld>
             <a:endParaRPr lang="ko-KR" altLang="en-US"/>
           </a:p>
@@ -2591,7 +2592,7 @@
           <a:p>
             <a:fld id="{D6256A93-9054-4FB5-A5A6-9D00BB2633B8}" type="datetimeFigureOut">
               <a:rPr lang="ko-KR" altLang="en-US" smtClean="0"/>
-              <a:t>2022-01-08</a:t>
+              <a:t>2022-01-11</a:t>
             </a:fld>
             <a:endParaRPr lang="ko-KR" altLang="en-US"/>
           </a:p>
@@ -8553,7 +8554,6 @@
                 <a:rPr lang="en-US" altLang="ko-KR" dirty="0" smtClean="0"/>
                 <a:t>stat</a:t>
               </a:r>
-              <a:endParaRPr lang="en-US" altLang="ko-KR" dirty="0" smtClean="0"/>
             </a:p>
           </p:txBody>
         </p:sp>
@@ -9424,15 +9424,7 @@
               </a:r>
               <a:r>
                 <a:rPr lang="en-US" altLang="ko-KR" dirty="0" smtClean="0"/>
-                <a:t>_                    (data </a:t>
-              </a:r>
-              <a:r>
-                <a:rPr lang="en-US" altLang="ko-KR" dirty="0" smtClean="0"/>
-                <a:t>=              </a:t>
-              </a:r>
-              <a:r>
-                <a:rPr lang="en-US" altLang="ko-KR" dirty="0" smtClean="0"/>
-                <a:t>, </a:t>
+                <a:t>_                    (data =              , </a:t>
               </a:r>
               <a:r>
                 <a:rPr lang="en-US" altLang="ko-KR" dirty="0" err="1" smtClean="0"/>
@@ -9442,7 +9434,6 @@
                 <a:rPr lang="en-US" altLang="ko-KR" dirty="0" smtClean="0"/>
                 <a:t>(                     ), stat =                    , ...)</a:t>
               </a:r>
-              <a:endParaRPr lang="en-US" altLang="ko-KR" dirty="0" smtClean="0"/>
             </a:p>
           </p:txBody>
         </p:sp>
@@ -9546,11 +9537,7 @@
               </a:r>
               <a:r>
                 <a:rPr lang="ko-KR" altLang="en-US" sz="1600" dirty="0" smtClean="0"/>
-                <a:t> </a:t>
-              </a:r>
-              <a:r>
-                <a:rPr lang="ko-KR" altLang="en-US" sz="1600" dirty="0" smtClean="0"/>
-                <a:t>이름</a:t>
+                <a:t> 이름</a:t>
               </a:r>
               <a:endParaRPr lang="ko-KR" altLang="en-US" sz="1600" dirty="0"/>
             </a:p>
@@ -9658,11 +9645,7 @@
               <a:pPr algn="ctr"/>
               <a:r>
                 <a:rPr lang="ko-KR" altLang="en-US" sz="1600" smtClean="0"/>
-                <a:t>미적요소</a:t>
-              </a:r>
-              <a:r>
-                <a:rPr lang="ko-KR" altLang="en-US" sz="1600" smtClean="0"/>
-                <a:t>매핑</a:t>
+                <a:t>미적요소매핑</a:t>
               </a:r>
               <a:endParaRPr lang="ko-KR" altLang="en-US" sz="1600" dirty="0"/>
             </a:p>
@@ -9692,15 +9675,7 @@
             <a:p>
               <a:r>
                 <a:rPr lang="en-US" altLang="ko-KR" dirty="0" smtClean="0"/>
-                <a:t>stat_                     (data </a:t>
-              </a:r>
-              <a:r>
-                <a:rPr lang="en-US" altLang="ko-KR" dirty="0" smtClean="0"/>
-                <a:t>=              </a:t>
-              </a:r>
-              <a:r>
-                <a:rPr lang="en-US" altLang="ko-KR" dirty="0" smtClean="0"/>
-                <a:t>, </a:t>
+                <a:t>stat_                     (data =              , </a:t>
               </a:r>
               <a:r>
                 <a:rPr lang="en-US" altLang="ko-KR" dirty="0" err="1" smtClean="0"/>
@@ -9718,7 +9693,6 @@
                 <a:rPr lang="en-US" altLang="ko-KR" dirty="0" smtClean="0"/>
                 <a:t> =                     , ...) </a:t>
               </a:r>
-              <a:endParaRPr lang="en-US" altLang="ko-KR" dirty="0" smtClean="0"/>
             </a:p>
           </p:txBody>
         </p:sp>
@@ -9822,11 +9796,7 @@
               </a:r>
               <a:r>
                 <a:rPr lang="ko-KR" altLang="en-US" sz="1600" dirty="0" smtClean="0"/>
-                <a:t> </a:t>
-              </a:r>
-              <a:r>
-                <a:rPr lang="ko-KR" altLang="en-US" sz="1600" dirty="0" smtClean="0"/>
-                <a:t>이름</a:t>
+                <a:t> 이름</a:t>
               </a:r>
               <a:endParaRPr lang="ko-KR" altLang="en-US" sz="1600" dirty="0"/>
             </a:p>
@@ -9882,11 +9852,7 @@
               </a:r>
               <a:r>
                 <a:rPr lang="ko-KR" altLang="en-US" sz="1600" dirty="0" smtClean="0"/>
-                <a:t> </a:t>
-              </a:r>
-              <a:r>
-                <a:rPr lang="ko-KR" altLang="en-US" sz="1600" dirty="0" smtClean="0"/>
-                <a:t>이름</a:t>
+                <a:t> 이름</a:t>
               </a:r>
               <a:endParaRPr lang="ko-KR" altLang="en-US" sz="1600" dirty="0"/>
             </a:p>
@@ -9938,11 +9904,7 @@
               <a:pPr algn="ctr"/>
               <a:r>
                 <a:rPr lang="ko-KR" altLang="en-US" sz="1600" smtClean="0"/>
-                <a:t>미적요소</a:t>
-              </a:r>
-              <a:r>
-                <a:rPr lang="ko-KR" altLang="en-US" sz="1600" smtClean="0"/>
-                <a:t>매핑</a:t>
+                <a:t>미적요소매핑</a:t>
               </a:r>
               <a:endParaRPr lang="ko-KR" altLang="en-US" sz="1600" dirty="0"/>
             </a:p>
@@ -13345,6 +13307,856 @@
 </p:sld>
 </file>
 
+<file path=ppt/slides/slide8.xml><?xml version="1.0" encoding="utf-8"?>
+<p:sld xmlns:a="http://schemas.openxmlformats.org/drawingml/2006/main" xmlns:r="http://schemas.openxmlformats.org/officeDocument/2006/relationships" xmlns:p="http://schemas.openxmlformats.org/presentationml/2006/main">
+  <p:cSld>
+    <p:spTree>
+      <p:nvGrpSpPr>
+        <p:cNvPr id="1" name=""/>
+        <p:cNvGrpSpPr/>
+        <p:nvPr/>
+      </p:nvGrpSpPr>
+      <p:grpSpPr>
+        <a:xfrm>
+          <a:off x="0" y="0"/>
+          <a:ext cx="0" cy="0"/>
+          <a:chOff x="0" y="0"/>
+          <a:chExt cx="0" cy="0"/>
+        </a:xfrm>
+      </p:grpSpPr>
+      <p:pic>
+        <p:nvPicPr>
+          <p:cNvPr id="4" name="그림 3">
+            <a:extLst>
+              <a:ext uri="{FF2B5EF4-FFF2-40B4-BE49-F238E27FC236}">
+                <a16:creationId xmlns:a16="http://schemas.microsoft.com/office/drawing/2014/main" id="{FAF31C18-988A-430C-A371-AB921AA8D75B}"/>
+              </a:ext>
+            </a:extLst>
+          </p:cNvPr>
+          <p:cNvPicPr>
+            <a:picLocks noChangeAspect="1"/>
+          </p:cNvPicPr>
+          <p:nvPr/>
+        </p:nvPicPr>
+        <p:blipFill>
+          <a:blip r:embed="rId2"/>
+          <a:stretch>
+            <a:fillRect/>
+          </a:stretch>
+        </p:blipFill>
+        <p:spPr>
+          <a:xfrm>
+            <a:off x="3113564" y="1183361"/>
+            <a:ext cx="2228850" cy="3514725"/>
+          </a:xfrm>
+          <a:prstGeom prst="rect">
+            <a:avLst/>
+          </a:prstGeom>
+        </p:spPr>
+      </p:pic>
+      <p:cxnSp>
+        <p:nvCxnSpPr>
+          <p:cNvPr id="5" name="직선 화살표 연결선 4">
+            <a:extLst>
+              <a:ext uri="{FF2B5EF4-FFF2-40B4-BE49-F238E27FC236}">
+                <a16:creationId xmlns:a16="http://schemas.microsoft.com/office/drawing/2014/main" id="{4505AB75-5D93-4EE5-8CAD-9101F6D3B66D}"/>
+              </a:ext>
+            </a:extLst>
+          </p:cNvPr>
+          <p:cNvCxnSpPr>
+            <a:cxnSpLocks/>
+          </p:cNvCxnSpPr>
+          <p:nvPr/>
+        </p:nvCxnSpPr>
+        <p:spPr>
+          <a:xfrm>
+            <a:off x="5129073" y="1665422"/>
+            <a:ext cx="1020932" cy="0"/>
+          </a:xfrm>
+          <a:prstGeom prst="straightConnector1">
+            <a:avLst/>
+          </a:prstGeom>
+          <a:ln w="12700">
+            <a:solidFill>
+              <a:srgbClr val="FF0000"/>
+            </a:solidFill>
+            <a:tailEnd type="triangle"/>
+          </a:ln>
+        </p:spPr>
+        <p:style>
+          <a:lnRef idx="1">
+            <a:schemeClr val="accent1"/>
+          </a:lnRef>
+          <a:fillRef idx="0">
+            <a:schemeClr val="accent1"/>
+          </a:fillRef>
+          <a:effectRef idx="0">
+            <a:schemeClr val="accent1"/>
+          </a:effectRef>
+          <a:fontRef idx="minor">
+            <a:schemeClr val="tx1"/>
+          </a:fontRef>
+        </p:style>
+      </p:cxnSp>
+      <p:sp>
+        <p:nvSpPr>
+          <p:cNvPr id="6" name="TextBox 5">
+            <a:extLst>
+              <a:ext uri="{FF2B5EF4-FFF2-40B4-BE49-F238E27FC236}">
+                <a16:creationId xmlns:a16="http://schemas.microsoft.com/office/drawing/2014/main" id="{08509B4B-1772-49B0-A524-ED38500807A6}"/>
+              </a:ext>
+            </a:extLst>
+          </p:cNvPr>
+          <p:cNvSpPr txBox="1"/>
+          <p:nvPr/>
+        </p:nvSpPr>
+        <p:spPr>
+          <a:xfrm>
+            <a:off x="6221026" y="1484336"/>
+            <a:ext cx="1757779" cy="369332"/>
+          </a:xfrm>
+          <a:prstGeom prst="rect">
+            <a:avLst/>
+          </a:prstGeom>
+          <a:noFill/>
+        </p:spPr>
+        <p:txBody>
+          <a:bodyPr wrap="square" rtlCol="0">
+            <a:spAutoFit/>
+          </a:bodyPr>
+          <a:lstStyle/>
+          <a:p>
+            <a:r>
+              <a:rPr lang="ko-KR" altLang="en-US" dirty="0"/>
+              <a:t>범례 제목</a:t>
+            </a:r>
+            <a:r>
+              <a:rPr lang="en-US" altLang="ko-KR" dirty="0"/>
+              <a:t>(title)</a:t>
+            </a:r>
+            <a:endParaRPr lang="ko-KR" altLang="en-US" dirty="0"/>
+          </a:p>
+        </p:txBody>
+      </p:sp>
+      <p:sp>
+        <p:nvSpPr>
+          <p:cNvPr id="7" name="직사각형 6">
+            <a:extLst>
+              <a:ext uri="{FF2B5EF4-FFF2-40B4-BE49-F238E27FC236}">
+                <a16:creationId xmlns:a16="http://schemas.microsoft.com/office/drawing/2014/main" id="{15770C0F-AD1B-45F5-BEFB-56BE82BF9F88}"/>
+              </a:ext>
+            </a:extLst>
+          </p:cNvPr>
+          <p:cNvSpPr/>
+          <p:nvPr/>
+        </p:nvSpPr>
+        <p:spPr>
+          <a:xfrm>
+            <a:off x="4001609" y="1997476"/>
+            <a:ext cx="772357" cy="230819"/>
+          </a:xfrm>
+          <a:prstGeom prst="rect">
+            <a:avLst/>
+          </a:prstGeom>
+          <a:noFill/>
+          <a:ln w="19050">
+            <a:solidFill>
+              <a:srgbClr val="FF0000"/>
+            </a:solidFill>
+          </a:ln>
+        </p:spPr>
+        <p:style>
+          <a:lnRef idx="2">
+            <a:schemeClr val="accent1">
+              <a:shade val="50000"/>
+            </a:schemeClr>
+          </a:lnRef>
+          <a:fillRef idx="1">
+            <a:schemeClr val="accent1"/>
+          </a:fillRef>
+          <a:effectRef idx="0">
+            <a:schemeClr val="accent1"/>
+          </a:effectRef>
+          <a:fontRef idx="minor">
+            <a:schemeClr val="lt1"/>
+          </a:fontRef>
+        </p:style>
+        <p:txBody>
+          <a:bodyPr rtlCol="0" anchor="ctr"/>
+          <a:lstStyle/>
+          <a:p>
+            <a:pPr algn="ctr"/>
+            <a:endParaRPr lang="ko-KR" altLang="en-US"/>
+          </a:p>
+        </p:txBody>
+      </p:sp>
+      <p:cxnSp>
+        <p:nvCxnSpPr>
+          <p:cNvPr id="8" name="직선 화살표 연결선 7">
+            <a:extLst>
+              <a:ext uri="{FF2B5EF4-FFF2-40B4-BE49-F238E27FC236}">
+                <a16:creationId xmlns:a16="http://schemas.microsoft.com/office/drawing/2014/main" id="{E6B97B58-B404-4956-8BD0-35BB3414AFEF}"/>
+              </a:ext>
+            </a:extLst>
+          </p:cNvPr>
+          <p:cNvCxnSpPr/>
+          <p:nvPr/>
+        </p:nvCxnSpPr>
+        <p:spPr>
+          <a:xfrm flipV="1">
+            <a:off x="4773966" y="2109305"/>
+            <a:ext cx="1376039" cy="1"/>
+          </a:xfrm>
+          <a:prstGeom prst="straightConnector1">
+            <a:avLst/>
+          </a:prstGeom>
+          <a:ln w="12700">
+            <a:solidFill>
+              <a:srgbClr val="FF0000"/>
+            </a:solidFill>
+            <a:tailEnd type="triangle"/>
+          </a:ln>
+        </p:spPr>
+        <p:style>
+          <a:lnRef idx="1">
+            <a:schemeClr val="accent1"/>
+          </a:lnRef>
+          <a:fillRef idx="0">
+            <a:schemeClr val="accent1"/>
+          </a:fillRef>
+          <a:effectRef idx="0">
+            <a:schemeClr val="accent1"/>
+          </a:effectRef>
+          <a:fontRef idx="minor">
+            <a:schemeClr val="tx1"/>
+          </a:fontRef>
+        </p:style>
+      </p:cxnSp>
+      <p:sp>
+        <p:nvSpPr>
+          <p:cNvPr id="9" name="TextBox 8">
+            <a:extLst>
+              <a:ext uri="{FF2B5EF4-FFF2-40B4-BE49-F238E27FC236}">
+                <a16:creationId xmlns:a16="http://schemas.microsoft.com/office/drawing/2014/main" id="{9F652717-EA1E-4FFA-AF06-A50100A1B27E}"/>
+              </a:ext>
+            </a:extLst>
+          </p:cNvPr>
+          <p:cNvSpPr txBox="1"/>
+          <p:nvPr/>
+        </p:nvSpPr>
+        <p:spPr>
+          <a:xfrm>
+            <a:off x="6221026" y="1928219"/>
+            <a:ext cx="1961965" cy="369332"/>
+          </a:xfrm>
+          <a:prstGeom prst="rect">
+            <a:avLst/>
+          </a:prstGeom>
+          <a:noFill/>
+        </p:spPr>
+        <p:txBody>
+          <a:bodyPr wrap="square" rtlCol="0">
+            <a:spAutoFit/>
+          </a:bodyPr>
+          <a:lstStyle/>
+          <a:p>
+            <a:r>
+              <a:rPr lang="ko-KR" altLang="en-US" dirty="0"/>
+              <a:t>범례 항목</a:t>
+            </a:r>
+            <a:r>
+              <a:rPr lang="en-US" altLang="ko-KR" dirty="0"/>
+              <a:t>(item)</a:t>
+            </a:r>
+            <a:endParaRPr lang="ko-KR" altLang="en-US" dirty="0"/>
+          </a:p>
+        </p:txBody>
+      </p:sp>
+      <p:cxnSp>
+        <p:nvCxnSpPr>
+          <p:cNvPr id="10" name="직선 화살표 연결선 9">
+            <a:extLst>
+              <a:ext uri="{FF2B5EF4-FFF2-40B4-BE49-F238E27FC236}">
+                <a16:creationId xmlns:a16="http://schemas.microsoft.com/office/drawing/2014/main" id="{56DD491A-89C0-4CA8-BB35-125BAD003A02}"/>
+              </a:ext>
+            </a:extLst>
+          </p:cNvPr>
+          <p:cNvCxnSpPr>
+            <a:cxnSpLocks/>
+          </p:cNvCxnSpPr>
+          <p:nvPr/>
+        </p:nvCxnSpPr>
+        <p:spPr>
+          <a:xfrm>
+            <a:off x="4942642" y="2562067"/>
+            <a:ext cx="1207363" cy="0"/>
+          </a:xfrm>
+          <a:prstGeom prst="straightConnector1">
+            <a:avLst/>
+          </a:prstGeom>
+          <a:ln w="12700">
+            <a:solidFill>
+              <a:srgbClr val="FF0000"/>
+            </a:solidFill>
+            <a:tailEnd type="triangle"/>
+          </a:ln>
+        </p:spPr>
+        <p:style>
+          <a:lnRef idx="1">
+            <a:schemeClr val="accent1"/>
+          </a:lnRef>
+          <a:fillRef idx="0">
+            <a:schemeClr val="accent1"/>
+          </a:fillRef>
+          <a:effectRef idx="0">
+            <a:schemeClr val="accent1"/>
+          </a:effectRef>
+          <a:fontRef idx="minor">
+            <a:schemeClr val="tx1"/>
+          </a:fontRef>
+        </p:style>
+      </p:cxnSp>
+      <p:sp>
+        <p:nvSpPr>
+          <p:cNvPr id="11" name="TextBox 10">
+            <a:extLst>
+              <a:ext uri="{FF2B5EF4-FFF2-40B4-BE49-F238E27FC236}">
+                <a16:creationId xmlns:a16="http://schemas.microsoft.com/office/drawing/2014/main" id="{F8859471-C36E-4FFC-AC9F-DE23D9BAE7E4}"/>
+              </a:ext>
+            </a:extLst>
+          </p:cNvPr>
+          <p:cNvSpPr txBox="1"/>
+          <p:nvPr/>
+        </p:nvSpPr>
+        <p:spPr>
+          <a:xfrm>
+            <a:off x="6221026" y="2380981"/>
+            <a:ext cx="2556770" cy="369332"/>
+          </a:xfrm>
+          <a:prstGeom prst="rect">
+            <a:avLst/>
+          </a:prstGeom>
+          <a:noFill/>
+        </p:spPr>
+        <p:txBody>
+          <a:bodyPr wrap="square" rtlCol="0">
+            <a:spAutoFit/>
+          </a:bodyPr>
+          <a:lstStyle/>
+          <a:p>
+            <a:r>
+              <a:rPr lang="ko-KR" altLang="en-US" dirty="0"/>
+              <a:t>범례 배경</a:t>
+            </a:r>
+            <a:r>
+              <a:rPr lang="en-US" altLang="ko-KR" dirty="0"/>
+              <a:t>(background)</a:t>
+            </a:r>
+            <a:endParaRPr lang="ko-KR" altLang="en-US" dirty="0"/>
+          </a:p>
+        </p:txBody>
+      </p:sp>
+      <p:sp>
+        <p:nvSpPr>
+          <p:cNvPr id="12" name="TextBox 11">
+            <a:extLst>
+              <a:ext uri="{FF2B5EF4-FFF2-40B4-BE49-F238E27FC236}">
+                <a16:creationId xmlns:a16="http://schemas.microsoft.com/office/drawing/2014/main" id="{E28C0D1C-BAC8-49B4-97D6-B01556CF22B7}"/>
+              </a:ext>
+            </a:extLst>
+          </p:cNvPr>
+          <p:cNvSpPr txBox="1"/>
+          <p:nvPr/>
+        </p:nvSpPr>
+        <p:spPr>
+          <a:xfrm>
+            <a:off x="6221026" y="2833743"/>
+            <a:ext cx="1890944" cy="369332"/>
+          </a:xfrm>
+          <a:prstGeom prst="rect">
+            <a:avLst/>
+          </a:prstGeom>
+          <a:noFill/>
+        </p:spPr>
+        <p:txBody>
+          <a:bodyPr wrap="square" rtlCol="0">
+            <a:spAutoFit/>
+          </a:bodyPr>
+          <a:lstStyle/>
+          <a:p>
+            <a:r>
+              <a:rPr lang="ko-KR" altLang="en-US" dirty="0"/>
+              <a:t>범례 테두리</a:t>
+            </a:r>
+            <a:r>
+              <a:rPr lang="en-US" altLang="ko-KR" dirty="0"/>
+              <a:t>(box)</a:t>
+            </a:r>
+            <a:endParaRPr lang="ko-KR" altLang="en-US" dirty="0"/>
+          </a:p>
+        </p:txBody>
+      </p:sp>
+      <p:cxnSp>
+        <p:nvCxnSpPr>
+          <p:cNvPr id="13" name="직선 화살표 연결선 12">
+            <a:extLst>
+              <a:ext uri="{FF2B5EF4-FFF2-40B4-BE49-F238E27FC236}">
+                <a16:creationId xmlns:a16="http://schemas.microsoft.com/office/drawing/2014/main" id="{846A5500-52C6-45CA-9C89-F19BEC68DC09}"/>
+              </a:ext>
+            </a:extLst>
+          </p:cNvPr>
+          <p:cNvCxnSpPr>
+            <a:cxnSpLocks/>
+          </p:cNvCxnSpPr>
+          <p:nvPr/>
+        </p:nvCxnSpPr>
+        <p:spPr>
+          <a:xfrm>
+            <a:off x="5200233" y="2737853"/>
+            <a:ext cx="1020793" cy="276976"/>
+          </a:xfrm>
+          <a:prstGeom prst="straightConnector1">
+            <a:avLst/>
+          </a:prstGeom>
+          <a:ln w="12700">
+            <a:solidFill>
+              <a:srgbClr val="FF0000"/>
+            </a:solidFill>
+            <a:tailEnd type="triangle"/>
+          </a:ln>
+        </p:spPr>
+        <p:style>
+          <a:lnRef idx="1">
+            <a:schemeClr val="accent1"/>
+          </a:lnRef>
+          <a:fillRef idx="0">
+            <a:schemeClr val="accent1"/>
+          </a:fillRef>
+          <a:effectRef idx="0">
+            <a:schemeClr val="accent1"/>
+          </a:effectRef>
+          <a:fontRef idx="minor">
+            <a:schemeClr val="tx1"/>
+          </a:fontRef>
+        </p:style>
+      </p:cxnSp>
+      <p:sp>
+        <p:nvSpPr>
+          <p:cNvPr id="14" name="타원 13">
+            <a:extLst>
+              <a:ext uri="{FF2B5EF4-FFF2-40B4-BE49-F238E27FC236}">
+                <a16:creationId xmlns:a16="http://schemas.microsoft.com/office/drawing/2014/main" id="{3084F433-E1AF-4C25-B28B-9CE67DB8B1A8}"/>
+              </a:ext>
+            </a:extLst>
+          </p:cNvPr>
+          <p:cNvSpPr/>
+          <p:nvPr/>
+        </p:nvSpPr>
+        <p:spPr>
+          <a:xfrm>
+            <a:off x="4387787" y="3542190"/>
+            <a:ext cx="279647" cy="230819"/>
+          </a:xfrm>
+          <a:prstGeom prst="ellipse">
+            <a:avLst/>
+          </a:prstGeom>
+          <a:noFill/>
+          <a:ln w="19050">
+            <a:solidFill>
+              <a:srgbClr val="FF0000"/>
+            </a:solidFill>
+          </a:ln>
+        </p:spPr>
+        <p:style>
+          <a:lnRef idx="2">
+            <a:schemeClr val="accent1">
+              <a:shade val="50000"/>
+            </a:schemeClr>
+          </a:lnRef>
+          <a:fillRef idx="1">
+            <a:schemeClr val="accent1"/>
+          </a:fillRef>
+          <a:effectRef idx="0">
+            <a:schemeClr val="accent1"/>
+          </a:effectRef>
+          <a:fontRef idx="minor">
+            <a:schemeClr val="lt1"/>
+          </a:fontRef>
+        </p:style>
+        <p:txBody>
+          <a:bodyPr rtlCol="0" anchor="ctr"/>
+          <a:lstStyle/>
+          <a:p>
+            <a:pPr algn="ctr"/>
+            <a:endParaRPr lang="ko-KR" altLang="en-US"/>
+          </a:p>
+        </p:txBody>
+      </p:sp>
+      <p:cxnSp>
+        <p:nvCxnSpPr>
+          <p:cNvPr id="15" name="직선 화살표 연결선 14">
+            <a:extLst>
+              <a:ext uri="{FF2B5EF4-FFF2-40B4-BE49-F238E27FC236}">
+                <a16:creationId xmlns:a16="http://schemas.microsoft.com/office/drawing/2014/main" id="{90C74FAB-DB83-4C75-ABFE-2ADB7AA112E1}"/>
+              </a:ext>
+            </a:extLst>
+          </p:cNvPr>
+          <p:cNvCxnSpPr/>
+          <p:nvPr/>
+        </p:nvCxnSpPr>
+        <p:spPr>
+          <a:xfrm>
+            <a:off x="4667434" y="3654020"/>
+            <a:ext cx="1553592" cy="8878"/>
+          </a:xfrm>
+          <a:prstGeom prst="straightConnector1">
+            <a:avLst/>
+          </a:prstGeom>
+          <a:ln w="12700">
+            <a:solidFill>
+              <a:srgbClr val="FF0000"/>
+            </a:solidFill>
+            <a:tailEnd type="triangle"/>
+          </a:ln>
+        </p:spPr>
+        <p:style>
+          <a:lnRef idx="1">
+            <a:schemeClr val="accent1"/>
+          </a:lnRef>
+          <a:fillRef idx="0">
+            <a:schemeClr val="accent1"/>
+          </a:fillRef>
+          <a:effectRef idx="0">
+            <a:schemeClr val="accent1"/>
+          </a:effectRef>
+          <a:fontRef idx="minor">
+            <a:schemeClr val="tx1"/>
+          </a:fontRef>
+        </p:style>
+      </p:cxnSp>
+      <p:sp>
+        <p:nvSpPr>
+          <p:cNvPr id="16" name="TextBox 15">
+            <a:extLst>
+              <a:ext uri="{FF2B5EF4-FFF2-40B4-BE49-F238E27FC236}">
+                <a16:creationId xmlns:a16="http://schemas.microsoft.com/office/drawing/2014/main" id="{8EA48220-A598-435C-882B-D08C9E4341D8}"/>
+              </a:ext>
+            </a:extLst>
+          </p:cNvPr>
+          <p:cNvSpPr txBox="1"/>
+          <p:nvPr/>
+        </p:nvSpPr>
+        <p:spPr>
+          <a:xfrm>
+            <a:off x="6221026" y="3474701"/>
+            <a:ext cx="1890944" cy="369332"/>
+          </a:xfrm>
+          <a:prstGeom prst="rect">
+            <a:avLst/>
+          </a:prstGeom>
+          <a:noFill/>
+        </p:spPr>
+        <p:txBody>
+          <a:bodyPr wrap="square" rtlCol="0">
+            <a:spAutoFit/>
+          </a:bodyPr>
+          <a:lstStyle/>
+          <a:p>
+            <a:r>
+              <a:rPr lang="ko-KR" altLang="en-US" dirty="0"/>
+              <a:t>범례 라벨</a:t>
+            </a:r>
+            <a:r>
+              <a:rPr lang="en-US" altLang="ko-KR" dirty="0"/>
+              <a:t>(label)</a:t>
+            </a:r>
+            <a:endParaRPr lang="ko-KR" altLang="en-US" dirty="0"/>
+          </a:p>
+        </p:txBody>
+      </p:sp>
+      <p:sp>
+        <p:nvSpPr>
+          <p:cNvPr id="17" name="직사각형 16">
+            <a:extLst>
+              <a:ext uri="{FF2B5EF4-FFF2-40B4-BE49-F238E27FC236}">
+                <a16:creationId xmlns:a16="http://schemas.microsoft.com/office/drawing/2014/main" id="{F480E016-B963-465B-8C9E-7716801D0ECA}"/>
+              </a:ext>
+            </a:extLst>
+          </p:cNvPr>
+          <p:cNvSpPr/>
+          <p:nvPr/>
+        </p:nvSpPr>
+        <p:spPr>
+          <a:xfrm>
+            <a:off x="4463248" y="3429000"/>
+            <a:ext cx="133165" cy="965447"/>
+          </a:xfrm>
+          <a:prstGeom prst="rect">
+            <a:avLst/>
+          </a:prstGeom>
+          <a:noFill/>
+          <a:ln w="19050">
+            <a:solidFill>
+              <a:srgbClr val="FF0000"/>
+            </a:solidFill>
+          </a:ln>
+        </p:spPr>
+        <p:style>
+          <a:lnRef idx="2">
+            <a:schemeClr val="accent1">
+              <a:shade val="50000"/>
+            </a:schemeClr>
+          </a:lnRef>
+          <a:fillRef idx="1">
+            <a:schemeClr val="accent1"/>
+          </a:fillRef>
+          <a:effectRef idx="0">
+            <a:schemeClr val="accent1"/>
+          </a:effectRef>
+          <a:fontRef idx="minor">
+            <a:schemeClr val="lt1"/>
+          </a:fontRef>
+        </p:style>
+        <p:txBody>
+          <a:bodyPr rtlCol="0" anchor="ctr"/>
+          <a:lstStyle/>
+          <a:p>
+            <a:pPr algn="ctr"/>
+            <a:endParaRPr lang="ko-KR" altLang="en-US"/>
+          </a:p>
+        </p:txBody>
+      </p:sp>
+      <p:cxnSp>
+        <p:nvCxnSpPr>
+          <p:cNvPr id="18" name="직선 화살표 연결선 17">
+            <a:extLst>
+              <a:ext uri="{FF2B5EF4-FFF2-40B4-BE49-F238E27FC236}">
+                <a16:creationId xmlns:a16="http://schemas.microsoft.com/office/drawing/2014/main" id="{E172C997-59C4-485B-9D46-8E422B816558}"/>
+              </a:ext>
+            </a:extLst>
+          </p:cNvPr>
+          <p:cNvCxnSpPr/>
+          <p:nvPr/>
+        </p:nvCxnSpPr>
+        <p:spPr>
+          <a:xfrm>
+            <a:off x="4596413" y="4115659"/>
+            <a:ext cx="1624613" cy="0"/>
+          </a:xfrm>
+          <a:prstGeom prst="straightConnector1">
+            <a:avLst/>
+          </a:prstGeom>
+          <a:ln w="12700">
+            <a:solidFill>
+              <a:srgbClr val="FF0000"/>
+            </a:solidFill>
+            <a:tailEnd type="triangle"/>
+          </a:ln>
+        </p:spPr>
+        <p:style>
+          <a:lnRef idx="1">
+            <a:schemeClr val="accent1"/>
+          </a:lnRef>
+          <a:fillRef idx="0">
+            <a:schemeClr val="accent1"/>
+          </a:fillRef>
+          <a:effectRef idx="0">
+            <a:schemeClr val="accent1"/>
+          </a:effectRef>
+          <a:fontRef idx="minor">
+            <a:schemeClr val="tx1"/>
+          </a:fontRef>
+        </p:style>
+      </p:cxnSp>
+      <p:sp>
+        <p:nvSpPr>
+          <p:cNvPr id="19" name="TextBox 18">
+            <a:extLst>
+              <a:ext uri="{FF2B5EF4-FFF2-40B4-BE49-F238E27FC236}">
+                <a16:creationId xmlns:a16="http://schemas.microsoft.com/office/drawing/2014/main" id="{A229CC20-C657-4B84-8528-16A433085B15}"/>
+              </a:ext>
+            </a:extLst>
+          </p:cNvPr>
+          <p:cNvSpPr txBox="1"/>
+          <p:nvPr/>
+        </p:nvSpPr>
+        <p:spPr>
+          <a:xfrm>
+            <a:off x="6221026" y="3977196"/>
+            <a:ext cx="2396971" cy="369332"/>
+          </a:xfrm>
+          <a:prstGeom prst="rect">
+            <a:avLst/>
+          </a:prstGeom>
+          <a:noFill/>
+        </p:spPr>
+        <p:txBody>
+          <a:bodyPr wrap="square" rtlCol="0">
+            <a:spAutoFit/>
+          </a:bodyPr>
+          <a:lstStyle/>
+          <a:p>
+            <a:r>
+              <a:rPr lang="ko-KR" altLang="en-US" dirty="0"/>
+              <a:t>범례 브레이크</a:t>
+            </a:r>
+            <a:r>
+              <a:rPr lang="en-US" altLang="ko-KR" dirty="0"/>
+              <a:t>(break)</a:t>
+            </a:r>
+            <a:endParaRPr lang="ko-KR" altLang="en-US" dirty="0"/>
+          </a:p>
+        </p:txBody>
+      </p:sp>
+      <p:sp>
+        <p:nvSpPr>
+          <p:cNvPr id="20" name="타원 19">
+            <a:extLst>
+              <a:ext uri="{FF2B5EF4-FFF2-40B4-BE49-F238E27FC236}">
+                <a16:creationId xmlns:a16="http://schemas.microsoft.com/office/drawing/2014/main" id="{3F5E4647-7E2E-4AA5-8083-BA36D915AE19}"/>
+              </a:ext>
+            </a:extLst>
+          </p:cNvPr>
+          <p:cNvSpPr/>
+          <p:nvPr/>
+        </p:nvSpPr>
+        <p:spPr>
+          <a:xfrm>
+            <a:off x="4205794" y="1775534"/>
+            <a:ext cx="239698" cy="213064"/>
+          </a:xfrm>
+          <a:prstGeom prst="ellipse">
+            <a:avLst/>
+          </a:prstGeom>
+          <a:noFill/>
+          <a:ln w="19050">
+            <a:solidFill>
+              <a:srgbClr val="FF0000"/>
+            </a:solidFill>
+          </a:ln>
+        </p:spPr>
+        <p:style>
+          <a:lnRef idx="2">
+            <a:schemeClr val="accent1">
+              <a:shade val="50000"/>
+            </a:schemeClr>
+          </a:lnRef>
+          <a:fillRef idx="1">
+            <a:schemeClr val="accent1"/>
+          </a:fillRef>
+          <a:effectRef idx="0">
+            <a:schemeClr val="accent1"/>
+          </a:effectRef>
+          <a:fontRef idx="minor">
+            <a:schemeClr val="lt1"/>
+          </a:fontRef>
+        </p:style>
+        <p:txBody>
+          <a:bodyPr rtlCol="0" anchor="ctr"/>
+          <a:lstStyle/>
+          <a:p>
+            <a:pPr algn="ctr"/>
+            <a:endParaRPr lang="ko-KR" altLang="en-US"/>
+          </a:p>
+        </p:txBody>
+      </p:sp>
+      <p:sp>
+        <p:nvSpPr>
+          <p:cNvPr id="21" name="TextBox 20">
+            <a:extLst>
+              <a:ext uri="{FF2B5EF4-FFF2-40B4-BE49-F238E27FC236}">
+                <a16:creationId xmlns:a16="http://schemas.microsoft.com/office/drawing/2014/main" id="{5EEC3A03-C25D-4F50-8885-437CBED60EDD}"/>
+              </a:ext>
+            </a:extLst>
+          </p:cNvPr>
+          <p:cNvSpPr txBox="1"/>
+          <p:nvPr/>
+        </p:nvSpPr>
+        <p:spPr>
+          <a:xfrm>
+            <a:off x="6221026" y="880654"/>
+            <a:ext cx="1447060" cy="369332"/>
+          </a:xfrm>
+          <a:prstGeom prst="rect">
+            <a:avLst/>
+          </a:prstGeom>
+          <a:noFill/>
+        </p:spPr>
+        <p:txBody>
+          <a:bodyPr wrap="square" rtlCol="0">
+            <a:spAutoFit/>
+          </a:bodyPr>
+          <a:lstStyle/>
+          <a:p>
+            <a:r>
+              <a:rPr lang="ko-KR" altLang="en-US" dirty="0"/>
+              <a:t>범례 키</a:t>
+            </a:r>
+            <a:r>
+              <a:rPr lang="en-US" altLang="ko-KR" dirty="0"/>
+              <a:t>(key)</a:t>
+            </a:r>
+            <a:endParaRPr lang="ko-KR" altLang="en-US" dirty="0"/>
+          </a:p>
+        </p:txBody>
+      </p:sp>
+      <p:cxnSp>
+        <p:nvCxnSpPr>
+          <p:cNvPr id="22" name="직선 화살표 연결선 21">
+            <a:extLst>
+              <a:ext uri="{FF2B5EF4-FFF2-40B4-BE49-F238E27FC236}">
+                <a16:creationId xmlns:a16="http://schemas.microsoft.com/office/drawing/2014/main" id="{124C4301-3627-4F24-BF20-356054F7F061}"/>
+              </a:ext>
+            </a:extLst>
+          </p:cNvPr>
+          <p:cNvCxnSpPr>
+            <a:cxnSpLocks/>
+          </p:cNvCxnSpPr>
+          <p:nvPr/>
+        </p:nvCxnSpPr>
+        <p:spPr>
+          <a:xfrm flipV="1">
+            <a:off x="4410389" y="1061740"/>
+            <a:ext cx="1810637" cy="741417"/>
+          </a:xfrm>
+          <a:prstGeom prst="straightConnector1">
+            <a:avLst/>
+          </a:prstGeom>
+          <a:ln w="12700">
+            <a:solidFill>
+              <a:srgbClr val="FF0000"/>
+            </a:solidFill>
+            <a:tailEnd type="triangle"/>
+          </a:ln>
+        </p:spPr>
+        <p:style>
+          <a:lnRef idx="1">
+            <a:schemeClr val="accent1"/>
+          </a:lnRef>
+          <a:fillRef idx="0">
+            <a:schemeClr val="accent1"/>
+          </a:fillRef>
+          <a:effectRef idx="0">
+            <a:schemeClr val="accent1"/>
+          </a:effectRef>
+          <a:fontRef idx="minor">
+            <a:schemeClr val="tx1"/>
+          </a:fontRef>
+        </p:style>
+      </p:cxnSp>
+    </p:spTree>
+    <p:extLst>
+      <p:ext uri="{BB962C8B-B14F-4D97-AF65-F5344CB8AC3E}">
+        <p14:creationId xmlns:p14="http://schemas.microsoft.com/office/powerpoint/2010/main" val="735993500"/>
+      </p:ext>
+    </p:extLst>
+  </p:cSld>
+  <p:clrMapOvr>
+    <a:masterClrMapping/>
+  </p:clrMapOvr>
+</p:sld>
+</file>
+
 <file path=ppt/theme/theme1.xml><?xml version="1.0" encoding="utf-8"?>
 <a:theme xmlns:a="http://schemas.openxmlformats.org/drawingml/2006/main" name="Office 테마">
   <a:themeElements>

--- a/chap3/3장.pptx
+++ b/chap3/3장.pptx
@@ -13,6 +13,7 @@
     <p:sldId id="278" r:id="rId7"/>
     <p:sldId id="279" r:id="rId8"/>
     <p:sldId id="280" r:id="rId9"/>
+    <p:sldId id="281" r:id="rId10"/>
   </p:sldIdLst>
   <p:sldSz cx="12192000" cy="6858000"/>
   <p:notesSz cx="6858000" cy="9144000"/>
@@ -271,7 +272,7 @@
           <a:p>
             <a:fld id="{D6256A93-9054-4FB5-A5A6-9D00BB2633B8}" type="datetimeFigureOut">
               <a:rPr lang="ko-KR" altLang="en-US" smtClean="0"/>
-              <a:t>2022-01-11</a:t>
+              <a:t>2022-01-13</a:t>
             </a:fld>
             <a:endParaRPr lang="ko-KR" altLang="en-US"/>
           </a:p>
@@ -441,7 +442,7 @@
           <a:p>
             <a:fld id="{D6256A93-9054-4FB5-A5A6-9D00BB2633B8}" type="datetimeFigureOut">
               <a:rPr lang="ko-KR" altLang="en-US" smtClean="0"/>
-              <a:t>2022-01-11</a:t>
+              <a:t>2022-01-13</a:t>
             </a:fld>
             <a:endParaRPr lang="ko-KR" altLang="en-US"/>
           </a:p>
@@ -621,7 +622,7 @@
           <a:p>
             <a:fld id="{D6256A93-9054-4FB5-A5A6-9D00BB2633B8}" type="datetimeFigureOut">
               <a:rPr lang="ko-KR" altLang="en-US" smtClean="0"/>
-              <a:t>2022-01-11</a:t>
+              <a:t>2022-01-13</a:t>
             </a:fld>
             <a:endParaRPr lang="ko-KR" altLang="en-US"/>
           </a:p>
@@ -791,7 +792,7 @@
           <a:p>
             <a:fld id="{D6256A93-9054-4FB5-A5A6-9D00BB2633B8}" type="datetimeFigureOut">
               <a:rPr lang="ko-KR" altLang="en-US" smtClean="0"/>
-              <a:t>2022-01-11</a:t>
+              <a:t>2022-01-13</a:t>
             </a:fld>
             <a:endParaRPr lang="ko-KR" altLang="en-US"/>
           </a:p>
@@ -1037,7 +1038,7 @@
           <a:p>
             <a:fld id="{D6256A93-9054-4FB5-A5A6-9D00BB2633B8}" type="datetimeFigureOut">
               <a:rPr lang="ko-KR" altLang="en-US" smtClean="0"/>
-              <a:t>2022-01-11</a:t>
+              <a:t>2022-01-13</a:t>
             </a:fld>
             <a:endParaRPr lang="ko-KR" altLang="en-US"/>
           </a:p>
@@ -1269,7 +1270,7 @@
           <a:p>
             <a:fld id="{D6256A93-9054-4FB5-A5A6-9D00BB2633B8}" type="datetimeFigureOut">
               <a:rPr lang="ko-KR" altLang="en-US" smtClean="0"/>
-              <a:t>2022-01-11</a:t>
+              <a:t>2022-01-13</a:t>
             </a:fld>
             <a:endParaRPr lang="ko-KR" altLang="en-US"/>
           </a:p>
@@ -1636,7 +1637,7 @@
           <a:p>
             <a:fld id="{D6256A93-9054-4FB5-A5A6-9D00BB2633B8}" type="datetimeFigureOut">
               <a:rPr lang="ko-KR" altLang="en-US" smtClean="0"/>
-              <a:t>2022-01-11</a:t>
+              <a:t>2022-01-13</a:t>
             </a:fld>
             <a:endParaRPr lang="ko-KR" altLang="en-US"/>
           </a:p>
@@ -1754,7 +1755,7 @@
           <a:p>
             <a:fld id="{D6256A93-9054-4FB5-A5A6-9D00BB2633B8}" type="datetimeFigureOut">
               <a:rPr lang="ko-KR" altLang="en-US" smtClean="0"/>
-              <a:t>2022-01-11</a:t>
+              <a:t>2022-01-13</a:t>
             </a:fld>
             <a:endParaRPr lang="ko-KR" altLang="en-US"/>
           </a:p>
@@ -1849,7 +1850,7 @@
           <a:p>
             <a:fld id="{D6256A93-9054-4FB5-A5A6-9D00BB2633B8}" type="datetimeFigureOut">
               <a:rPr lang="ko-KR" altLang="en-US" smtClean="0"/>
-              <a:t>2022-01-11</a:t>
+              <a:t>2022-01-13</a:t>
             </a:fld>
             <a:endParaRPr lang="ko-KR" altLang="en-US"/>
           </a:p>
@@ -2126,7 +2127,7 @@
           <a:p>
             <a:fld id="{D6256A93-9054-4FB5-A5A6-9D00BB2633B8}" type="datetimeFigureOut">
               <a:rPr lang="ko-KR" altLang="en-US" smtClean="0"/>
-              <a:t>2022-01-11</a:t>
+              <a:t>2022-01-13</a:t>
             </a:fld>
             <a:endParaRPr lang="ko-KR" altLang="en-US"/>
           </a:p>
@@ -2379,7 +2380,7 @@
           <a:p>
             <a:fld id="{D6256A93-9054-4FB5-A5A6-9D00BB2633B8}" type="datetimeFigureOut">
               <a:rPr lang="ko-KR" altLang="en-US" smtClean="0"/>
-              <a:t>2022-01-11</a:t>
+              <a:t>2022-01-13</a:t>
             </a:fld>
             <a:endParaRPr lang="ko-KR" altLang="en-US"/>
           </a:p>
@@ -2592,7 +2593,7 @@
           <a:p>
             <a:fld id="{D6256A93-9054-4FB5-A5A6-9D00BB2633B8}" type="datetimeFigureOut">
               <a:rPr lang="ko-KR" altLang="en-US" smtClean="0"/>
-              <a:t>2022-01-11</a:t>
+              <a:t>2022-01-13</a:t>
             </a:fld>
             <a:endParaRPr lang="ko-KR" altLang="en-US"/>
           </a:p>
@@ -14157,6 +14158,767 @@
 </p:sld>
 </file>
 
+<file path=ppt/slides/slide9.xml><?xml version="1.0" encoding="utf-8"?>
+<p:sld xmlns:a="http://schemas.openxmlformats.org/drawingml/2006/main" xmlns:r="http://schemas.openxmlformats.org/officeDocument/2006/relationships" xmlns:p="http://schemas.openxmlformats.org/presentationml/2006/main">
+  <p:cSld>
+    <p:spTree>
+      <p:nvGrpSpPr>
+        <p:cNvPr id="1" name=""/>
+        <p:cNvGrpSpPr/>
+        <p:nvPr/>
+      </p:nvGrpSpPr>
+      <p:grpSpPr>
+        <a:xfrm>
+          <a:off x="0" y="0"/>
+          <a:ext cx="0" cy="0"/>
+          <a:chOff x="0" y="0"/>
+          <a:chExt cx="0" cy="0"/>
+        </a:xfrm>
+      </p:grpSpPr>
+      <p:grpSp>
+        <p:nvGrpSpPr>
+          <p:cNvPr id="26" name="그룹 25"/>
+          <p:cNvGrpSpPr/>
+          <p:nvPr/>
+        </p:nvGrpSpPr>
+        <p:grpSpPr>
+          <a:xfrm>
+            <a:off x="2829459" y="752483"/>
+            <a:ext cx="4753160" cy="4632310"/>
+            <a:chOff x="2829459" y="752483"/>
+            <a:chExt cx="4753160" cy="4632310"/>
+          </a:xfrm>
+        </p:grpSpPr>
+        <p:pic>
+          <p:nvPicPr>
+            <p:cNvPr id="5" name="그림 4"/>
+            <p:cNvPicPr>
+              <a:picLocks noChangeAspect="1"/>
+            </p:cNvPicPr>
+            <p:nvPr/>
+          </p:nvPicPr>
+          <p:blipFill rotWithShape="1">
+            <a:blip r:embed="rId2"/>
+            <a:srcRect r="69543" b="-6"/>
+            <a:stretch/>
+          </p:blipFill>
+          <p:spPr>
+            <a:xfrm>
+              <a:off x="5296620" y="752483"/>
+              <a:ext cx="2285999" cy="4632310"/>
+            </a:xfrm>
+            <a:prstGeom prst="rect">
+              <a:avLst/>
+            </a:prstGeom>
+          </p:spPr>
+        </p:pic>
+        <p:sp>
+          <p:nvSpPr>
+            <p:cNvPr id="6" name="타원 5">
+              <a:extLst>
+                <a:ext uri="{FF2B5EF4-FFF2-40B4-BE49-F238E27FC236}">
+                  <a16:creationId xmlns:a16="http://schemas.microsoft.com/office/drawing/2014/main" id="{3084F433-E1AF-4C25-B28B-9CE67DB8B1A8}"/>
+                </a:ext>
+              </a:extLst>
+            </p:cNvPr>
+            <p:cNvSpPr/>
+            <p:nvPr/>
+          </p:nvSpPr>
+          <p:spPr>
+            <a:xfrm>
+              <a:off x="5914664" y="1620268"/>
+              <a:ext cx="279647" cy="230819"/>
+            </a:xfrm>
+            <a:prstGeom prst="ellipse">
+              <a:avLst/>
+            </a:prstGeom>
+            <a:noFill/>
+            <a:ln w="19050">
+              <a:solidFill>
+                <a:srgbClr val="FF0000"/>
+              </a:solidFill>
+            </a:ln>
+          </p:spPr>
+          <p:style>
+            <a:lnRef idx="2">
+              <a:schemeClr val="accent1">
+                <a:shade val="50000"/>
+              </a:schemeClr>
+            </a:lnRef>
+            <a:fillRef idx="1">
+              <a:schemeClr val="accent1"/>
+            </a:fillRef>
+            <a:effectRef idx="0">
+              <a:schemeClr val="accent1"/>
+            </a:effectRef>
+            <a:fontRef idx="minor">
+              <a:schemeClr val="lt1"/>
+            </a:fontRef>
+          </p:style>
+          <p:txBody>
+            <a:bodyPr rtlCol="0" anchor="ctr"/>
+            <a:lstStyle/>
+            <a:p>
+              <a:pPr algn="ctr"/>
+              <a:endParaRPr lang="ko-KR" altLang="en-US"/>
+            </a:p>
+          </p:txBody>
+        </p:sp>
+        <p:cxnSp>
+          <p:nvCxnSpPr>
+            <p:cNvPr id="7" name="직선 화살표 연결선 6">
+              <a:extLst>
+                <a:ext uri="{FF2B5EF4-FFF2-40B4-BE49-F238E27FC236}">
+                  <a16:creationId xmlns:a16="http://schemas.microsoft.com/office/drawing/2014/main" id="{90C74FAB-DB83-4C75-ABFE-2ADB7AA112E1}"/>
+                </a:ext>
+              </a:extLst>
+            </p:cNvPr>
+            <p:cNvCxnSpPr/>
+            <p:nvPr/>
+          </p:nvCxnSpPr>
+          <p:spPr>
+            <a:xfrm>
+              <a:off x="4994694" y="1735677"/>
+              <a:ext cx="919970" cy="1"/>
+            </a:xfrm>
+            <a:prstGeom prst="straightConnector1">
+              <a:avLst/>
+            </a:prstGeom>
+            <a:ln w="19050">
+              <a:solidFill>
+                <a:srgbClr val="FF0000"/>
+              </a:solidFill>
+              <a:tailEnd type="triangle"/>
+            </a:ln>
+          </p:spPr>
+          <p:style>
+            <a:lnRef idx="1">
+              <a:schemeClr val="accent1"/>
+            </a:lnRef>
+            <a:fillRef idx="0">
+              <a:schemeClr val="accent1"/>
+            </a:fillRef>
+            <a:effectRef idx="0">
+              <a:schemeClr val="accent1"/>
+            </a:effectRef>
+            <a:fontRef idx="minor">
+              <a:schemeClr val="tx1"/>
+            </a:fontRef>
+          </p:style>
+        </p:cxnSp>
+        <p:sp>
+          <p:nvSpPr>
+            <p:cNvPr id="8" name="TextBox 7">
+              <a:extLst>
+                <a:ext uri="{FF2B5EF4-FFF2-40B4-BE49-F238E27FC236}">
+                  <a16:creationId xmlns:a16="http://schemas.microsoft.com/office/drawing/2014/main" id="{8EA48220-A598-435C-882B-D08C9E4341D8}"/>
+                </a:ext>
+              </a:extLst>
+            </p:cNvPr>
+            <p:cNvSpPr txBox="1"/>
+            <p:nvPr/>
+          </p:nvSpPr>
+          <p:spPr>
+            <a:xfrm>
+              <a:off x="3382931" y="1551011"/>
+              <a:ext cx="1611763" cy="369332"/>
+            </a:xfrm>
+            <a:prstGeom prst="rect">
+              <a:avLst/>
+            </a:prstGeom>
+            <a:noFill/>
+          </p:spPr>
+          <p:txBody>
+            <a:bodyPr wrap="square" rtlCol="0">
+              <a:spAutoFit/>
+            </a:bodyPr>
+            <a:lstStyle/>
+            <a:p>
+              <a:r>
+                <a:rPr lang="ko-KR" altLang="en-US" dirty="0" smtClean="0"/>
+                <a:t>축 </a:t>
+              </a:r>
+              <a:r>
+                <a:rPr lang="ko-KR" altLang="en-US" dirty="0" err="1" smtClean="0"/>
+                <a:t>눈금자</a:t>
+              </a:r>
+              <a:r>
+                <a:rPr lang="en-US" altLang="ko-KR" dirty="0" smtClean="0"/>
+                <a:t>(</a:t>
+              </a:r>
+              <a:r>
+                <a:rPr lang="en-US" altLang="ko-KR" dirty="0" smtClean="0"/>
+                <a:t>tick</a:t>
+              </a:r>
+              <a:r>
+                <a:rPr lang="en-US" altLang="ko-KR" dirty="0" smtClean="0"/>
+                <a:t>)</a:t>
+              </a:r>
+              <a:endParaRPr lang="ko-KR" altLang="en-US" dirty="0"/>
+            </a:p>
+          </p:txBody>
+        </p:sp>
+        <p:sp>
+          <p:nvSpPr>
+            <p:cNvPr id="12" name="직사각형 11"/>
+            <p:cNvSpPr/>
+            <p:nvPr/>
+          </p:nvSpPr>
+          <p:spPr>
+            <a:xfrm>
+              <a:off x="5296620" y="2449902"/>
+              <a:ext cx="224286" cy="741872"/>
+            </a:xfrm>
+            <a:prstGeom prst="rect">
+              <a:avLst/>
+            </a:prstGeom>
+            <a:noFill/>
+            <a:ln w="19050">
+              <a:solidFill>
+                <a:srgbClr val="FF0000"/>
+              </a:solidFill>
+            </a:ln>
+          </p:spPr>
+          <p:style>
+            <a:lnRef idx="2">
+              <a:schemeClr val="accent1">
+                <a:shade val="50000"/>
+              </a:schemeClr>
+            </a:lnRef>
+            <a:fillRef idx="1">
+              <a:schemeClr val="accent1"/>
+            </a:fillRef>
+            <a:effectRef idx="0">
+              <a:schemeClr val="accent1"/>
+            </a:effectRef>
+            <a:fontRef idx="minor">
+              <a:schemeClr val="lt1"/>
+            </a:fontRef>
+          </p:style>
+          <p:txBody>
+            <a:bodyPr rtlCol="0" anchor="ctr"/>
+            <a:lstStyle/>
+            <a:p>
+              <a:pPr algn="ctr"/>
+              <a:endParaRPr lang="ko-KR" altLang="en-US"/>
+            </a:p>
+          </p:txBody>
+        </p:sp>
+        <p:sp>
+          <p:nvSpPr>
+            <p:cNvPr id="13" name="TextBox 12">
+              <a:extLst>
+                <a:ext uri="{FF2B5EF4-FFF2-40B4-BE49-F238E27FC236}">
+                  <a16:creationId xmlns:a16="http://schemas.microsoft.com/office/drawing/2014/main" id="{8EA48220-A598-435C-882B-D08C9E4341D8}"/>
+                </a:ext>
+              </a:extLst>
+            </p:cNvPr>
+            <p:cNvSpPr txBox="1"/>
+            <p:nvPr/>
+          </p:nvSpPr>
+          <p:spPr>
+            <a:xfrm>
+              <a:off x="2829461" y="2636172"/>
+              <a:ext cx="2285999" cy="369332"/>
+            </a:xfrm>
+            <a:prstGeom prst="rect">
+              <a:avLst/>
+            </a:prstGeom>
+            <a:noFill/>
+          </p:spPr>
+          <p:txBody>
+            <a:bodyPr wrap="square" rtlCol="0">
+              <a:spAutoFit/>
+            </a:bodyPr>
+            <a:lstStyle/>
+            <a:p>
+              <a:pPr algn="ctr"/>
+              <a:r>
+                <a:rPr lang="ko-KR" altLang="en-US" dirty="0" smtClean="0"/>
+                <a:t>축 제목</a:t>
+              </a:r>
+              <a:r>
+                <a:rPr lang="en-US" altLang="ko-KR" dirty="0" smtClean="0"/>
+                <a:t>(</a:t>
+              </a:r>
+              <a:r>
+                <a:rPr lang="en-US" altLang="ko-KR" dirty="0" smtClean="0"/>
+                <a:t>title, name</a:t>
+              </a:r>
+              <a:r>
+                <a:rPr lang="en-US" altLang="ko-KR" dirty="0" smtClean="0"/>
+                <a:t>)</a:t>
+              </a:r>
+              <a:endParaRPr lang="ko-KR" altLang="en-US" dirty="0"/>
+            </a:p>
+          </p:txBody>
+        </p:sp>
+        <p:cxnSp>
+          <p:nvCxnSpPr>
+            <p:cNvPr id="15" name="직선 화살표 연결선 14"/>
+            <p:cNvCxnSpPr/>
+            <p:nvPr/>
+          </p:nvCxnSpPr>
+          <p:spPr>
+            <a:xfrm flipV="1">
+              <a:off x="4994693" y="2820838"/>
+              <a:ext cx="301927" cy="1"/>
+            </a:xfrm>
+            <a:prstGeom prst="straightConnector1">
+              <a:avLst/>
+            </a:prstGeom>
+            <a:ln w="12700">
+              <a:solidFill>
+                <a:srgbClr val="FF0000"/>
+              </a:solidFill>
+              <a:tailEnd type="triangle"/>
+            </a:ln>
+          </p:spPr>
+          <p:style>
+            <a:lnRef idx="1">
+              <a:schemeClr val="accent1"/>
+            </a:lnRef>
+            <a:fillRef idx="0">
+              <a:schemeClr val="accent1"/>
+            </a:fillRef>
+            <a:effectRef idx="0">
+              <a:schemeClr val="accent1"/>
+            </a:effectRef>
+            <a:fontRef idx="minor">
+              <a:schemeClr val="tx1"/>
+            </a:fontRef>
+          </p:style>
+        </p:cxnSp>
+        <p:sp>
+          <p:nvSpPr>
+            <p:cNvPr id="17" name="직사각형 16"/>
+            <p:cNvSpPr/>
+            <p:nvPr/>
+          </p:nvSpPr>
+          <p:spPr>
+            <a:xfrm>
+              <a:off x="5520906" y="3597215"/>
+              <a:ext cx="533581" cy="198408"/>
+            </a:xfrm>
+            <a:prstGeom prst="rect">
+              <a:avLst/>
+            </a:prstGeom>
+            <a:noFill/>
+            <a:ln w="19050">
+              <a:solidFill>
+                <a:srgbClr val="FF0000"/>
+              </a:solidFill>
+            </a:ln>
+          </p:spPr>
+          <p:style>
+            <a:lnRef idx="2">
+              <a:schemeClr val="accent1">
+                <a:shade val="50000"/>
+              </a:schemeClr>
+            </a:lnRef>
+            <a:fillRef idx="1">
+              <a:schemeClr val="accent1"/>
+            </a:fillRef>
+            <a:effectRef idx="0">
+              <a:schemeClr val="accent1"/>
+            </a:effectRef>
+            <a:fontRef idx="minor">
+              <a:schemeClr val="lt1"/>
+            </a:fontRef>
+          </p:style>
+          <p:txBody>
+            <a:bodyPr rot="0" spcFirstLastPara="0" vertOverflow="overflow" horzOverflow="overflow" vert="horz" wrap="square" lIns="91440" tIns="45720" rIns="91440" bIns="45720" numCol="1" spcCol="0" rtlCol="0" fromWordArt="0" anchor="ctr" anchorCtr="0" forceAA="0" compatLnSpc="1">
+              <a:prstTxWarp prst="textNoShape">
+                <a:avLst/>
+              </a:prstTxWarp>
+              <a:noAutofit/>
+            </a:bodyPr>
+            <a:lstStyle/>
+            <a:p>
+              <a:pPr algn="ctr"/>
+              <a:endParaRPr lang="ko-KR" altLang="en-US"/>
+            </a:p>
+          </p:txBody>
+        </p:sp>
+        <p:sp>
+          <p:nvSpPr>
+            <p:cNvPr id="18" name="TextBox 17">
+              <a:extLst>
+                <a:ext uri="{FF2B5EF4-FFF2-40B4-BE49-F238E27FC236}">
+                  <a16:creationId xmlns:a16="http://schemas.microsoft.com/office/drawing/2014/main" id="{8EA48220-A598-435C-882B-D08C9E4341D8}"/>
+                </a:ext>
+              </a:extLst>
+            </p:cNvPr>
+            <p:cNvSpPr txBox="1"/>
+            <p:nvPr/>
+          </p:nvSpPr>
+          <p:spPr>
+            <a:xfrm>
+              <a:off x="2829459" y="3511753"/>
+              <a:ext cx="2165234" cy="369332"/>
+            </a:xfrm>
+            <a:prstGeom prst="rect">
+              <a:avLst/>
+            </a:prstGeom>
+            <a:noFill/>
+          </p:spPr>
+          <p:txBody>
+            <a:bodyPr wrap="square" rtlCol="0">
+              <a:spAutoFit/>
+            </a:bodyPr>
+            <a:lstStyle/>
+            <a:p>
+              <a:pPr algn="ctr"/>
+              <a:r>
+                <a:rPr lang="ko-KR" altLang="en-US" dirty="0" smtClean="0"/>
+                <a:t>축 라벨</a:t>
+              </a:r>
+              <a:r>
+                <a:rPr lang="en-US" altLang="ko-KR" dirty="0" smtClean="0"/>
+                <a:t>(</a:t>
+              </a:r>
+              <a:r>
+                <a:rPr lang="en-US" altLang="ko-KR" dirty="0" smtClean="0"/>
+                <a:t>labels, text</a:t>
+              </a:r>
+              <a:r>
+                <a:rPr lang="en-US" altLang="ko-KR" dirty="0" smtClean="0"/>
+                <a:t>)</a:t>
+              </a:r>
+              <a:endParaRPr lang="ko-KR" altLang="en-US" dirty="0"/>
+            </a:p>
+          </p:txBody>
+        </p:sp>
+        <p:cxnSp>
+          <p:nvCxnSpPr>
+            <p:cNvPr id="20" name="직선 화살표 연결선 19"/>
+            <p:cNvCxnSpPr>
+              <a:stCxn id="18" idx="3"/>
+              <a:endCxn id="17" idx="1"/>
+            </p:cNvCxnSpPr>
+            <p:nvPr/>
+          </p:nvCxnSpPr>
+          <p:spPr>
+            <a:xfrm>
+              <a:off x="4994693" y="3696419"/>
+              <a:ext cx="526213" cy="0"/>
+            </a:xfrm>
+            <a:prstGeom prst="straightConnector1">
+              <a:avLst/>
+            </a:prstGeom>
+            <a:ln w="12700">
+              <a:solidFill>
+                <a:srgbClr val="FF0000"/>
+              </a:solidFill>
+              <a:tailEnd type="triangle"/>
+            </a:ln>
+          </p:spPr>
+          <p:style>
+            <a:lnRef idx="1">
+              <a:schemeClr val="accent1"/>
+            </a:lnRef>
+            <a:fillRef idx="0">
+              <a:schemeClr val="accent1"/>
+            </a:fillRef>
+            <a:effectRef idx="0">
+              <a:schemeClr val="accent1"/>
+            </a:effectRef>
+            <a:fontRef idx="minor">
+              <a:schemeClr val="tx1"/>
+            </a:fontRef>
+          </p:style>
+        </p:cxnSp>
+        <p:sp>
+          <p:nvSpPr>
+            <p:cNvPr id="21" name="직사각형 20"/>
+            <p:cNvSpPr/>
+            <p:nvPr/>
+          </p:nvSpPr>
+          <p:spPr>
+            <a:xfrm>
+              <a:off x="6054487" y="4873925"/>
+              <a:ext cx="1528132" cy="267418"/>
+            </a:xfrm>
+            <a:prstGeom prst="rect">
+              <a:avLst/>
+            </a:prstGeom>
+            <a:noFill/>
+            <a:ln w="19050">
+              <a:solidFill>
+                <a:srgbClr val="FF0000"/>
+              </a:solidFill>
+            </a:ln>
+          </p:spPr>
+          <p:style>
+            <a:lnRef idx="2">
+              <a:schemeClr val="accent1">
+                <a:shade val="50000"/>
+              </a:schemeClr>
+            </a:lnRef>
+            <a:fillRef idx="1">
+              <a:schemeClr val="accent1"/>
+            </a:fillRef>
+            <a:effectRef idx="0">
+              <a:schemeClr val="accent1"/>
+            </a:effectRef>
+            <a:fontRef idx="minor">
+              <a:schemeClr val="lt1"/>
+            </a:fontRef>
+          </p:style>
+          <p:txBody>
+            <a:bodyPr rot="0" spcFirstLastPara="0" vertOverflow="overflow" horzOverflow="overflow" vert="horz" wrap="square" lIns="91440" tIns="45720" rIns="91440" bIns="45720" numCol="1" spcCol="0" rtlCol="0" fromWordArt="0" anchor="ctr" anchorCtr="0" forceAA="0" compatLnSpc="1">
+              <a:prstTxWarp prst="textNoShape">
+                <a:avLst/>
+              </a:prstTxWarp>
+              <a:noAutofit/>
+            </a:bodyPr>
+            <a:lstStyle/>
+            <a:p>
+              <a:pPr algn="ctr"/>
+              <a:endParaRPr lang="ko-KR" altLang="en-US"/>
+            </a:p>
+          </p:txBody>
+        </p:sp>
+        <p:sp>
+          <p:nvSpPr>
+            <p:cNvPr id="22" name="TextBox 21">
+              <a:extLst>
+                <a:ext uri="{FF2B5EF4-FFF2-40B4-BE49-F238E27FC236}">
+                  <a16:creationId xmlns:a16="http://schemas.microsoft.com/office/drawing/2014/main" id="{8EA48220-A598-435C-882B-D08C9E4341D8}"/>
+                </a:ext>
+              </a:extLst>
+            </p:cNvPr>
+            <p:cNvSpPr txBox="1"/>
+            <p:nvPr/>
+          </p:nvSpPr>
+          <p:spPr>
+            <a:xfrm>
+              <a:off x="3174531" y="4822968"/>
+              <a:ext cx="1820162" cy="369332"/>
+            </a:xfrm>
+            <a:prstGeom prst="rect">
+              <a:avLst/>
+            </a:prstGeom>
+            <a:noFill/>
+          </p:spPr>
+          <p:txBody>
+            <a:bodyPr wrap="square" rtlCol="0">
+              <a:spAutoFit/>
+            </a:bodyPr>
+            <a:lstStyle/>
+            <a:p>
+              <a:pPr algn="ctr"/>
+              <a:r>
+                <a:rPr lang="ko-KR" altLang="en-US" dirty="0" smtClean="0"/>
+                <a:t>축 눈금</a:t>
+              </a:r>
+              <a:r>
+                <a:rPr lang="en-US" altLang="ko-KR" dirty="0" smtClean="0"/>
+                <a:t>(</a:t>
+              </a:r>
+              <a:r>
+                <a:rPr lang="en-US" altLang="ko-KR" dirty="0" smtClean="0"/>
+                <a:t>breaks</a:t>
+              </a:r>
+              <a:r>
+                <a:rPr lang="en-US" altLang="ko-KR" dirty="0" smtClean="0"/>
+                <a:t>)</a:t>
+              </a:r>
+              <a:endParaRPr lang="ko-KR" altLang="en-US" dirty="0"/>
+            </a:p>
+          </p:txBody>
+        </p:sp>
+        <p:cxnSp>
+          <p:nvCxnSpPr>
+            <p:cNvPr id="24" name="직선 화살표 연결선 23"/>
+            <p:cNvCxnSpPr>
+              <a:stCxn id="22" idx="3"/>
+              <a:endCxn id="21" idx="1"/>
+            </p:cNvCxnSpPr>
+            <p:nvPr/>
+          </p:nvCxnSpPr>
+          <p:spPr>
+            <a:xfrm>
+              <a:off x="4994693" y="5007634"/>
+              <a:ext cx="1059794" cy="0"/>
+            </a:xfrm>
+            <a:prstGeom prst="straightConnector1">
+              <a:avLst/>
+            </a:prstGeom>
+            <a:ln w="12700">
+              <a:solidFill>
+                <a:srgbClr val="FF0000"/>
+              </a:solidFill>
+              <a:tailEnd type="triangle"/>
+            </a:ln>
+          </p:spPr>
+          <p:style>
+            <a:lnRef idx="1">
+              <a:schemeClr val="accent1"/>
+            </a:lnRef>
+            <a:fillRef idx="0">
+              <a:schemeClr val="accent1"/>
+            </a:fillRef>
+            <a:effectRef idx="0">
+              <a:schemeClr val="accent1"/>
+            </a:effectRef>
+            <a:fontRef idx="minor">
+              <a:schemeClr val="tx1"/>
+            </a:fontRef>
+          </p:style>
+        </p:cxnSp>
+      </p:grpSp>
+      <p:sp>
+        <p:nvSpPr>
+          <p:cNvPr id="27" name="직사각형 26"/>
+          <p:cNvSpPr/>
+          <p:nvPr/>
+        </p:nvSpPr>
+        <p:spPr>
+          <a:xfrm>
+            <a:off x="6054487" y="752483"/>
+            <a:ext cx="70268" cy="4070485"/>
+          </a:xfrm>
+          <a:prstGeom prst="rect">
+            <a:avLst/>
+          </a:prstGeom>
+          <a:noFill/>
+          <a:ln w="19050">
+            <a:solidFill>
+              <a:srgbClr val="FF0000"/>
+            </a:solidFill>
+          </a:ln>
+        </p:spPr>
+        <p:style>
+          <a:lnRef idx="2">
+            <a:schemeClr val="accent1">
+              <a:shade val="50000"/>
+            </a:schemeClr>
+          </a:lnRef>
+          <a:fillRef idx="1">
+            <a:schemeClr val="accent1"/>
+          </a:fillRef>
+          <a:effectRef idx="0">
+            <a:schemeClr val="accent1"/>
+          </a:effectRef>
+          <a:fontRef idx="minor">
+            <a:schemeClr val="lt1"/>
+          </a:fontRef>
+        </p:style>
+        <p:txBody>
+          <a:bodyPr rot="0" spcFirstLastPara="0" vertOverflow="overflow" horzOverflow="overflow" vert="horz" wrap="square" lIns="91440" tIns="45720" rIns="91440" bIns="45720" numCol="1" spcCol="0" rtlCol="0" fromWordArt="0" anchor="ctr" anchorCtr="0" forceAA="0" compatLnSpc="1">
+            <a:prstTxWarp prst="textNoShape">
+              <a:avLst/>
+            </a:prstTxWarp>
+            <a:noAutofit/>
+          </a:bodyPr>
+          <a:lstStyle/>
+          <a:p>
+            <a:pPr algn="ctr"/>
+            <a:endParaRPr lang="ko-KR" altLang="en-US"/>
+          </a:p>
+        </p:txBody>
+      </p:sp>
+      <p:sp>
+        <p:nvSpPr>
+          <p:cNvPr id="28" name="TextBox 27">
+            <a:extLst>
+              <a:ext uri="{FF2B5EF4-FFF2-40B4-BE49-F238E27FC236}">
+                <a16:creationId xmlns:a16="http://schemas.microsoft.com/office/drawing/2014/main" id="{8EA48220-A598-435C-882B-D08C9E4341D8}"/>
+              </a:ext>
+            </a:extLst>
+          </p:cNvPr>
+          <p:cNvSpPr txBox="1"/>
+          <p:nvPr/>
+        </p:nvSpPr>
+        <p:spPr>
+          <a:xfrm>
+            <a:off x="3382931" y="949703"/>
+            <a:ext cx="1611763" cy="369332"/>
+          </a:xfrm>
+          <a:prstGeom prst="rect">
+            <a:avLst/>
+          </a:prstGeom>
+          <a:noFill/>
+        </p:spPr>
+        <p:txBody>
+          <a:bodyPr wrap="square" rtlCol="0">
+            <a:spAutoFit/>
+          </a:bodyPr>
+          <a:lstStyle/>
+          <a:p>
+            <a:pPr algn="r"/>
+            <a:r>
+              <a:rPr lang="ko-KR" altLang="en-US" dirty="0" smtClean="0"/>
+              <a:t>축 라인</a:t>
+            </a:r>
+            <a:r>
+              <a:rPr lang="en-US" altLang="ko-KR" dirty="0" smtClean="0"/>
+              <a:t>(</a:t>
+            </a:r>
+            <a:r>
+              <a:rPr lang="en-US" altLang="ko-KR" dirty="0" smtClean="0"/>
+              <a:t>line</a:t>
+            </a:r>
+            <a:r>
+              <a:rPr lang="en-US" altLang="ko-KR" dirty="0" smtClean="0"/>
+              <a:t>)</a:t>
+            </a:r>
+            <a:endParaRPr lang="ko-KR" altLang="en-US" dirty="0"/>
+          </a:p>
+        </p:txBody>
+      </p:sp>
+      <p:cxnSp>
+        <p:nvCxnSpPr>
+          <p:cNvPr id="30" name="직선 화살표 연결선 29"/>
+          <p:cNvCxnSpPr>
+            <a:stCxn id="28" idx="3"/>
+          </p:cNvCxnSpPr>
+          <p:nvPr/>
+        </p:nvCxnSpPr>
+        <p:spPr>
+          <a:xfrm flipV="1">
+            <a:off x="4994694" y="1113221"/>
+            <a:ext cx="1059793" cy="21148"/>
+          </a:xfrm>
+          <a:prstGeom prst="straightConnector1">
+            <a:avLst/>
+          </a:prstGeom>
+          <a:ln w="12700">
+            <a:solidFill>
+              <a:srgbClr val="FF0000"/>
+            </a:solidFill>
+            <a:tailEnd type="triangle"/>
+          </a:ln>
+        </p:spPr>
+        <p:style>
+          <a:lnRef idx="1">
+            <a:schemeClr val="accent1"/>
+          </a:lnRef>
+          <a:fillRef idx="0">
+            <a:schemeClr val="accent1"/>
+          </a:fillRef>
+          <a:effectRef idx="0">
+            <a:schemeClr val="accent1"/>
+          </a:effectRef>
+          <a:fontRef idx="minor">
+            <a:schemeClr val="tx1"/>
+          </a:fontRef>
+        </p:style>
+      </p:cxnSp>
+    </p:spTree>
+    <p:extLst>
+      <p:ext uri="{BB962C8B-B14F-4D97-AF65-F5344CB8AC3E}">
+        <p14:creationId xmlns:p14="http://schemas.microsoft.com/office/powerpoint/2010/main" val="1453359193"/>
+      </p:ext>
+    </p:extLst>
+  </p:cSld>
+  <p:clrMapOvr>
+    <a:masterClrMapping/>
+  </p:clrMapOvr>
+</p:sld>
+</file>
+
 <file path=ppt/theme/theme1.xml><?xml version="1.0" encoding="utf-8"?>
 <a:theme xmlns:a="http://schemas.openxmlformats.org/drawingml/2006/main" name="Office 테마">
   <a:themeElements>
@@ -14408,7 +15170,66 @@
       </a:bgFillStyleLst>
     </a:fmtScheme>
   </a:themeElements>
-  <a:objectDefaults/>
+  <a:objectDefaults>
+    <a:spDef>
+      <a:spPr>
+        <a:noFill/>
+        <a:ln w="19050">
+          <a:solidFill>
+            <a:srgbClr val="FF0000"/>
+          </a:solidFill>
+        </a:ln>
+      </a:spPr>
+      <a:bodyPr rtlCol="0" anchor="ctr"/>
+      <a:lstStyle>
+        <a:defPPr algn="ctr">
+          <a:defRPr/>
+        </a:defPPr>
+      </a:lstStyle>
+      <a:style>
+        <a:lnRef idx="2">
+          <a:schemeClr val="accent1">
+            <a:shade val="50000"/>
+          </a:schemeClr>
+        </a:lnRef>
+        <a:fillRef idx="1">
+          <a:schemeClr val="accent1"/>
+        </a:fillRef>
+        <a:effectRef idx="0">
+          <a:schemeClr val="accent1"/>
+        </a:effectRef>
+        <a:fontRef idx="minor">
+          <a:schemeClr val="lt1"/>
+        </a:fontRef>
+      </a:style>
+    </a:spDef>
+    <a:lnDef>
+      <a:spPr>
+        <a:ln w="12700">
+          <a:solidFill>
+            <a:srgbClr val="FF0000"/>
+          </a:solidFill>
+          <a:tailEnd type="triangle"/>
+        </a:ln>
+      </a:spPr>
+      <a:bodyPr/>
+      <a:lstStyle/>
+      <a:style>
+        <a:lnRef idx="1">
+          <a:schemeClr val="accent1"/>
+        </a:lnRef>
+        <a:fillRef idx="0">
+          <a:schemeClr val="accent1"/>
+        </a:fillRef>
+        <a:effectRef idx="0">
+          <a:schemeClr val="accent1"/>
+        </a:effectRef>
+        <a:fontRef idx="minor">
+          <a:schemeClr val="tx1"/>
+        </a:fontRef>
+      </a:style>
+    </a:lnDef>
+  </a:objectDefaults>
   <a:extraClrSchemeLst/>
   <a:extLst>
     <a:ext uri="{05A4C25C-085E-4340-85A3-A5531E510DB2}">

--- a/chap3/3장.pptx
+++ b/chap3/3장.pptx
@@ -272,7 +272,7 @@
           <a:p>
             <a:fld id="{D6256A93-9054-4FB5-A5A6-9D00BB2633B8}" type="datetimeFigureOut">
               <a:rPr lang="ko-KR" altLang="en-US" smtClean="0"/>
-              <a:t>2022-01-13</a:t>
+              <a:t>2022-02-04</a:t>
             </a:fld>
             <a:endParaRPr lang="ko-KR" altLang="en-US"/>
           </a:p>
@@ -442,7 +442,7 @@
           <a:p>
             <a:fld id="{D6256A93-9054-4FB5-A5A6-9D00BB2633B8}" type="datetimeFigureOut">
               <a:rPr lang="ko-KR" altLang="en-US" smtClean="0"/>
-              <a:t>2022-01-13</a:t>
+              <a:t>2022-02-04</a:t>
             </a:fld>
             <a:endParaRPr lang="ko-KR" altLang="en-US"/>
           </a:p>
@@ -622,7 +622,7 @@
           <a:p>
             <a:fld id="{D6256A93-9054-4FB5-A5A6-9D00BB2633B8}" type="datetimeFigureOut">
               <a:rPr lang="ko-KR" altLang="en-US" smtClean="0"/>
-              <a:t>2022-01-13</a:t>
+              <a:t>2022-02-04</a:t>
             </a:fld>
             <a:endParaRPr lang="ko-KR" altLang="en-US"/>
           </a:p>
@@ -792,7 +792,7 @@
           <a:p>
             <a:fld id="{D6256A93-9054-4FB5-A5A6-9D00BB2633B8}" type="datetimeFigureOut">
               <a:rPr lang="ko-KR" altLang="en-US" smtClean="0"/>
-              <a:t>2022-01-13</a:t>
+              <a:t>2022-02-04</a:t>
             </a:fld>
             <a:endParaRPr lang="ko-KR" altLang="en-US"/>
           </a:p>
@@ -1038,7 +1038,7 @@
           <a:p>
             <a:fld id="{D6256A93-9054-4FB5-A5A6-9D00BB2633B8}" type="datetimeFigureOut">
               <a:rPr lang="ko-KR" altLang="en-US" smtClean="0"/>
-              <a:t>2022-01-13</a:t>
+              <a:t>2022-02-04</a:t>
             </a:fld>
             <a:endParaRPr lang="ko-KR" altLang="en-US"/>
           </a:p>
@@ -1270,7 +1270,7 @@
           <a:p>
             <a:fld id="{D6256A93-9054-4FB5-A5A6-9D00BB2633B8}" type="datetimeFigureOut">
               <a:rPr lang="ko-KR" altLang="en-US" smtClean="0"/>
-              <a:t>2022-01-13</a:t>
+              <a:t>2022-02-04</a:t>
             </a:fld>
             <a:endParaRPr lang="ko-KR" altLang="en-US"/>
           </a:p>
@@ -1637,7 +1637,7 @@
           <a:p>
             <a:fld id="{D6256A93-9054-4FB5-A5A6-9D00BB2633B8}" type="datetimeFigureOut">
               <a:rPr lang="ko-KR" altLang="en-US" smtClean="0"/>
-              <a:t>2022-01-13</a:t>
+              <a:t>2022-02-04</a:t>
             </a:fld>
             <a:endParaRPr lang="ko-KR" altLang="en-US"/>
           </a:p>
@@ -1755,7 +1755,7 @@
           <a:p>
             <a:fld id="{D6256A93-9054-4FB5-A5A6-9D00BB2633B8}" type="datetimeFigureOut">
               <a:rPr lang="ko-KR" altLang="en-US" smtClean="0"/>
-              <a:t>2022-01-13</a:t>
+              <a:t>2022-02-04</a:t>
             </a:fld>
             <a:endParaRPr lang="ko-KR" altLang="en-US"/>
           </a:p>
@@ -1850,7 +1850,7 @@
           <a:p>
             <a:fld id="{D6256A93-9054-4FB5-A5A6-9D00BB2633B8}" type="datetimeFigureOut">
               <a:rPr lang="ko-KR" altLang="en-US" smtClean="0"/>
-              <a:t>2022-01-13</a:t>
+              <a:t>2022-02-04</a:t>
             </a:fld>
             <a:endParaRPr lang="ko-KR" altLang="en-US"/>
           </a:p>
@@ -2127,7 +2127,7 @@
           <a:p>
             <a:fld id="{D6256A93-9054-4FB5-A5A6-9D00BB2633B8}" type="datetimeFigureOut">
               <a:rPr lang="ko-KR" altLang="en-US" smtClean="0"/>
-              <a:t>2022-01-13</a:t>
+              <a:t>2022-02-04</a:t>
             </a:fld>
             <a:endParaRPr lang="ko-KR" altLang="en-US"/>
           </a:p>
@@ -2380,7 +2380,7 @@
           <a:p>
             <a:fld id="{D6256A93-9054-4FB5-A5A6-9D00BB2633B8}" type="datetimeFigureOut">
               <a:rPr lang="ko-KR" altLang="en-US" smtClean="0"/>
-              <a:t>2022-01-13</a:t>
+              <a:t>2022-02-04</a:t>
             </a:fld>
             <a:endParaRPr lang="ko-KR" altLang="en-US"/>
           </a:p>
@@ -2593,7 +2593,7 @@
           <a:p>
             <a:fld id="{D6256A93-9054-4FB5-A5A6-9D00BB2633B8}" type="datetimeFigureOut">
               <a:rPr lang="ko-KR" altLang="en-US" smtClean="0"/>
-              <a:t>2022-01-13</a:t>
+              <a:t>2022-02-04</a:t>
             </a:fld>
             <a:endParaRPr lang="ko-KR" altLang="en-US"/>
           </a:p>
@@ -4406,7 +4406,7 @@
             <a:pPr algn="ctr"/>
             <a:r>
               <a:rPr lang="ko-KR" altLang="en-US" dirty="0" smtClean="0"/>
-              <a:t>심미</a:t>
+              <a:t>미적</a:t>
             </a:r>
             <a:endParaRPr lang="ko-KR" altLang="en-US" dirty="0"/>
           </a:p>
@@ -4871,8 +4871,12 @@
           <a:p>
             <a:pPr algn="ctr"/>
             <a:r>
-              <a:rPr lang="ko-KR" altLang="en-US" sz="1600" smtClean="0"/>
-              <a:t>심미매핑</a:t>
+              <a:rPr lang="ko-KR" altLang="en-US" sz="1600" dirty="0" err="1" smtClean="0"/>
+              <a:t>미적</a:t>
+            </a:r>
+            <a:r>
+              <a:rPr lang="ko-KR" altLang="en-US" sz="1600" dirty="0" err="1" smtClean="0"/>
+              <a:t>매핑</a:t>
             </a:r>
             <a:endParaRPr lang="ko-KR" altLang="en-US" sz="1600" dirty="0"/>
           </a:p>
@@ -5391,8 +5395,12 @@
           <a:p>
             <a:pPr algn="ctr"/>
             <a:r>
-              <a:rPr lang="ko-KR" altLang="en-US" sz="1600" smtClean="0"/>
-              <a:t>심미매핑</a:t>
+              <a:rPr lang="ko-KR" altLang="en-US" sz="1600" dirty="0" err="1" smtClean="0"/>
+              <a:t>미적</a:t>
+            </a:r>
+            <a:r>
+              <a:rPr lang="ko-KR" altLang="en-US" sz="1600" dirty="0" err="1" smtClean="0"/>
+              <a:t>매핑</a:t>
             </a:r>
             <a:endParaRPr lang="ko-KR" altLang="en-US" sz="1600" dirty="0"/>
           </a:p>
@@ -14344,15 +14352,7 @@
               </a:r>
               <a:r>
                 <a:rPr lang="en-US" altLang="ko-KR" dirty="0" smtClean="0"/>
-                <a:t>(</a:t>
-              </a:r>
-              <a:r>
-                <a:rPr lang="en-US" altLang="ko-KR" dirty="0" smtClean="0"/>
-                <a:t>tick</a:t>
-              </a:r>
-              <a:r>
-                <a:rPr lang="en-US" altLang="ko-KR" dirty="0" smtClean="0"/>
-                <a:t>)</a:t>
+                <a:t>(tick)</a:t>
               </a:r>
               <a:endParaRPr lang="ko-KR" altLang="en-US" dirty="0"/>
             </a:p>
@@ -14439,15 +14439,7 @@
               </a:r>
               <a:r>
                 <a:rPr lang="en-US" altLang="ko-KR" dirty="0" smtClean="0"/>
-                <a:t>(</a:t>
-              </a:r>
-              <a:r>
-                <a:rPr lang="en-US" altLang="ko-KR" dirty="0" smtClean="0"/>
-                <a:t>title, name</a:t>
-              </a:r>
-              <a:r>
-                <a:rPr lang="en-US" altLang="ko-KR" dirty="0" smtClean="0"/>
-                <a:t>)</a:t>
+                <a:t>(title, name)</a:t>
               </a:r>
               <a:endParaRPr lang="ko-KR" altLang="en-US" dirty="0"/>
             </a:p>
@@ -14575,15 +14567,7 @@
               </a:r>
               <a:r>
                 <a:rPr lang="en-US" altLang="ko-KR" dirty="0" smtClean="0"/>
-                <a:t>(</a:t>
-              </a:r>
-              <a:r>
-                <a:rPr lang="en-US" altLang="ko-KR" dirty="0" smtClean="0"/>
-                <a:t>labels, text</a:t>
-              </a:r>
-              <a:r>
-                <a:rPr lang="en-US" altLang="ko-KR" dirty="0" smtClean="0"/>
-                <a:t>)</a:t>
+                <a:t>(labels, text)</a:t>
               </a:r>
               <a:endParaRPr lang="ko-KR" altLang="en-US" dirty="0"/>
             </a:p>
@@ -14714,15 +14698,7 @@
               </a:r>
               <a:r>
                 <a:rPr lang="en-US" altLang="ko-KR" dirty="0" smtClean="0"/>
-                <a:t>(</a:t>
-              </a:r>
-              <a:r>
-                <a:rPr lang="en-US" altLang="ko-KR" dirty="0" smtClean="0"/>
-                <a:t>breaks</a:t>
-              </a:r>
-              <a:r>
-                <a:rPr lang="en-US" altLang="ko-KR" dirty="0" smtClean="0"/>
-                <a:t>)</a:t>
+                <a:t>(breaks)</a:t>
               </a:r>
               <a:endParaRPr lang="ko-KR" altLang="en-US" dirty="0"/>
             </a:p>
@@ -14854,15 +14830,7 @@
             </a:r>
             <a:r>
               <a:rPr lang="en-US" altLang="ko-KR" dirty="0" smtClean="0"/>
-              <a:t>(</a:t>
-            </a:r>
-            <a:r>
-              <a:rPr lang="en-US" altLang="ko-KR" dirty="0" smtClean="0"/>
-              <a:t>line</a:t>
-            </a:r>
-            <a:r>
-              <a:rPr lang="en-US" altLang="ko-KR" dirty="0" smtClean="0"/>
-              <a:t>)</a:t>
+              <a:t>(line)</a:t>
             </a:r>
             <a:endParaRPr lang="ko-KR" altLang="en-US" dirty="0"/>
           </a:p>
